--- a/低功耗蓝牙开发权威指南_Modify.pptx
+++ b/低功耗蓝牙开发权威指南_Modify.pptx
@@ -5,10 +5,10 @@
     <p:sldMasterId id="2147483648" r:id="rId4"/>
   </p:sldMasterIdLst>
   <p:notesMasterIdLst>
-    <p:notesMasterId r:id="rId44"/>
+    <p:notesMasterId r:id="rId45"/>
   </p:notesMasterIdLst>
   <p:handoutMasterIdLst>
-    <p:handoutMasterId r:id="rId45"/>
+    <p:handoutMasterId r:id="rId46"/>
   </p:handoutMasterIdLst>
   <p:sldIdLst>
     <p:sldId id="279" r:id="rId5"/>
@@ -17,39 +17,40 @@
     <p:sldId id="407" r:id="rId8"/>
     <p:sldId id="408" r:id="rId9"/>
     <p:sldId id="281" r:id="rId10"/>
-    <p:sldId id="282" r:id="rId11"/>
-    <p:sldId id="283" r:id="rId12"/>
-    <p:sldId id="284" r:id="rId13"/>
-    <p:sldId id="285" r:id="rId14"/>
-    <p:sldId id="287" r:id="rId15"/>
-    <p:sldId id="286" r:id="rId16"/>
-    <p:sldId id="288" r:id="rId17"/>
-    <p:sldId id="289" r:id="rId18"/>
-    <p:sldId id="290" r:id="rId19"/>
-    <p:sldId id="291" r:id="rId20"/>
-    <p:sldId id="292" r:id="rId21"/>
-    <p:sldId id="293" r:id="rId22"/>
-    <p:sldId id="295" r:id="rId23"/>
-    <p:sldId id="296" r:id="rId24"/>
-    <p:sldId id="294" r:id="rId25"/>
-    <p:sldId id="297" r:id="rId26"/>
-    <p:sldId id="298" r:id="rId27"/>
-    <p:sldId id="355" r:id="rId28"/>
-    <p:sldId id="299" r:id="rId29"/>
-    <p:sldId id="301" r:id="rId30"/>
-    <p:sldId id="302" r:id="rId31"/>
-    <p:sldId id="303" r:id="rId32"/>
-    <p:sldId id="304" r:id="rId33"/>
-    <p:sldId id="401" r:id="rId34"/>
-    <p:sldId id="402" r:id="rId35"/>
-    <p:sldId id="382" r:id="rId36"/>
-    <p:sldId id="403" r:id="rId37"/>
-    <p:sldId id="388" r:id="rId38"/>
-    <p:sldId id="404" r:id="rId39"/>
-    <p:sldId id="394" r:id="rId40"/>
-    <p:sldId id="375" r:id="rId41"/>
-    <p:sldId id="405" r:id="rId42"/>
-    <p:sldId id="406" r:id="rId43"/>
+    <p:sldId id="409" r:id="rId11"/>
+    <p:sldId id="282" r:id="rId12"/>
+    <p:sldId id="283" r:id="rId13"/>
+    <p:sldId id="284" r:id="rId14"/>
+    <p:sldId id="285" r:id="rId15"/>
+    <p:sldId id="287" r:id="rId16"/>
+    <p:sldId id="286" r:id="rId17"/>
+    <p:sldId id="288" r:id="rId18"/>
+    <p:sldId id="289" r:id="rId19"/>
+    <p:sldId id="290" r:id="rId20"/>
+    <p:sldId id="291" r:id="rId21"/>
+    <p:sldId id="292" r:id="rId22"/>
+    <p:sldId id="293" r:id="rId23"/>
+    <p:sldId id="295" r:id="rId24"/>
+    <p:sldId id="296" r:id="rId25"/>
+    <p:sldId id="294" r:id="rId26"/>
+    <p:sldId id="297" r:id="rId27"/>
+    <p:sldId id="298" r:id="rId28"/>
+    <p:sldId id="355" r:id="rId29"/>
+    <p:sldId id="299" r:id="rId30"/>
+    <p:sldId id="301" r:id="rId31"/>
+    <p:sldId id="302" r:id="rId32"/>
+    <p:sldId id="303" r:id="rId33"/>
+    <p:sldId id="304" r:id="rId34"/>
+    <p:sldId id="401" r:id="rId35"/>
+    <p:sldId id="402" r:id="rId36"/>
+    <p:sldId id="382" r:id="rId37"/>
+    <p:sldId id="403" r:id="rId38"/>
+    <p:sldId id="388" r:id="rId39"/>
+    <p:sldId id="404" r:id="rId40"/>
+    <p:sldId id="394" r:id="rId41"/>
+    <p:sldId id="375" r:id="rId42"/>
+    <p:sldId id="405" r:id="rId43"/>
+    <p:sldId id="406" r:id="rId44"/>
   </p:sldIdLst>
   <p:sldSz cx="9144000" cy="6858000" type="screen4x3"/>
   <p:notesSz cx="7010400" cy="9296400"/>
@@ -1066,6 +1067,75 @@
       </p:grpSpPr>
       <p:sp>
         <p:nvSpPr>
+          <p:cNvPr id="135169" name="Rectangle 2"/>
+          <p:cNvSpPr>
+            <a:spLocks noGrp="1" noRot="1" noChangeAspect="1" noTextEdit="1"/>
+          </p:cNvSpPr>
+          <p:nvPr>
+            <p:ph type="sldImg"/>
+          </p:nvPr>
+        </p:nvSpPr>
+        <p:spPr bwMode="auto">
+          <a:noFill/>
+          <a:ln>
+            <a:solidFill>
+              <a:srgbClr val="000000"/>
+            </a:solidFill>
+            <a:miter lim="800000"/>
+            <a:headEnd/>
+            <a:tailEnd/>
+          </a:ln>
+        </p:spPr>
+      </p:sp>
+      <p:sp>
+        <p:nvSpPr>
+          <p:cNvPr id="135170" name="Rectangle 3"/>
+          <p:cNvSpPr>
+            <a:spLocks noGrp="1"/>
+          </p:cNvSpPr>
+          <p:nvPr>
+            <p:ph type="body" idx="1"/>
+          </p:nvPr>
+        </p:nvSpPr>
+        <p:spPr>
+          <a:noFill/>
+          <a:ln/>
+        </p:spPr>
+        <p:txBody>
+          <a:bodyPr/>
+          <a:lstStyle/>
+          <a:p>
+            <a:endParaRPr lang="en-US" smtClean="0"/>
+          </a:p>
+        </p:txBody>
+      </p:sp>
+    </p:spTree>
+  </p:cSld>
+  <p:clrMapOvr>
+    <a:masterClrMapping/>
+  </p:clrMapOvr>
+</p:notes>
+</file>
+
+<file path=ppt/notesSlides/notesSlide11.xml><?xml version="1.0" encoding="utf-8"?>
+<p:notes xmlns:a="http://schemas.openxmlformats.org/drawingml/2006/main" xmlns:r="http://schemas.openxmlformats.org/officeDocument/2006/relationships" xmlns:p="http://schemas.openxmlformats.org/presentationml/2006/main">
+  <p:cSld>
+    <p:spTree>
+      <p:nvGrpSpPr>
+        <p:cNvPr id="1" name=""/>
+        <p:cNvGrpSpPr/>
+        <p:nvPr/>
+      </p:nvGrpSpPr>
+      <p:grpSpPr>
+        <a:xfrm>
+          <a:off x="0" y="0"/>
+          <a:ext cx="0" cy="0"/>
+          <a:chOff x="0" y="0"/>
+          <a:chExt cx="0" cy="0"/>
+        </a:xfrm>
+      </p:grpSpPr>
+      <p:sp>
+        <p:nvSpPr>
           <p:cNvPr id="126977" name="Rectangle 2"/>
           <p:cNvSpPr>
             <a:spLocks noGrp="1" noRot="1" noChangeAspect="1" noTextEdit="1"/>
@@ -1116,7 +1186,7 @@
 </p:notes>
 </file>
 
-<file path=ppt/notesSlides/notesSlide11.xml><?xml version="1.0" encoding="utf-8"?>
+<file path=ppt/notesSlides/notesSlide12.xml><?xml version="1.0" encoding="utf-8"?>
 <p:notes xmlns:a="http://schemas.openxmlformats.org/drawingml/2006/main" xmlns:r="http://schemas.openxmlformats.org/officeDocument/2006/relationships" xmlns:p="http://schemas.openxmlformats.org/presentationml/2006/main">
   <p:cSld>
     <p:spTree>
@@ -1270,7 +1340,7 @@
               <a:pPr>
                 <a:defRPr/>
               </a:pPr>
-              <a:t>11</a:t>
+              <a:t>12</a:t>
             </a:fld>
             <a:endParaRPr lang="en-US"/>
           </a:p>
@@ -1284,7 +1354,7 @@
 </p:notes>
 </file>
 
-<file path=ppt/notesSlides/notesSlide12.xml><?xml version="1.0" encoding="utf-8"?>
+<file path=ppt/notesSlides/notesSlide13.xml><?xml version="1.0" encoding="utf-8"?>
 <p:notes xmlns:a="http://schemas.openxmlformats.org/drawingml/2006/main" xmlns:r="http://schemas.openxmlformats.org/officeDocument/2006/relationships" xmlns:p="http://schemas.openxmlformats.org/presentationml/2006/main">
   <p:cSld>
     <p:spTree>
@@ -1335,7 +1405,7 @@
                 <a:latin typeface="Times New Roman" pitchFamily="18" charset="0"/>
               </a:rPr>
               <a:pPr algn="r" defTabSz="904945" eaLnBrk="0" hangingPunct="0"/>
-              <a:t>13</a:t>
+              <a:t>14</a:t>
             </a:fld>
             <a:endParaRPr lang="en-US" sz="1100" dirty="0">
               <a:latin typeface="Times New Roman" pitchFamily="18" charset="0"/>
@@ -1403,7 +1473,7 @@
 </p:notes>
 </file>
 
-<file path=ppt/notesSlides/notesSlide13.xml><?xml version="1.0" encoding="utf-8"?>
+<file path=ppt/notesSlides/notesSlide14.xml><?xml version="1.0" encoding="utf-8"?>
 <p:notes xmlns:a="http://schemas.openxmlformats.org/drawingml/2006/main" xmlns:r="http://schemas.openxmlformats.org/officeDocument/2006/relationships" xmlns:p="http://schemas.openxmlformats.org/presentationml/2006/main">
   <p:cSld>
     <p:spTree>
@@ -1472,7 +1542,7 @@
 </p:notes>
 </file>
 
-<file path=ppt/notesSlides/notesSlide14.xml><?xml version="1.0" encoding="utf-8"?>
+<file path=ppt/notesSlides/notesSlide15.xml><?xml version="1.0" encoding="utf-8"?>
 <p:notes xmlns:a="http://schemas.openxmlformats.org/drawingml/2006/main" xmlns:r="http://schemas.openxmlformats.org/officeDocument/2006/relationships" xmlns:p="http://schemas.openxmlformats.org/presentationml/2006/main">
   <p:cSld>
     <p:spTree>
@@ -1541,7 +1611,7 @@
 </p:notes>
 </file>
 
-<file path=ppt/notesSlides/notesSlide15.xml><?xml version="1.0" encoding="utf-8"?>
+<file path=ppt/notesSlides/notesSlide16.xml><?xml version="1.0" encoding="utf-8"?>
 <p:notes xmlns:a="http://schemas.openxmlformats.org/drawingml/2006/main" xmlns:r="http://schemas.openxmlformats.org/officeDocument/2006/relationships" xmlns:p="http://schemas.openxmlformats.org/presentationml/2006/main">
   <p:cSld>
     <p:spTree>
@@ -1610,7 +1680,7 @@
 </p:notes>
 </file>
 
-<file path=ppt/notesSlides/notesSlide16.xml><?xml version="1.0" encoding="utf-8"?>
+<file path=ppt/notesSlides/notesSlide17.xml><?xml version="1.0" encoding="utf-8"?>
 <p:notes xmlns:a="http://schemas.openxmlformats.org/drawingml/2006/main" xmlns:r="http://schemas.openxmlformats.org/officeDocument/2006/relationships" xmlns:p="http://schemas.openxmlformats.org/presentationml/2006/main">
   <p:cSld>
     <p:spTree>
@@ -1679,7 +1749,7 @@
 </p:notes>
 </file>
 
-<file path=ppt/notesSlides/notesSlide17.xml><?xml version="1.0" encoding="utf-8"?>
+<file path=ppt/notesSlides/notesSlide18.xml><?xml version="1.0" encoding="utf-8"?>
 <p:notes xmlns:a="http://schemas.openxmlformats.org/drawingml/2006/main" xmlns:r="http://schemas.openxmlformats.org/officeDocument/2006/relationships" xmlns:p="http://schemas.openxmlformats.org/presentationml/2006/main">
   <p:cSld>
     <p:spTree>
@@ -1874,7 +1944,7 @@
               <a:pPr>
                 <a:defRPr/>
               </a:pPr>
-              <a:t>24</a:t>
+              <a:t>25</a:t>
             </a:fld>
             <a:endParaRPr lang="en-US"/>
           </a:p>
@@ -1888,7 +1958,7 @@
 </p:notes>
 </file>
 
-<file path=ppt/notesSlides/notesSlide18.xml><?xml version="1.0" encoding="utf-8"?>
+<file path=ppt/notesSlides/notesSlide19.xml><?xml version="1.0" encoding="utf-8"?>
 <p:notes xmlns:a="http://schemas.openxmlformats.org/drawingml/2006/main" xmlns:r="http://schemas.openxmlformats.org/officeDocument/2006/relationships" xmlns:p="http://schemas.openxmlformats.org/presentationml/2006/main">
   <p:cSld>
     <p:spTree>
@@ -2077,97 +2147,7 @@
               <a:pPr>
                 <a:defRPr/>
               </a:pPr>
-              <a:t>28</a:t>
-            </a:fld>
-            <a:endParaRPr lang="en-US"/>
-          </a:p>
-        </p:txBody>
-      </p:sp>
-    </p:spTree>
-  </p:cSld>
-  <p:clrMapOvr>
-    <a:masterClrMapping/>
-  </p:clrMapOvr>
-</p:notes>
-</file>
-
-<file path=ppt/notesSlides/notesSlide19.xml><?xml version="1.0" encoding="utf-8"?>
-<p:notes xmlns:a="http://schemas.openxmlformats.org/drawingml/2006/main" xmlns:r="http://schemas.openxmlformats.org/officeDocument/2006/relationships" xmlns:p="http://schemas.openxmlformats.org/presentationml/2006/main">
-  <p:cSld>
-    <p:spTree>
-      <p:nvGrpSpPr>
-        <p:cNvPr id="1" name=""/>
-        <p:cNvGrpSpPr/>
-        <p:nvPr/>
-      </p:nvGrpSpPr>
-      <p:grpSpPr>
-        <a:xfrm>
-          <a:off x="0" y="0"/>
-          <a:ext cx="0" cy="0"/>
-          <a:chOff x="0" y="0"/>
-          <a:chExt cx="0" cy="0"/>
-        </a:xfrm>
-      </p:grpSpPr>
-      <p:sp>
-        <p:nvSpPr>
-          <p:cNvPr id="72706" name="Slide Image Placeholder 1"/>
-          <p:cNvSpPr>
-            <a:spLocks noGrp="1" noRot="1" noChangeAspect="1" noTextEdit="1"/>
-          </p:cNvSpPr>
-          <p:nvPr>
-            <p:ph type="sldImg"/>
-          </p:nvPr>
-        </p:nvSpPr>
-        <p:spPr>
-          <a:ln/>
-        </p:spPr>
-      </p:sp>
-      <p:sp>
-        <p:nvSpPr>
-          <p:cNvPr id="72707" name="Notes Placeholder 2"/>
-          <p:cNvSpPr>
-            <a:spLocks noGrp="1"/>
-          </p:cNvSpPr>
-          <p:nvPr>
-            <p:ph type="body" idx="1"/>
-          </p:nvPr>
-        </p:nvSpPr>
-        <p:spPr>
-          <a:noFill/>
-          <a:ln/>
-        </p:spPr>
-        <p:txBody>
-          <a:bodyPr/>
-          <a:lstStyle/>
-          <a:p>
-            <a:endParaRPr lang="en-US" smtClean="0"/>
-          </a:p>
-        </p:txBody>
-      </p:sp>
-      <p:sp>
-        <p:nvSpPr>
-          <p:cNvPr id="4" name="Slide Number Placeholder 3"/>
-          <p:cNvSpPr>
-            <a:spLocks noGrp="1"/>
-          </p:cNvSpPr>
-          <p:nvPr>
-            <p:ph type="sldNum" sz="quarter" idx="5"/>
-          </p:nvPr>
-        </p:nvSpPr>
-        <p:spPr/>
-        <p:txBody>
-          <a:bodyPr/>
-          <a:lstStyle/>
-          <a:p>
-            <a:pPr>
-              <a:defRPr/>
-            </a:pPr>
-            <a:fld id="{FF1BFDE9-B946-4071-92C0-42CA6F437466}" type="slidenum">
-              <a:rPr lang="en-US" smtClean="0"/>
-              <a:pPr>
-                <a:defRPr/>
-              </a:pPr>
-              <a:t>30</a:t>
+              <a:t>29</a:t>
             </a:fld>
             <a:endParaRPr lang="en-US"/>
           </a:p>
@@ -2304,6 +2284,96 @@
       </p:grpSpPr>
       <p:sp>
         <p:nvSpPr>
+          <p:cNvPr id="72706" name="Slide Image Placeholder 1"/>
+          <p:cNvSpPr>
+            <a:spLocks noGrp="1" noRot="1" noChangeAspect="1" noTextEdit="1"/>
+          </p:cNvSpPr>
+          <p:nvPr>
+            <p:ph type="sldImg"/>
+          </p:nvPr>
+        </p:nvSpPr>
+        <p:spPr>
+          <a:ln/>
+        </p:spPr>
+      </p:sp>
+      <p:sp>
+        <p:nvSpPr>
+          <p:cNvPr id="72707" name="Notes Placeholder 2"/>
+          <p:cNvSpPr>
+            <a:spLocks noGrp="1"/>
+          </p:cNvSpPr>
+          <p:nvPr>
+            <p:ph type="body" idx="1"/>
+          </p:nvPr>
+        </p:nvSpPr>
+        <p:spPr>
+          <a:noFill/>
+          <a:ln/>
+        </p:spPr>
+        <p:txBody>
+          <a:bodyPr/>
+          <a:lstStyle/>
+          <a:p>
+            <a:endParaRPr lang="en-US" smtClean="0"/>
+          </a:p>
+        </p:txBody>
+      </p:sp>
+      <p:sp>
+        <p:nvSpPr>
+          <p:cNvPr id="4" name="Slide Number Placeholder 3"/>
+          <p:cNvSpPr>
+            <a:spLocks noGrp="1"/>
+          </p:cNvSpPr>
+          <p:nvPr>
+            <p:ph type="sldNum" sz="quarter" idx="5"/>
+          </p:nvPr>
+        </p:nvSpPr>
+        <p:spPr/>
+        <p:txBody>
+          <a:bodyPr/>
+          <a:lstStyle/>
+          <a:p>
+            <a:pPr>
+              <a:defRPr/>
+            </a:pPr>
+            <a:fld id="{FF1BFDE9-B946-4071-92C0-42CA6F437466}" type="slidenum">
+              <a:rPr lang="en-US" smtClean="0"/>
+              <a:pPr>
+                <a:defRPr/>
+              </a:pPr>
+              <a:t>31</a:t>
+            </a:fld>
+            <a:endParaRPr lang="en-US"/>
+          </a:p>
+        </p:txBody>
+      </p:sp>
+    </p:spTree>
+  </p:cSld>
+  <p:clrMapOvr>
+    <a:masterClrMapping/>
+  </p:clrMapOvr>
+</p:notes>
+</file>
+
+<file path=ppt/notesSlides/notesSlide21.xml><?xml version="1.0" encoding="utf-8"?>
+<p:notes xmlns:a="http://schemas.openxmlformats.org/drawingml/2006/main" xmlns:r="http://schemas.openxmlformats.org/officeDocument/2006/relationships" xmlns:p="http://schemas.openxmlformats.org/presentationml/2006/main">
+  <p:cSld>
+    <p:spTree>
+      <p:nvGrpSpPr>
+        <p:cNvPr id="1" name=""/>
+        <p:cNvGrpSpPr/>
+        <p:nvPr/>
+      </p:nvGrpSpPr>
+      <p:grpSpPr>
+        <a:xfrm>
+          <a:off x="0" y="0"/>
+          <a:ext cx="0" cy="0"/>
+          <a:chOff x="0" y="0"/>
+          <a:chExt cx="0" cy="0"/>
+        </a:xfrm>
+      </p:grpSpPr>
+      <p:sp>
+        <p:nvSpPr>
           <p:cNvPr id="2" name="Slide Image Placeholder 1"/>
           <p:cNvSpPr>
             <a:spLocks noGrp="1" noRot="1" noChangeAspect="1"/>
@@ -2478,7 +2548,7 @@
               <a:pPr>
                 <a:defRPr/>
               </a:pPr>
-              <a:t>31</a:t>
+              <a:t>32</a:t>
             </a:fld>
             <a:endParaRPr lang="en-US"/>
           </a:p>
@@ -2492,7 +2562,7 @@
 </p:notes>
 </file>
 
-<file path=ppt/notesSlides/notesSlide21.xml><?xml version="1.0" encoding="utf-8"?>
+<file path=ppt/notesSlides/notesSlide22.xml><?xml version="1.0" encoding="utf-8"?>
 <p:notes xmlns:a="http://schemas.openxmlformats.org/drawingml/2006/main" xmlns:r="http://schemas.openxmlformats.org/officeDocument/2006/relationships" xmlns:p="http://schemas.openxmlformats.org/presentationml/2006/main">
   <p:cSld>
     <p:spTree>
@@ -2568,7 +2638,7 @@
               <a:pPr>
                 <a:defRPr/>
               </a:pPr>
-              <a:t>32</a:t>
+              <a:t>33</a:t>
             </a:fld>
             <a:endParaRPr lang="en-US"/>
           </a:p>
@@ -2582,7 +2652,7 @@
 </p:notes>
 </file>
 
-<file path=ppt/notesSlides/notesSlide22.xml><?xml version="1.0" encoding="utf-8"?>
+<file path=ppt/notesSlides/notesSlide23.xml><?xml version="1.0" encoding="utf-8"?>
 <p:notes xmlns:a="http://schemas.openxmlformats.org/drawingml/2006/main" xmlns:r="http://schemas.openxmlformats.org/officeDocument/2006/relationships" xmlns:p="http://schemas.openxmlformats.org/presentationml/2006/main">
   <p:cSld>
     <p:spTree>
@@ -2848,7 +2918,7 @@
               <a:pPr>
                 <a:defRPr/>
               </a:pPr>
-              <a:t>34</a:t>
+              <a:t>35</a:t>
             </a:fld>
             <a:endParaRPr lang="en-US"/>
           </a:p>
@@ -2867,7 +2937,7 @@
 </p:notes>
 </file>
 
-<file path=ppt/notesSlides/notesSlide23.xml><?xml version="1.0" encoding="utf-8"?>
+<file path=ppt/notesSlides/notesSlide24.xml><?xml version="1.0" encoding="utf-8"?>
 <p:notes xmlns:a="http://schemas.openxmlformats.org/drawingml/2006/main" xmlns:r="http://schemas.openxmlformats.org/officeDocument/2006/relationships" xmlns:p="http://schemas.openxmlformats.org/presentationml/2006/main">
   <p:cSld>
     <p:spTree>
@@ -2973,7 +3043,7 @@
               <a:pPr>
                 <a:defRPr/>
               </a:pPr>
-              <a:t>35</a:t>
+              <a:t>36</a:t>
             </a:fld>
             <a:endParaRPr lang="en-US" smtClean="0">
               <a:solidFill>
@@ -2991,7 +3061,7 @@
 </p:notes>
 </file>
 
-<file path=ppt/notesSlides/notesSlide24.xml><?xml version="1.0" encoding="utf-8"?>
+<file path=ppt/notesSlides/notesSlide25.xml><?xml version="1.0" encoding="utf-8"?>
 <p:notes xmlns:a="http://schemas.openxmlformats.org/drawingml/2006/main" xmlns:r="http://schemas.openxmlformats.org/officeDocument/2006/relationships" xmlns:p="http://schemas.openxmlformats.org/presentationml/2006/main">
   <p:cSld>
     <p:spTree>
@@ -3189,7 +3259,7 @@
               <a:pPr>
                 <a:defRPr/>
               </a:pPr>
-              <a:t>36</a:t>
+              <a:t>37</a:t>
             </a:fld>
             <a:endParaRPr lang="en-US"/>
           </a:p>
@@ -3203,7 +3273,7 @@
 </p:notes>
 </file>
 
-<file path=ppt/notesSlides/notesSlide25.xml><?xml version="1.0" encoding="utf-8"?>
+<file path=ppt/notesSlides/notesSlide26.xml><?xml version="1.0" encoding="utf-8"?>
 <p:notes xmlns:a="http://schemas.openxmlformats.org/drawingml/2006/main" xmlns:r="http://schemas.openxmlformats.org/officeDocument/2006/relationships" xmlns:p="http://schemas.openxmlformats.org/presentationml/2006/main">
   <p:cSld>
     <p:spTree>
@@ -3396,7 +3466,7 @@
               <a:pPr>
                 <a:defRPr/>
               </a:pPr>
-              <a:t>37</a:t>
+              <a:t>38</a:t>
             </a:fld>
             <a:endParaRPr lang="en-US"/>
           </a:p>
@@ -3924,6 +3994,75 @@
       </p:grpSpPr>
       <p:sp>
         <p:nvSpPr>
+          <p:cNvPr id="126977" name="Rectangle 2"/>
+          <p:cNvSpPr>
+            <a:spLocks noGrp="1" noRot="1" noChangeAspect="1" noTextEdit="1"/>
+          </p:cNvSpPr>
+          <p:nvPr>
+            <p:ph type="sldImg"/>
+          </p:nvPr>
+        </p:nvSpPr>
+        <p:spPr bwMode="auto">
+          <a:noFill/>
+          <a:ln>
+            <a:solidFill>
+              <a:srgbClr val="000000"/>
+            </a:solidFill>
+            <a:miter lim="800000"/>
+            <a:headEnd/>
+            <a:tailEnd/>
+          </a:ln>
+        </p:spPr>
+      </p:sp>
+      <p:sp>
+        <p:nvSpPr>
+          <p:cNvPr id="126978" name="Rectangle 3"/>
+          <p:cNvSpPr>
+            <a:spLocks noGrp="1"/>
+          </p:cNvSpPr>
+          <p:nvPr>
+            <p:ph type="body" idx="1"/>
+          </p:nvPr>
+        </p:nvSpPr>
+        <p:spPr>
+          <a:noFill/>
+          <a:ln/>
+        </p:spPr>
+        <p:txBody>
+          <a:bodyPr/>
+          <a:lstStyle/>
+          <a:p>
+            <a:endParaRPr lang="en-US" smtClean="0"/>
+          </a:p>
+        </p:txBody>
+      </p:sp>
+    </p:spTree>
+  </p:cSld>
+  <p:clrMapOvr>
+    <a:masterClrMapping/>
+  </p:clrMapOvr>
+</p:notes>
+</file>
+
+<file path=ppt/notesSlides/notesSlide8.xml><?xml version="1.0" encoding="utf-8"?>
+<p:notes xmlns:a="http://schemas.openxmlformats.org/drawingml/2006/main" xmlns:r="http://schemas.openxmlformats.org/officeDocument/2006/relationships" xmlns:p="http://schemas.openxmlformats.org/presentationml/2006/main">
+  <p:cSld>
+    <p:spTree>
+      <p:nvGrpSpPr>
+        <p:cNvPr id="1" name=""/>
+        <p:cNvGrpSpPr/>
+        <p:nvPr/>
+      </p:nvGrpSpPr>
+      <p:grpSpPr>
+        <a:xfrm>
+          <a:off x="0" y="0"/>
+          <a:ext cx="0" cy="0"/>
+          <a:chOff x="0" y="0"/>
+          <a:chExt cx="0" cy="0"/>
+        </a:xfrm>
+      </p:grpSpPr>
+      <p:sp>
+        <p:nvSpPr>
           <p:cNvPr id="131073" name="Rectangle 2"/>
           <p:cNvSpPr>
             <a:spLocks noGrp="1" noRot="1" noChangeAspect="1" noTextEdit="1"/>
@@ -3974,7 +4113,7 @@
 </p:notes>
 </file>
 
-<file path=ppt/notesSlides/notesSlide8.xml><?xml version="1.0" encoding="utf-8"?>
+<file path=ppt/notesSlides/notesSlide9.xml><?xml version="1.0" encoding="utf-8"?>
 <p:notes xmlns:a="http://schemas.openxmlformats.org/drawingml/2006/main" xmlns:r="http://schemas.openxmlformats.org/officeDocument/2006/relationships" xmlns:p="http://schemas.openxmlformats.org/presentationml/2006/main">
   <p:cSld>
     <p:spTree>
@@ -4016,75 +4155,6 @@
       <p:sp>
         <p:nvSpPr>
           <p:cNvPr id="126978" name="Rectangle 3"/>
-          <p:cNvSpPr>
-            <a:spLocks noGrp="1"/>
-          </p:cNvSpPr>
-          <p:nvPr>
-            <p:ph type="body" idx="1"/>
-          </p:nvPr>
-        </p:nvSpPr>
-        <p:spPr>
-          <a:noFill/>
-          <a:ln/>
-        </p:spPr>
-        <p:txBody>
-          <a:bodyPr/>
-          <a:lstStyle/>
-          <a:p>
-            <a:endParaRPr lang="en-US" smtClean="0"/>
-          </a:p>
-        </p:txBody>
-      </p:sp>
-    </p:spTree>
-  </p:cSld>
-  <p:clrMapOvr>
-    <a:masterClrMapping/>
-  </p:clrMapOvr>
-</p:notes>
-</file>
-
-<file path=ppt/notesSlides/notesSlide9.xml><?xml version="1.0" encoding="utf-8"?>
-<p:notes xmlns:a="http://schemas.openxmlformats.org/drawingml/2006/main" xmlns:r="http://schemas.openxmlformats.org/officeDocument/2006/relationships" xmlns:p="http://schemas.openxmlformats.org/presentationml/2006/main">
-  <p:cSld>
-    <p:spTree>
-      <p:nvGrpSpPr>
-        <p:cNvPr id="1" name=""/>
-        <p:cNvGrpSpPr/>
-        <p:nvPr/>
-      </p:nvGrpSpPr>
-      <p:grpSpPr>
-        <a:xfrm>
-          <a:off x="0" y="0"/>
-          <a:ext cx="0" cy="0"/>
-          <a:chOff x="0" y="0"/>
-          <a:chExt cx="0" cy="0"/>
-        </a:xfrm>
-      </p:grpSpPr>
-      <p:sp>
-        <p:nvSpPr>
-          <p:cNvPr id="135169" name="Rectangle 2"/>
-          <p:cNvSpPr>
-            <a:spLocks noGrp="1" noRot="1" noChangeAspect="1" noTextEdit="1"/>
-          </p:cNvSpPr>
-          <p:nvPr>
-            <p:ph type="sldImg"/>
-          </p:nvPr>
-        </p:nvSpPr>
-        <p:spPr bwMode="auto">
-          <a:noFill/>
-          <a:ln>
-            <a:solidFill>
-              <a:srgbClr val="000000"/>
-            </a:solidFill>
-            <a:miter lim="800000"/>
-            <a:headEnd/>
-            <a:tailEnd/>
-          </a:ln>
-        </p:spPr>
-      </p:sp>
-      <p:sp>
-        <p:nvSpPr>
-          <p:cNvPr id="135170" name="Rectangle 3"/>
           <p:cNvSpPr>
             <a:spLocks noGrp="1"/>
           </p:cNvSpPr>
@@ -9289,6 +9359,283 @@
       </p:grpSpPr>
       <p:sp>
         <p:nvSpPr>
+          <p:cNvPr id="134145" name="Rectangle 3"/>
+          <p:cNvSpPr>
+            <a:spLocks noChangeArrowheads="1"/>
+          </p:cNvSpPr>
+          <p:nvPr/>
+        </p:nvSpPr>
+        <p:spPr bwMode="auto">
+          <a:xfrm>
+            <a:off x="333375" y="1258888"/>
+            <a:ext cx="8477250" cy="2816225"/>
+          </a:xfrm>
+          <a:prstGeom prst="rect">
+            <a:avLst/>
+          </a:prstGeom>
+          <a:noFill/>
+          <a:ln w="9525">
+            <a:noFill/>
+            <a:miter lim="800000"/>
+            <a:headEnd/>
+            <a:tailEnd/>
+          </a:ln>
+        </p:spPr>
+        <p:txBody>
+          <a:bodyPr/>
+          <a:lstStyle/>
+          <a:p>
+            <a:pPr marL="342900" indent="-342900">
+              <a:lnSpc>
+                <a:spcPct val="90000"/>
+              </a:lnSpc>
+              <a:spcBef>
+                <a:spcPct val="20000"/>
+              </a:spcBef>
+              <a:buFontTx/>
+              <a:buChar char="•"/>
+            </a:pPr>
+            <a:r>
+              <a:rPr lang="en-US" sz="2200"/>
+              <a:t>Passive Scanning</a:t>
+            </a:r>
+          </a:p>
+          <a:p>
+            <a:pPr marL="742950" lvl="1" indent="-285750">
+              <a:lnSpc>
+                <a:spcPct val="90000"/>
+              </a:lnSpc>
+              <a:spcBef>
+                <a:spcPct val="20000"/>
+              </a:spcBef>
+              <a:buFontTx/>
+              <a:buChar char="–"/>
+            </a:pPr>
+            <a:r>
+              <a:rPr lang="en-US"/>
+              <a:t>Scanner listens on advertising channels for advertising packets</a:t>
+            </a:r>
+          </a:p>
+          <a:p>
+            <a:pPr marL="742950" lvl="1" indent="-285750">
+              <a:lnSpc>
+                <a:spcPct val="90000"/>
+              </a:lnSpc>
+              <a:spcBef>
+                <a:spcPct val="20000"/>
+              </a:spcBef>
+              <a:buFontTx/>
+              <a:buChar char="–"/>
+            </a:pPr>
+            <a:r>
+              <a:rPr lang="en-US"/>
+              <a:t>When an advertisement packet is received, it passes the information up to the host</a:t>
+            </a:r>
+          </a:p>
+          <a:p>
+            <a:pPr marL="342900" indent="-342900">
+              <a:lnSpc>
+                <a:spcPct val="90000"/>
+              </a:lnSpc>
+              <a:spcBef>
+                <a:spcPct val="20000"/>
+              </a:spcBef>
+              <a:buFontTx/>
+              <a:buChar char="•"/>
+            </a:pPr>
+            <a:r>
+              <a:rPr lang="en-US" sz="2200"/>
+              <a:t>Active Scanning</a:t>
+            </a:r>
+          </a:p>
+          <a:p>
+            <a:pPr marL="742950" lvl="1" indent="-285750">
+              <a:lnSpc>
+                <a:spcPct val="90000"/>
+              </a:lnSpc>
+              <a:spcBef>
+                <a:spcPct val="20000"/>
+              </a:spcBef>
+              <a:buFontTx/>
+              <a:buChar char="–"/>
+            </a:pPr>
+            <a:r>
+              <a:rPr lang="en-US"/>
+              <a:t>Scanner listens on advertising channels for advertising packets</a:t>
+            </a:r>
+          </a:p>
+          <a:p>
+            <a:pPr marL="742950" lvl="1" indent="-285750">
+              <a:lnSpc>
+                <a:spcPct val="90000"/>
+              </a:lnSpc>
+              <a:spcBef>
+                <a:spcPct val="20000"/>
+              </a:spcBef>
+              <a:buFontTx/>
+              <a:buChar char="–"/>
+            </a:pPr>
+            <a:r>
+              <a:rPr lang="en-US"/>
+              <a:t>When an advertisement packet is received, it responds with a “scan request” packet</a:t>
+            </a:r>
+          </a:p>
+          <a:p>
+            <a:pPr marL="742950" lvl="1" indent="-285750">
+              <a:lnSpc>
+                <a:spcPct val="90000"/>
+              </a:lnSpc>
+              <a:spcBef>
+                <a:spcPct val="20000"/>
+              </a:spcBef>
+              <a:buFontTx/>
+              <a:buChar char="–"/>
+            </a:pPr>
+            <a:r>
+              <a:rPr lang="en-US"/>
+              <a:t>Advertiser then responds back with a “scan response” packet (this packet can contain additional data from advertiser)</a:t>
+            </a:r>
+          </a:p>
+        </p:txBody>
+      </p:sp>
+      <p:sp>
+        <p:nvSpPr>
+          <p:cNvPr id="134146" name="Rectangle 2"/>
+          <p:cNvSpPr>
+            <a:spLocks noGrp="1" noChangeArrowheads="1"/>
+          </p:cNvSpPr>
+          <p:nvPr>
+            <p:ph type="title" idx="4294967295"/>
+          </p:nvPr>
+        </p:nvSpPr>
+        <p:spPr>
+          <a:xfrm>
+            <a:off x="0" y="142875"/>
+            <a:ext cx="8458200" cy="814388"/>
+          </a:xfrm>
+        </p:spPr>
+        <p:txBody>
+          <a:bodyPr/>
+          <a:lstStyle/>
+          <a:p>
+            <a:pPr algn="ctr" eaLnBrk="1" hangingPunct="1"/>
+            <a:r>
+              <a:rPr lang="en-US" dirty="0" smtClean="0"/>
+              <a:t>BLE Link Layer: Scanning</a:t>
+            </a:r>
+          </a:p>
+        </p:txBody>
+      </p:sp>
+      <p:sp>
+        <p:nvSpPr>
+          <p:cNvPr id="134147" name="Footer Placeholder 4"/>
+          <p:cNvSpPr txBox="1">
+            <a:spLocks noGrp="1"/>
+          </p:cNvSpPr>
+          <p:nvPr/>
+        </p:nvSpPr>
+        <p:spPr bwMode="auto">
+          <a:xfrm>
+            <a:off x="3114675" y="6038850"/>
+            <a:ext cx="2895600" cy="206375"/>
+          </a:xfrm>
+          <a:prstGeom prst="rect">
+            <a:avLst/>
+          </a:prstGeom>
+          <a:noFill/>
+          <a:ln w="9525">
+            <a:noFill/>
+            <a:miter lim="800000"/>
+            <a:headEnd/>
+            <a:tailEnd/>
+          </a:ln>
+        </p:spPr>
+        <p:txBody>
+          <a:bodyPr/>
+          <a:lstStyle/>
+          <a:p>
+            <a:pPr algn="ctr"/>
+            <a:r>
+              <a:rPr lang="en-US" sz="800"/>
+              <a:t>TI Information – Selective Disclosure</a:t>
+            </a:r>
+          </a:p>
+        </p:txBody>
+      </p:sp>
+      <p:sp>
+        <p:nvSpPr>
+          <p:cNvPr id="134148" name="Rectangle 3"/>
+          <p:cNvSpPr>
+            <a:spLocks noChangeArrowheads="1"/>
+          </p:cNvSpPr>
+          <p:nvPr/>
+        </p:nvSpPr>
+        <p:spPr bwMode="auto">
+          <a:xfrm>
+            <a:off x="333375" y="1258888"/>
+            <a:ext cx="8523288" cy="4619625"/>
+          </a:xfrm>
+          <a:prstGeom prst="rect">
+            <a:avLst/>
+          </a:prstGeom>
+          <a:noFill/>
+          <a:ln w="9525">
+            <a:noFill/>
+            <a:miter lim="800000"/>
+            <a:headEnd/>
+            <a:tailEnd/>
+          </a:ln>
+        </p:spPr>
+        <p:txBody>
+          <a:bodyPr/>
+          <a:lstStyle/>
+          <a:p>
+            <a:pPr marL="342900" indent="-342900">
+              <a:lnSpc>
+                <a:spcPct val="80000"/>
+              </a:lnSpc>
+              <a:spcBef>
+                <a:spcPct val="20000"/>
+              </a:spcBef>
+            </a:pPr>
+            <a:endParaRPr lang="nb-NO"/>
+          </a:p>
+        </p:txBody>
+      </p:sp>
+    </p:spTree>
+  </p:cSld>
+  <p:clrMapOvr>
+    <a:masterClrMapping/>
+  </p:clrMapOvr>
+  <p:timing>
+    <p:tnLst>
+      <p:par>
+        <p:cTn id="1" dur="indefinite" restart="never" nodeType="tmRoot"/>
+      </p:par>
+    </p:tnLst>
+  </p:timing>
+</p:sld>
+</file>
+
+<file path=ppt/slides/slide11.xml><?xml version="1.0" encoding="utf-8"?>
+<p:sld xmlns:a="http://schemas.openxmlformats.org/drawingml/2006/main" xmlns:r="http://schemas.openxmlformats.org/officeDocument/2006/relationships" xmlns:p="http://schemas.openxmlformats.org/presentationml/2006/main">
+  <p:cSld>
+    <p:spTree>
+      <p:nvGrpSpPr>
+        <p:cNvPr id="1" name=""/>
+        <p:cNvGrpSpPr/>
+        <p:nvPr/>
+      </p:nvGrpSpPr>
+      <p:grpSpPr>
+        <a:xfrm>
+          <a:off x="0" y="0"/>
+          <a:ext cx="0" cy="0"/>
+          <a:chOff x="0" y="0"/>
+          <a:chExt cx="0" cy="0"/>
+        </a:xfrm>
+      </p:grpSpPr>
+      <p:sp>
+        <p:nvSpPr>
           <p:cNvPr id="125957" name="Rectangle 2"/>
           <p:cNvSpPr>
             <a:spLocks noGrp="1" noChangeArrowheads="1"/>
@@ -9367,7 +9714,7 @@
           <a:graphicData uri="http://schemas.openxmlformats.org/presentationml/2006/ole">
             <mc:AlternateContent xmlns:mc="http://schemas.openxmlformats.org/markup-compatibility/2006">
               <mc:Choice xmlns:v="urn:schemas-microsoft-com:vml" Requires="v">
-                <p:oleObj spid="_x0000_s3110" name="Visio" r:id="rId4" imgW="6124575" imgH="4092702" progId="">
+                <p:oleObj spid="_x0000_s3117" name="Visio" r:id="rId4" imgW="6124575" imgH="4092702" progId="">
                   <p:embed/>
                 </p:oleObj>
               </mc:Choice>
@@ -9546,7 +9893,7 @@
 </p:sld>
 </file>
 
-<file path=ppt/slides/slide11.xml><?xml version="1.0" encoding="utf-8"?>
+<file path=ppt/slides/slide12.xml><?xml version="1.0" encoding="utf-8"?>
 <p:sld xmlns:a="http://schemas.openxmlformats.org/drawingml/2006/main" xmlns:r="http://schemas.openxmlformats.org/officeDocument/2006/relationships" xmlns:p="http://schemas.openxmlformats.org/presentationml/2006/main">
   <p:cSld>
     <p:spTree>
@@ -9682,7 +10029,12 @@
             <p:ph type="sldNum" sz="quarter" idx="10"/>
           </p:nvPr>
         </p:nvSpPr>
-        <p:spPr/>
+        <p:spPr>
+          <a:xfrm>
+            <a:off x="6642100" y="5480647"/>
+            <a:ext cx="2133600" cy="206375"/>
+          </a:xfrm>
+        </p:spPr>
         <p:txBody>
           <a:bodyPr/>
           <a:lstStyle/>
@@ -9695,7 +10047,7 @@
               <a:pPr>
                 <a:defRPr/>
               </a:pPr>
-              <a:t>11</a:t>
+              <a:t>12</a:t>
             </a:fld>
             <a:endParaRPr lang="en-US"/>
           </a:p>
@@ -9718,7 +10070,7 @@
         </p:blipFill>
         <p:spPr bwMode="auto">
           <a:xfrm>
-            <a:off x="2032000" y="3962400"/>
+            <a:off x="2032000" y="3393084"/>
             <a:ext cx="5156200" cy="1803400"/>
           </a:xfrm>
           <a:prstGeom prst="rect">
@@ -9735,8 +10087,8 @@
         </p:nvSpPr>
         <p:spPr>
           <a:xfrm>
-            <a:off x="3657600" y="5892800"/>
-            <a:ext cx="881973" cy="307777"/>
+            <a:off x="3544977" y="5408863"/>
+            <a:ext cx="1101546" cy="523220"/>
           </a:xfrm>
           <a:prstGeom prst="rect">
             <a:avLst/>
@@ -9744,18 +10096,14 @@
           <a:noFill/>
         </p:spPr>
         <p:txBody>
-          <a:bodyPr wrap="none" rtlCol="0">
+          <a:bodyPr wrap="square" rtlCol="0">
             <a:spAutoFit/>
           </a:bodyPr>
           <a:lstStyle/>
           <a:p>
             <a:r>
-              <a:rPr lang="nb-NO" sz="1400" dirty="0" smtClean="0">
-                <a:solidFill>
-                  <a:schemeClr val="accent6"/>
-                </a:solidFill>
-              </a:rPr>
-              <a:t>Sleeping</a:t>
+              <a:rPr lang="en-US" sz="1400" dirty="0"/>
+              <a:t>Connection interval</a:t>
             </a:r>
             <a:endParaRPr lang="en-US" sz="1400" dirty="0">
               <a:solidFill>
@@ -9773,7 +10121,7 @@
         </p:nvSpPr>
         <p:spPr>
           <a:xfrm>
-            <a:off x="3454400" y="4038600"/>
+            <a:off x="3454400" y="3469284"/>
             <a:ext cx="241300" cy="228600"/>
           </a:xfrm>
           <a:prstGeom prst="ellipse">
@@ -9817,7 +10165,7 @@
         </p:nvSpPr>
         <p:spPr>
           <a:xfrm>
-            <a:off x="4483100" y="4038600"/>
+            <a:off x="4483100" y="3469284"/>
             <a:ext cx="241300" cy="228600"/>
           </a:xfrm>
           <a:prstGeom prst="ellipse">
@@ -9861,7 +10209,7 @@
         </p:nvSpPr>
         <p:spPr>
           <a:xfrm>
-            <a:off x="5511800" y="4038600"/>
+            <a:off x="5511800" y="3469284"/>
             <a:ext cx="241300" cy="228600"/>
           </a:xfrm>
           <a:prstGeom prst="ellipse">
@@ -9905,7 +10253,7 @@
         </p:nvSpPr>
         <p:spPr>
           <a:xfrm>
-            <a:off x="3530600" y="3670300"/>
+            <a:off x="3530600" y="3100984"/>
             <a:ext cx="2121093" cy="369332"/>
           </a:xfrm>
           <a:prstGeom prst="rect">
@@ -9943,7 +10291,7 @@
         </p:nvCxnSpPr>
         <p:spPr>
           <a:xfrm flipV="1">
-            <a:off x="7175500" y="5638800"/>
+            <a:off x="7175500" y="5069484"/>
             <a:ext cx="342900" cy="12700"/>
           </a:xfrm>
           <a:prstGeom prst="straightConnector1">
@@ -9976,7 +10324,7 @@
         </p:nvSpPr>
         <p:spPr>
           <a:xfrm>
-            <a:off x="7315200" y="5638800"/>
+            <a:off x="7315200" y="5069484"/>
             <a:ext cx="620683" cy="369332"/>
           </a:xfrm>
           <a:prstGeom prst="rect">
@@ -10014,7 +10362,7 @@
         </p:nvCxnSpPr>
         <p:spPr>
           <a:xfrm flipH="1" flipV="1">
-            <a:off x="2031174" y="4013200"/>
+            <a:off x="2031174" y="3443884"/>
             <a:ext cx="26226" cy="1612900"/>
           </a:xfrm>
           <a:prstGeom prst="straightConnector1">
@@ -10050,7 +10398,7 @@
         </p:nvSpPr>
         <p:spPr>
           <a:xfrm>
-            <a:off x="355600" y="4038600"/>
+            <a:off x="355600" y="3469284"/>
             <a:ext cx="1518364" cy="646331"/>
           </a:xfrm>
           <a:prstGeom prst="rect">
@@ -10087,7 +10435,7 @@
         </p:nvSpPr>
         <p:spPr>
           <a:xfrm rot="5400000">
-            <a:off x="3994150" y="5378450"/>
+            <a:off x="3994150" y="4809134"/>
             <a:ext cx="203200" cy="952500"/>
           </a:xfrm>
           <a:prstGeom prst="rightBrace">
@@ -10133,7 +10481,7 @@
         </p:nvSpPr>
         <p:spPr>
           <a:xfrm rot="5400000">
-            <a:off x="5010150" y="5391150"/>
+            <a:off x="5010150" y="4821834"/>
             <a:ext cx="203200" cy="952500"/>
           </a:xfrm>
           <a:prstGeom prst="rightBrace">
@@ -10171,182 +10519,6 @@
           </a:p>
         </p:txBody>
       </p:sp>
-      <p:sp>
-        <p:nvSpPr>
-          <p:cNvPr id="39" name="TextBox 38"/>
-          <p:cNvSpPr txBox="1"/>
-          <p:nvPr/>
-        </p:nvSpPr>
-        <p:spPr>
-          <a:xfrm>
-            <a:off x="4686300" y="5905500"/>
-            <a:ext cx="881973" cy="307777"/>
-          </a:xfrm>
-          <a:prstGeom prst="rect">
-            <a:avLst/>
-          </a:prstGeom>
-          <a:noFill/>
-        </p:spPr>
-        <p:txBody>
-          <a:bodyPr wrap="none" rtlCol="0">
-            <a:spAutoFit/>
-          </a:bodyPr>
-          <a:lstStyle/>
-          <a:p>
-            <a:r>
-              <a:rPr lang="nb-NO" sz="1400" dirty="0" smtClean="0">
-                <a:solidFill>
-                  <a:schemeClr val="accent6"/>
-                </a:solidFill>
-              </a:rPr>
-              <a:t>Sleeping</a:t>
-            </a:r>
-            <a:endParaRPr lang="en-US" sz="1400" dirty="0">
-              <a:solidFill>
-                <a:schemeClr val="accent6"/>
-              </a:solidFill>
-            </a:endParaRPr>
-          </a:p>
-        </p:txBody>
-      </p:sp>
-      <p:pic>
-        <p:nvPicPr>
-          <p:cNvPr id="40" name="Picture 2" descr="C:\SvnRepo\Projects\Application Notes\Pictures\Edit_scope_9_short_wo_cursors.png"/>
-          <p:cNvPicPr>
-            <a:picLocks noChangeAspect="1" noChangeArrowheads="1"/>
-          </p:cNvPicPr>
-          <p:nvPr/>
-        </p:nvPicPr>
-        <p:blipFill>
-          <a:blip r:embed="rId4" cstate="print"/>
-          <a:srcRect t="18482" r="6162"/>
-          <a:stretch>
-            <a:fillRect/>
-          </a:stretch>
-        </p:blipFill>
-        <p:spPr bwMode="auto">
-          <a:xfrm>
-            <a:off x="5953829" y="2201333"/>
-            <a:ext cx="2953103" cy="1291479"/>
-          </a:xfrm>
-          <a:prstGeom prst="ellipse">
-            <a:avLst/>
-          </a:prstGeom>
-          <a:ln>
-            <a:noFill/>
-          </a:ln>
-          <a:effectLst>
-            <a:softEdge rad="112500"/>
-          </a:effectLst>
-        </p:spPr>
-      </p:pic>
-      <p:sp>
-        <p:nvSpPr>
-          <p:cNvPr id="41" name="Oval 40"/>
-          <p:cNvSpPr/>
-          <p:nvPr/>
-        </p:nvSpPr>
-        <p:spPr>
-          <a:xfrm>
-            <a:off x="6050844" y="2223911"/>
-            <a:ext cx="2799645" cy="1298222"/>
-          </a:xfrm>
-          <a:prstGeom prst="ellipse">
-            <a:avLst/>
-          </a:prstGeom>
-          <a:noFill/>
-        </p:spPr>
-        <p:style>
-          <a:lnRef idx="2">
-            <a:schemeClr val="accent6">
-              <a:shade val="50000"/>
-            </a:schemeClr>
-          </a:lnRef>
-          <a:fillRef idx="1">
-            <a:schemeClr val="accent6"/>
-          </a:fillRef>
-          <a:effectRef idx="0">
-            <a:schemeClr val="accent6"/>
-          </a:effectRef>
-          <a:fontRef idx="minor">
-            <a:schemeClr val="lt1"/>
-          </a:fontRef>
-        </p:style>
-        <p:txBody>
-          <a:bodyPr rtlCol="0" anchor="ctr"/>
-          <a:lstStyle/>
-          <a:p>
-            <a:pPr algn="ctr"/>
-            <a:endParaRPr lang="en-US"/>
-          </a:p>
-        </p:txBody>
-      </p:sp>
-      <p:cxnSp>
-        <p:nvCxnSpPr>
-          <p:cNvPr id="42" name="Straight Connector 41"/>
-          <p:cNvCxnSpPr>
-            <a:stCxn id="31" idx="2"/>
-            <a:endCxn id="41" idx="2"/>
-          </p:cNvCxnSpPr>
-          <p:nvPr/>
-        </p:nvCxnSpPr>
-        <p:spPr>
-          <a:xfrm flipV="1">
-            <a:off x="5511800" y="2873022"/>
-            <a:ext cx="539044" cy="1279878"/>
-          </a:xfrm>
-          <a:prstGeom prst="line">
-            <a:avLst/>
-          </a:prstGeom>
-        </p:spPr>
-        <p:style>
-          <a:lnRef idx="1">
-            <a:schemeClr val="accent3"/>
-          </a:lnRef>
-          <a:fillRef idx="0">
-            <a:schemeClr val="accent3"/>
-          </a:fillRef>
-          <a:effectRef idx="0">
-            <a:schemeClr val="accent3"/>
-          </a:effectRef>
-          <a:fontRef idx="minor">
-            <a:schemeClr val="tx1"/>
-          </a:fontRef>
-        </p:style>
-      </p:cxnSp>
-      <p:cxnSp>
-        <p:nvCxnSpPr>
-          <p:cNvPr id="43" name="Straight Connector 42"/>
-          <p:cNvCxnSpPr>
-            <a:stCxn id="31" idx="5"/>
-            <a:endCxn id="41" idx="5"/>
-          </p:cNvCxnSpPr>
-          <p:nvPr/>
-        </p:nvCxnSpPr>
-        <p:spPr>
-          <a:xfrm flipV="1">
-            <a:off x="5717762" y="3332013"/>
-            <a:ext cx="2722728" cy="901709"/>
-          </a:xfrm>
-          <a:prstGeom prst="line">
-            <a:avLst/>
-          </a:prstGeom>
-        </p:spPr>
-        <p:style>
-          <a:lnRef idx="1">
-            <a:schemeClr val="accent3"/>
-          </a:lnRef>
-          <a:fillRef idx="0">
-            <a:schemeClr val="accent3"/>
-          </a:fillRef>
-          <a:effectRef idx="0">
-            <a:schemeClr val="accent3"/>
-          </a:effectRef>
-          <a:fontRef idx="minor">
-            <a:schemeClr val="tx1"/>
-          </a:fontRef>
-        </p:style>
-      </p:cxnSp>
     </p:spTree>
   </p:cSld>
   <p:clrMapOvr>
@@ -10362,7 +10534,7 @@
 </p:sld>
 </file>
 
-<file path=ppt/slides/slide12.xml><?xml version="1.0" encoding="utf-8"?>
+<file path=ppt/slides/slide13.xml><?xml version="1.0" encoding="utf-8"?>
 <p:sld xmlns:a="http://schemas.openxmlformats.org/drawingml/2006/main" xmlns:r="http://schemas.openxmlformats.org/officeDocument/2006/relationships" xmlns:p="http://schemas.openxmlformats.org/presentationml/2006/main">
   <p:cSld>
     <p:spTree>
@@ -10589,7 +10761,7 @@
               <a:pPr>
                 <a:defRPr/>
               </a:pPr>
-              <a:t>12</a:t>
+              <a:t>13</a:t>
             </a:fld>
             <a:endParaRPr lang="en-US"/>
           </a:p>
@@ -10926,7 +11098,7 @@
 </p:sld>
 </file>
 
-<file path=ppt/slides/slide13.xml><?xml version="1.0" encoding="utf-8"?>
+<file path=ppt/slides/slide14.xml><?xml version="1.0" encoding="utf-8"?>
 <p:sld xmlns:a="http://schemas.openxmlformats.org/drawingml/2006/main" xmlns:r="http://schemas.openxmlformats.org/officeDocument/2006/relationships" xmlns:p="http://schemas.openxmlformats.org/presentationml/2006/main">
   <p:cSld>
     <p:spTree>
@@ -11003,7 +11175,7 @@
             <a:fld id="{B1E8BF4E-1933-4A6D-BA83-B8AA46F8F1C2}" type="slidenum">
               <a:rPr lang="en-US" sz="800"/>
               <a:pPr algn="r"/>
-              <a:t>13</a:t>
+              <a:t>14</a:t>
             </a:fld>
             <a:endParaRPr lang="en-US" sz="800"/>
           </a:p>
@@ -11604,7 +11776,7 @@
         </p:nvSpPr>
         <p:spPr bwMode="auto">
           <a:xfrm>
-            <a:off x="1189038" y="4552950"/>
+            <a:off x="1189038" y="4173406"/>
             <a:ext cx="6705600" cy="457200"/>
           </a:xfrm>
           <a:prstGeom prst="rect">
@@ -11650,7 +11822,7 @@
         </p:nvSpPr>
         <p:spPr bwMode="auto">
           <a:xfrm>
-            <a:off x="523875" y="4960938"/>
+            <a:off x="523875" y="4581394"/>
             <a:ext cx="7629525" cy="623887"/>
           </a:xfrm>
           <a:prstGeom prst="rightArrow">
@@ -11706,7 +11878,7 @@
         </p:nvSpPr>
         <p:spPr bwMode="auto">
           <a:xfrm>
-            <a:off x="6513513" y="4773613"/>
+            <a:off x="6513513" y="4394069"/>
             <a:ext cx="315912" cy="344487"/>
           </a:xfrm>
           <a:prstGeom prst="roundRect">
@@ -11759,7 +11931,7 @@
         </p:nvSpPr>
         <p:spPr bwMode="auto">
           <a:xfrm>
-            <a:off x="6970713" y="4773613"/>
+            <a:off x="6970713" y="4394069"/>
             <a:ext cx="506412" cy="347662"/>
           </a:xfrm>
           <a:prstGeom prst="roundRect">
@@ -11818,7 +11990,7 @@
         </p:nvSpPr>
         <p:spPr bwMode="auto">
           <a:xfrm>
-            <a:off x="476250" y="5476875"/>
+            <a:off x="476250" y="5097331"/>
             <a:ext cx="7839075" cy="265113"/>
           </a:xfrm>
           <a:prstGeom prst="rect">
@@ -11853,7 +12025,7 @@
               <a:buNone/>
             </a:pPr>
             <a:r>
-              <a:rPr lang="en-US" sz="1400"/>
+              <a:rPr lang="en-US" sz="1400" dirty="0"/>
               <a:t>Slave latency on.  Slave can skip n connection events. Only wake up if slave has data to send. </a:t>
             </a:r>
           </a:p>
@@ -11960,7 +12132,7 @@
         </p:nvSpPr>
         <p:spPr bwMode="auto">
           <a:xfrm>
-            <a:off x="6962775" y="4019550"/>
+            <a:off x="6962775" y="3640006"/>
             <a:ext cx="723900" cy="720725"/>
           </a:xfrm>
           <a:prstGeom prst="rect">
@@ -12275,7 +12447,7 @@
         </p:nvSpPr>
         <p:spPr bwMode="auto">
           <a:xfrm>
-            <a:off x="3741738" y="4792663"/>
+            <a:off x="3741738" y="4413119"/>
             <a:ext cx="315912" cy="344487"/>
           </a:xfrm>
           <a:prstGeom prst="roundRect">
@@ -12330,7 +12502,7 @@
         </p:nvSpPr>
         <p:spPr bwMode="auto">
           <a:xfrm>
-            <a:off x="5122863" y="4783138"/>
+            <a:off x="5122863" y="4403594"/>
             <a:ext cx="315912" cy="344487"/>
           </a:xfrm>
           <a:prstGeom prst="roundRect">
@@ -12385,7 +12557,7 @@
         </p:nvSpPr>
         <p:spPr bwMode="auto">
           <a:xfrm>
-            <a:off x="1027113" y="4783138"/>
+            <a:off x="1027113" y="4403594"/>
             <a:ext cx="315912" cy="344487"/>
           </a:xfrm>
           <a:prstGeom prst="roundRect">
@@ -12438,7 +12610,7 @@
         </p:nvSpPr>
         <p:spPr bwMode="auto">
           <a:xfrm>
-            <a:off x="1484313" y="4783138"/>
+            <a:off x="1484313" y="4403594"/>
             <a:ext cx="315912" cy="344487"/>
           </a:xfrm>
           <a:prstGeom prst="roundRect">
@@ -12497,7 +12669,7 @@
         </p:nvSpPr>
         <p:spPr bwMode="auto">
           <a:xfrm>
-            <a:off x="2408238" y="4773613"/>
+            <a:off x="2408238" y="4394069"/>
             <a:ext cx="315912" cy="344487"/>
           </a:xfrm>
           <a:prstGeom prst="roundRect">
@@ -12600,7 +12772,7 @@
         </p:nvSpPr>
         <p:spPr>
           <a:xfrm>
-            <a:off x="488950" y="4376738"/>
+            <a:off x="488950" y="3997194"/>
             <a:ext cx="2640013" cy="338137"/>
           </a:xfrm>
           <a:prstGeom prst="rect">
@@ -12697,7 +12869,7 @@
 </p:sld>
 </file>
 
-<file path=ppt/slides/slide14.xml><?xml version="1.0" encoding="utf-8"?>
+<file path=ppt/slides/slide15.xml><?xml version="1.0" encoding="utf-8"?>
 <p:sld xmlns:a="http://schemas.openxmlformats.org/drawingml/2006/main" xmlns:r="http://schemas.openxmlformats.org/officeDocument/2006/relationships" xmlns:p="http://schemas.openxmlformats.org/presentationml/2006/main">
   <p:cSld>
     <p:spTree>
@@ -12816,210 +12988,6 @@
       <p:sp>
         <p:nvSpPr>
           <p:cNvPr id="154627" name="Footer Placeholder 4"/>
-          <p:cNvSpPr txBox="1">
-            <a:spLocks noGrp="1"/>
-          </p:cNvSpPr>
-          <p:nvPr/>
-        </p:nvSpPr>
-        <p:spPr bwMode="auto">
-          <a:xfrm>
-            <a:off x="3114675" y="6038850"/>
-            <a:ext cx="2895600" cy="206375"/>
-          </a:xfrm>
-          <a:prstGeom prst="rect">
-            <a:avLst/>
-          </a:prstGeom>
-          <a:noFill/>
-          <a:ln w="9525">
-            <a:noFill/>
-            <a:miter lim="800000"/>
-            <a:headEnd/>
-            <a:tailEnd/>
-          </a:ln>
-        </p:spPr>
-        <p:txBody>
-          <a:bodyPr/>
-          <a:lstStyle/>
-          <a:p>
-            <a:pPr algn="ctr"/>
-            <a:r>
-              <a:rPr lang="en-US" sz="800"/>
-              <a:t>TI Information – Selective Disclosure</a:t>
-            </a:r>
-          </a:p>
-        </p:txBody>
-      </p:sp>
-    </p:spTree>
-  </p:cSld>
-  <p:clrMapOvr>
-    <a:masterClrMapping/>
-  </p:clrMapOvr>
-  <p:timing>
-    <p:tnLst>
-      <p:par>
-        <p:cTn id="1" dur="indefinite" restart="never" nodeType="tmRoot"/>
-      </p:par>
-    </p:tnLst>
-  </p:timing>
-</p:sld>
-</file>
-
-<file path=ppt/slides/slide15.xml><?xml version="1.0" encoding="utf-8"?>
-<p:sld xmlns:a="http://schemas.openxmlformats.org/drawingml/2006/main" xmlns:r="http://schemas.openxmlformats.org/officeDocument/2006/relationships" xmlns:p="http://schemas.openxmlformats.org/presentationml/2006/main">
-  <p:cSld>
-    <p:spTree>
-      <p:nvGrpSpPr>
-        <p:cNvPr id="1" name=""/>
-        <p:cNvGrpSpPr/>
-        <p:nvPr/>
-      </p:nvGrpSpPr>
-      <p:grpSpPr>
-        <a:xfrm>
-          <a:off x="0" y="0"/>
-          <a:ext cx="0" cy="0"/>
-          <a:chOff x="0" y="0"/>
-          <a:chExt cx="0" cy="0"/>
-        </a:xfrm>
-      </p:grpSpPr>
-      <p:sp>
-        <p:nvSpPr>
-          <p:cNvPr id="156673" name="Rectangle 2"/>
-          <p:cNvSpPr>
-            <a:spLocks noGrp="1" noChangeArrowheads="1"/>
-          </p:cNvSpPr>
-          <p:nvPr>
-            <p:ph type="title" idx="4294967295"/>
-          </p:nvPr>
-        </p:nvSpPr>
-        <p:spPr>
-          <a:xfrm>
-            <a:off x="0" y="142875"/>
-            <a:ext cx="8458200" cy="814388"/>
-          </a:xfrm>
-        </p:spPr>
-        <p:txBody>
-          <a:bodyPr/>
-          <a:lstStyle/>
-          <a:p>
-            <a:pPr eaLnBrk="1" hangingPunct="1"/>
-            <a:r>
-              <a:rPr lang="en-US" sz="3200" smtClean="0"/>
-              <a:t>BLE Link Layer: Connection Termination</a:t>
-            </a:r>
-          </a:p>
-        </p:txBody>
-      </p:sp>
-      <p:sp>
-        <p:nvSpPr>
-          <p:cNvPr id="156674" name="Rectangle 3"/>
-          <p:cNvSpPr>
-            <a:spLocks noGrp="1" noChangeArrowheads="1"/>
-          </p:cNvSpPr>
-          <p:nvPr>
-            <p:ph type="body" idx="4294967295"/>
-          </p:nvPr>
-        </p:nvSpPr>
-        <p:spPr>
-          <a:xfrm>
-            <a:off x="0" y="1258888"/>
-            <a:ext cx="8477250" cy="4619625"/>
-          </a:xfrm>
-        </p:spPr>
-        <p:txBody>
-          <a:bodyPr/>
-          <a:lstStyle/>
-          <a:p>
-            <a:pPr eaLnBrk="1" hangingPunct="1">
-              <a:lnSpc>
-                <a:spcPct val="80000"/>
-              </a:lnSpc>
-            </a:pPr>
-            <a:r>
-              <a:rPr lang="nb-NO" sz="2400" smtClean="0"/>
-              <a:t>A connection can be voluntarily terminated by either the master or the slave for any reason</a:t>
-            </a:r>
-          </a:p>
-          <a:p>
-            <a:pPr lvl="1" eaLnBrk="1" hangingPunct="1">
-              <a:lnSpc>
-                <a:spcPct val="80000"/>
-              </a:lnSpc>
-            </a:pPr>
-            <a:r>
-              <a:rPr lang="nb-NO" sz="2000" smtClean="0"/>
-              <a:t>One side initiates termination, and the other side must respond accordingly before both devices exit the connected state</a:t>
-            </a:r>
-          </a:p>
-          <a:p>
-            <a:pPr eaLnBrk="1" hangingPunct="1">
-              <a:lnSpc>
-                <a:spcPct val="80000"/>
-              </a:lnSpc>
-            </a:pPr>
-            <a:r>
-              <a:rPr lang="nb-NO" sz="2400" smtClean="0"/>
-              <a:t>Connection can also be terminated as a result of a supervision timeout</a:t>
-            </a:r>
-          </a:p>
-          <a:p>
-            <a:pPr lvl="1" eaLnBrk="1" hangingPunct="1">
-              <a:lnSpc>
-                <a:spcPct val="80000"/>
-              </a:lnSpc>
-            </a:pPr>
-            <a:r>
-              <a:rPr lang="nb-NO" sz="2000" smtClean="0"/>
-              <a:t>The supervision timeout parameter specifies the maximum amount of time that either the master or slave can go before receiving a link-layer packet</a:t>
-            </a:r>
-          </a:p>
-          <a:p>
-            <a:pPr lvl="1" eaLnBrk="1" hangingPunct="1">
-              <a:lnSpc>
-                <a:spcPct val="80000"/>
-              </a:lnSpc>
-            </a:pPr>
-            <a:r>
-              <a:rPr lang="nb-NO" sz="2000" smtClean="0"/>
-              <a:t>Supervision timeout value must be greater than the effective connection interval and less than 32.0 seconds</a:t>
-            </a:r>
-          </a:p>
-          <a:p>
-            <a:pPr lvl="1" eaLnBrk="1" hangingPunct="1">
-              <a:lnSpc>
-                <a:spcPct val="80000"/>
-              </a:lnSpc>
-            </a:pPr>
-            <a:r>
-              <a:rPr lang="nb-NO" sz="2000" smtClean="0"/>
-              <a:t>Both slave and master device maintain their own </a:t>
-            </a:r>
-            <a:r>
-              <a:rPr lang="en-US" altLang="ja-JP" sz="2000" smtClean="0">
-                <a:ea typeface="ＭＳ Ｐゴシック" pitchFamily="34" charset="-128"/>
-              </a:rPr>
-              <a:t>“</a:t>
-            </a:r>
-            <a:r>
-              <a:rPr lang="nb-NO" sz="2000" smtClean="0"/>
-              <a:t>Supervision timer”, which resets to zero every time a packet is received</a:t>
-            </a:r>
-          </a:p>
-          <a:p>
-            <a:pPr lvl="1" eaLnBrk="1" hangingPunct="1">
-              <a:lnSpc>
-                <a:spcPct val="80000"/>
-              </a:lnSpc>
-            </a:pPr>
-            <a:r>
-              <a:rPr lang="nb-NO" sz="2000" smtClean="0"/>
-              <a:t>If supervision timer ever reaches the supervision timeout, the device considers the connection lost, and exits the connection state (returning to the advertising, scanning, or standby state)</a:t>
-            </a:r>
-          </a:p>
-        </p:txBody>
-      </p:sp>
-      <p:sp>
-        <p:nvSpPr>
-          <p:cNvPr id="156675" name="Footer Placeholder 4"/>
           <p:cNvSpPr txBox="1">
             <a:spLocks noGrp="1"/>
           </p:cNvSpPr>
@@ -13087,6 +13055,210 @@
       </p:grpSpPr>
       <p:sp>
         <p:nvSpPr>
+          <p:cNvPr id="156673" name="Rectangle 2"/>
+          <p:cNvSpPr>
+            <a:spLocks noGrp="1" noChangeArrowheads="1"/>
+          </p:cNvSpPr>
+          <p:nvPr>
+            <p:ph type="title" idx="4294967295"/>
+          </p:nvPr>
+        </p:nvSpPr>
+        <p:spPr>
+          <a:xfrm>
+            <a:off x="0" y="142875"/>
+            <a:ext cx="8458200" cy="814388"/>
+          </a:xfrm>
+        </p:spPr>
+        <p:txBody>
+          <a:bodyPr/>
+          <a:lstStyle/>
+          <a:p>
+            <a:pPr eaLnBrk="1" hangingPunct="1"/>
+            <a:r>
+              <a:rPr lang="en-US" sz="3200" smtClean="0"/>
+              <a:t>BLE Link Layer: Connection Termination</a:t>
+            </a:r>
+          </a:p>
+        </p:txBody>
+      </p:sp>
+      <p:sp>
+        <p:nvSpPr>
+          <p:cNvPr id="156674" name="Rectangle 3"/>
+          <p:cNvSpPr>
+            <a:spLocks noGrp="1" noChangeArrowheads="1"/>
+          </p:cNvSpPr>
+          <p:nvPr>
+            <p:ph type="body" idx="4294967295"/>
+          </p:nvPr>
+        </p:nvSpPr>
+        <p:spPr>
+          <a:xfrm>
+            <a:off x="0" y="1258888"/>
+            <a:ext cx="8477250" cy="4619625"/>
+          </a:xfrm>
+        </p:spPr>
+        <p:txBody>
+          <a:bodyPr/>
+          <a:lstStyle/>
+          <a:p>
+            <a:pPr eaLnBrk="1" hangingPunct="1">
+              <a:lnSpc>
+                <a:spcPct val="80000"/>
+              </a:lnSpc>
+            </a:pPr>
+            <a:r>
+              <a:rPr lang="nb-NO" sz="2400" smtClean="0"/>
+              <a:t>A connection can be voluntarily terminated by either the master or the slave for any reason</a:t>
+            </a:r>
+          </a:p>
+          <a:p>
+            <a:pPr lvl="1" eaLnBrk="1" hangingPunct="1">
+              <a:lnSpc>
+                <a:spcPct val="80000"/>
+              </a:lnSpc>
+            </a:pPr>
+            <a:r>
+              <a:rPr lang="nb-NO" sz="2000" smtClean="0"/>
+              <a:t>One side initiates termination, and the other side must respond accordingly before both devices exit the connected state</a:t>
+            </a:r>
+          </a:p>
+          <a:p>
+            <a:pPr eaLnBrk="1" hangingPunct="1">
+              <a:lnSpc>
+                <a:spcPct val="80000"/>
+              </a:lnSpc>
+            </a:pPr>
+            <a:r>
+              <a:rPr lang="nb-NO" sz="2400" smtClean="0"/>
+              <a:t>Connection can also be terminated as a result of a supervision timeout</a:t>
+            </a:r>
+          </a:p>
+          <a:p>
+            <a:pPr lvl="1" eaLnBrk="1" hangingPunct="1">
+              <a:lnSpc>
+                <a:spcPct val="80000"/>
+              </a:lnSpc>
+            </a:pPr>
+            <a:r>
+              <a:rPr lang="nb-NO" sz="2000" smtClean="0"/>
+              <a:t>The supervision timeout parameter specifies the maximum amount of time that either the master or slave can go before receiving a link-layer packet</a:t>
+            </a:r>
+          </a:p>
+          <a:p>
+            <a:pPr lvl="1" eaLnBrk="1" hangingPunct="1">
+              <a:lnSpc>
+                <a:spcPct val="80000"/>
+              </a:lnSpc>
+            </a:pPr>
+            <a:r>
+              <a:rPr lang="nb-NO" sz="2000" smtClean="0"/>
+              <a:t>Supervision timeout value must be greater than the effective connection interval and less than 32.0 seconds</a:t>
+            </a:r>
+          </a:p>
+          <a:p>
+            <a:pPr lvl="1" eaLnBrk="1" hangingPunct="1">
+              <a:lnSpc>
+                <a:spcPct val="80000"/>
+              </a:lnSpc>
+            </a:pPr>
+            <a:r>
+              <a:rPr lang="nb-NO" sz="2000" smtClean="0"/>
+              <a:t>Both slave and master device maintain their own </a:t>
+            </a:r>
+            <a:r>
+              <a:rPr lang="en-US" altLang="ja-JP" sz="2000" smtClean="0">
+                <a:ea typeface="ＭＳ Ｐゴシック" pitchFamily="34" charset="-128"/>
+              </a:rPr>
+              <a:t>“</a:t>
+            </a:r>
+            <a:r>
+              <a:rPr lang="nb-NO" sz="2000" smtClean="0"/>
+              <a:t>Supervision timer”, which resets to zero every time a packet is received</a:t>
+            </a:r>
+          </a:p>
+          <a:p>
+            <a:pPr lvl="1" eaLnBrk="1" hangingPunct="1">
+              <a:lnSpc>
+                <a:spcPct val="80000"/>
+              </a:lnSpc>
+            </a:pPr>
+            <a:r>
+              <a:rPr lang="nb-NO" sz="2000" smtClean="0"/>
+              <a:t>If supervision timer ever reaches the supervision timeout, the device considers the connection lost, and exits the connection state (returning to the advertising, scanning, or standby state)</a:t>
+            </a:r>
+          </a:p>
+        </p:txBody>
+      </p:sp>
+      <p:sp>
+        <p:nvSpPr>
+          <p:cNvPr id="156675" name="Footer Placeholder 4"/>
+          <p:cNvSpPr txBox="1">
+            <a:spLocks noGrp="1"/>
+          </p:cNvSpPr>
+          <p:nvPr/>
+        </p:nvSpPr>
+        <p:spPr bwMode="auto">
+          <a:xfrm>
+            <a:off x="3114675" y="6038850"/>
+            <a:ext cx="2895600" cy="206375"/>
+          </a:xfrm>
+          <a:prstGeom prst="rect">
+            <a:avLst/>
+          </a:prstGeom>
+          <a:noFill/>
+          <a:ln w="9525">
+            <a:noFill/>
+            <a:miter lim="800000"/>
+            <a:headEnd/>
+            <a:tailEnd/>
+          </a:ln>
+        </p:spPr>
+        <p:txBody>
+          <a:bodyPr/>
+          <a:lstStyle/>
+          <a:p>
+            <a:pPr algn="ctr"/>
+            <a:r>
+              <a:rPr lang="en-US" sz="800"/>
+              <a:t>TI Information – Selective Disclosure</a:t>
+            </a:r>
+          </a:p>
+        </p:txBody>
+      </p:sp>
+    </p:spTree>
+  </p:cSld>
+  <p:clrMapOvr>
+    <a:masterClrMapping/>
+  </p:clrMapOvr>
+  <p:timing>
+    <p:tnLst>
+      <p:par>
+        <p:cTn id="1" dur="indefinite" restart="never" nodeType="tmRoot"/>
+      </p:par>
+    </p:tnLst>
+  </p:timing>
+</p:sld>
+</file>
+
+<file path=ppt/slides/slide17.xml><?xml version="1.0" encoding="utf-8"?>
+<p:sld xmlns:a="http://schemas.openxmlformats.org/drawingml/2006/main" xmlns:r="http://schemas.openxmlformats.org/officeDocument/2006/relationships" xmlns:p="http://schemas.openxmlformats.org/presentationml/2006/main">
+  <p:cSld>
+    <p:spTree>
+      <p:nvGrpSpPr>
+        <p:cNvPr id="1" name=""/>
+        <p:cNvGrpSpPr/>
+        <p:nvPr/>
+      </p:nvGrpSpPr>
+      <p:grpSpPr>
+        <a:xfrm>
+          <a:off x="0" y="0"/>
+          <a:ext cx="0" cy="0"/>
+          <a:chOff x="0" y="0"/>
+          <a:chExt cx="0" cy="0"/>
+        </a:xfrm>
+      </p:grpSpPr>
+      <p:sp>
+        <p:nvSpPr>
           <p:cNvPr id="2" name="Title 1"/>
           <p:cNvSpPr>
             <a:spLocks noGrp="1"/>
@@ -13274,7 +13446,7 @@
               <a:pPr>
                 <a:defRPr/>
               </a:pPr>
-              <a:t>16</a:t>
+              <a:t>17</a:t>
             </a:fld>
             <a:endParaRPr lang="en-US"/>
           </a:p>
@@ -14189,7 +14361,7 @@
 </p:sld>
 </file>
 
-<file path=ppt/slides/slide17.xml><?xml version="1.0" encoding="utf-8"?>
+<file path=ppt/slides/slide18.xml><?xml version="1.0" encoding="utf-8"?>
 <p:sld xmlns:a="http://schemas.openxmlformats.org/drawingml/2006/main" xmlns:r="http://schemas.openxmlformats.org/officeDocument/2006/relationships" xmlns:p="http://schemas.openxmlformats.org/presentationml/2006/main">
   <p:cSld>
     <p:spTree>
@@ -14294,7 +14466,7 @@
               <a:pPr>
                 <a:defRPr/>
               </a:pPr>
-              <a:t>17</a:t>
+              <a:t>18</a:t>
             </a:fld>
             <a:endParaRPr lang="en-US"/>
           </a:p>
@@ -15209,7 +15381,7 @@
 </p:sld>
 </file>
 
-<file path=ppt/slides/slide18.xml><?xml version="1.0" encoding="utf-8"?>
+<file path=ppt/slides/slide19.xml><?xml version="1.0" encoding="utf-8"?>
 <p:sld xmlns:a="http://schemas.openxmlformats.org/drawingml/2006/main" xmlns:r="http://schemas.openxmlformats.org/officeDocument/2006/relationships" xmlns:p="http://schemas.openxmlformats.org/presentationml/2006/main">
   <p:cSld>
     <p:spTree>
@@ -15451,7 +15623,7 @@
               <a:pPr>
                 <a:defRPr/>
               </a:pPr>
-              <a:t>18</a:t>
+              <a:t>19</a:t>
             </a:fld>
             <a:endParaRPr lang="en-US"/>
           </a:p>
@@ -16351,205 +16523,6 @@
           </p:txBody>
         </p:sp>
       </p:grpSp>
-    </p:spTree>
-  </p:cSld>
-  <p:clrMapOvr>
-    <a:masterClrMapping/>
-  </p:clrMapOvr>
-  <p:timing>
-    <p:tnLst>
-      <p:par>
-        <p:cTn id="1" dur="indefinite" restart="never" nodeType="tmRoot"/>
-      </p:par>
-    </p:tnLst>
-  </p:timing>
-</p:sld>
-</file>
-
-<file path=ppt/slides/slide19.xml><?xml version="1.0" encoding="utf-8"?>
-<p:sld xmlns:a="http://schemas.openxmlformats.org/drawingml/2006/main" xmlns:r="http://schemas.openxmlformats.org/officeDocument/2006/relationships" xmlns:p="http://schemas.openxmlformats.org/presentationml/2006/main">
-  <p:cSld>
-    <p:spTree>
-      <p:nvGrpSpPr>
-        <p:cNvPr id="1" name=""/>
-        <p:cNvGrpSpPr/>
-        <p:nvPr/>
-      </p:nvGrpSpPr>
-      <p:grpSpPr>
-        <a:xfrm>
-          <a:off x="0" y="0"/>
-          <a:ext cx="0" cy="0"/>
-          <a:chOff x="0" y="0"/>
-          <a:chExt cx="0" cy="0"/>
-        </a:xfrm>
-      </p:grpSpPr>
-      <p:sp>
-        <p:nvSpPr>
-          <p:cNvPr id="182273" name="Rectangle 2"/>
-          <p:cNvSpPr>
-            <a:spLocks noGrp="1" noChangeArrowheads="1"/>
-          </p:cNvSpPr>
-          <p:nvPr>
-            <p:ph type="title" idx="4294967295"/>
-          </p:nvPr>
-        </p:nvSpPr>
-        <p:spPr>
-          <a:xfrm>
-            <a:off x="0" y="142875"/>
-            <a:ext cx="8458200" cy="814388"/>
-          </a:xfrm>
-        </p:spPr>
-        <p:txBody>
-          <a:bodyPr/>
-          <a:lstStyle/>
-          <a:p>
-            <a:pPr eaLnBrk="1" hangingPunct="1"/>
-            <a:r>
-              <a:rPr lang="en-US" sz="3200" dirty="0" smtClean="0"/>
-              <a:t>BLE Security Manager Protocol (SMP):</a:t>
-            </a:r>
-            <a:r>
-              <a:rPr lang="en-US" dirty="0" smtClean="0"/>
-              <a:t> </a:t>
-            </a:r>
-            <a:br>
-              <a:rPr lang="en-US" dirty="0" smtClean="0"/>
-            </a:br>
-            <a:r>
-              <a:rPr lang="en-US" sz="3200" dirty="0" smtClean="0"/>
-              <a:t>Pairing</a:t>
-            </a:r>
-          </a:p>
-        </p:txBody>
-      </p:sp>
-      <p:sp>
-        <p:nvSpPr>
-          <p:cNvPr id="182274" name="Rectangle 3"/>
-          <p:cNvSpPr>
-            <a:spLocks noGrp="1" noChangeArrowheads="1"/>
-          </p:cNvSpPr>
-          <p:nvPr>
-            <p:ph type="body" idx="4294967295"/>
-          </p:nvPr>
-        </p:nvSpPr>
-        <p:spPr>
-          <a:xfrm>
-            <a:off x="620713" y="1258888"/>
-            <a:ext cx="8523287" cy="4619625"/>
-          </a:xfrm>
-        </p:spPr>
-        <p:txBody>
-          <a:bodyPr/>
-          <a:lstStyle/>
-          <a:p>
-            <a:pPr eaLnBrk="1" hangingPunct="1">
-              <a:lnSpc>
-                <a:spcPct val="80000"/>
-              </a:lnSpc>
-            </a:pPr>
-            <a:r>
-              <a:rPr lang="nb-NO" sz="2400" dirty="0" smtClean="0">
-                <a:ea typeface="ＭＳ Ｐゴシック" pitchFamily="34" charset="-128"/>
-              </a:rPr>
-              <a:t>Pairing can be initiated by either the central or peripheral device</a:t>
-            </a:r>
-          </a:p>
-          <a:p>
-            <a:pPr eaLnBrk="1" hangingPunct="1">
-              <a:lnSpc>
-                <a:spcPct val="80000"/>
-              </a:lnSpc>
-            </a:pPr>
-            <a:r>
-              <a:rPr lang="nb-NO" sz="2400" dirty="0" smtClean="0">
-                <a:ea typeface="ＭＳ Ｐゴシック" pitchFamily="34" charset="-128"/>
-              </a:rPr>
-              <a:t>During pairing, the two devices generate and exchange short-term keys (STK) which can be used to decrypt data packets</a:t>
-            </a:r>
-          </a:p>
-          <a:p>
-            <a:pPr eaLnBrk="1" hangingPunct="1">
-              <a:lnSpc>
-                <a:spcPct val="80000"/>
-              </a:lnSpc>
-            </a:pPr>
-            <a:r>
-              <a:rPr lang="nb-NO" sz="2400" dirty="0" smtClean="0">
-                <a:ea typeface="ＭＳ Ｐゴシック" pitchFamily="34" charset="-128"/>
-              </a:rPr>
-              <a:t>In addition, either device can request to enable </a:t>
-            </a:r>
-            <a:r>
-              <a:rPr lang="en-US" altLang="ja-JP" sz="2400" dirty="0" smtClean="0">
-                <a:ea typeface="ＭＳ Ｐゴシック" pitchFamily="34" charset="-128"/>
-              </a:rPr>
-              <a:t>“bonding” to create a long-term relationship between the two devices</a:t>
-            </a:r>
-          </a:p>
-          <a:p>
-            <a:pPr lvl="1" eaLnBrk="1" hangingPunct="1">
-              <a:lnSpc>
-                <a:spcPct val="80000"/>
-              </a:lnSpc>
-            </a:pPr>
-            <a:r>
-              <a:rPr lang="en-US" altLang="ja-JP" sz="2000" dirty="0" smtClean="0">
-                <a:ea typeface="ＭＳ Ｐゴシック" pitchFamily="34" charset="-128"/>
-              </a:rPr>
-              <a:t>A long-term key (LTK) is generated, exchanged, and stored allowing device to re-encrypt the link quickly upon re-connection, without going through the complete pairing process once again</a:t>
-            </a:r>
-          </a:p>
-          <a:p>
-            <a:pPr lvl="1" eaLnBrk="1" hangingPunct="1">
-              <a:lnSpc>
-                <a:spcPct val="80000"/>
-              </a:lnSpc>
-            </a:pPr>
-            <a:r>
-              <a:rPr lang="nb-NO" sz="2000" dirty="0" smtClean="0">
-                <a:ea typeface="ＭＳ Ｐゴシック" pitchFamily="34" charset="-128"/>
-              </a:rPr>
-              <a:t>Profile / Service configuration data is remembered, so that the user does not need to re-configure the device every time they re-connect</a:t>
-            </a:r>
-          </a:p>
-        </p:txBody>
-      </p:sp>
-      <p:sp>
-        <p:nvSpPr>
-          <p:cNvPr id="182275" name="Footer Placeholder 4"/>
-          <p:cNvSpPr txBox="1">
-            <a:spLocks noGrp="1"/>
-          </p:cNvSpPr>
-          <p:nvPr/>
-        </p:nvSpPr>
-        <p:spPr bwMode="auto">
-          <a:xfrm>
-            <a:off x="3114675" y="6038850"/>
-            <a:ext cx="2895600" cy="206375"/>
-          </a:xfrm>
-          <a:prstGeom prst="rect">
-            <a:avLst/>
-          </a:prstGeom>
-          <a:noFill/>
-          <a:ln w="9525">
-            <a:noFill/>
-            <a:miter lim="800000"/>
-            <a:headEnd/>
-            <a:tailEnd/>
-          </a:ln>
-        </p:spPr>
-        <p:txBody>
-          <a:bodyPr/>
-          <a:lstStyle/>
-          <a:p>
-            <a:pPr algn="ctr"/>
-            <a:r>
-              <a:rPr lang="en-US" sz="800"/>
-              <a:t>TI Information – Selective Disclosure</a:t>
-            </a:r>
-          </a:p>
-        </p:txBody>
-      </p:sp>
     </p:spTree>
   </p:cSld>
   <p:clrMapOvr>
@@ -17706,7 +17679,7 @@
       </p:grpSpPr>
       <p:sp>
         <p:nvSpPr>
-          <p:cNvPr id="184321" name="Rectangle 2"/>
+          <p:cNvPr id="182273" name="Rectangle 2"/>
           <p:cNvSpPr>
             <a:spLocks noGrp="1" noChangeArrowheads="1"/>
           </p:cNvSpPr>
@@ -17716,7 +17689,7 @@
         </p:nvSpPr>
         <p:spPr>
           <a:xfrm>
-            <a:off x="390525" y="228600"/>
+            <a:off x="0" y="142875"/>
             <a:ext cx="8458200" cy="814388"/>
           </a:xfrm>
         </p:spPr>
@@ -17727,25 +17700,25 @@
             <a:pPr eaLnBrk="1" hangingPunct="1"/>
             <a:r>
               <a:rPr lang="en-US" sz="3200" dirty="0" smtClean="0"/>
-              <a:t>BLE Security Manager Protocol (SMP) :</a:t>
+              <a:t>BLE Security Manager Protocol (SMP):</a:t>
             </a:r>
             <a:r>
               <a:rPr lang="en-US" dirty="0" smtClean="0"/>
-              <a:t/>
+              <a:t> </a:t>
             </a:r>
             <a:br>
               <a:rPr lang="en-US" dirty="0" smtClean="0"/>
             </a:br>
             <a:r>
               <a:rPr lang="en-US" sz="3200" dirty="0" smtClean="0"/>
-              <a:t>Authentication</a:t>
+              <a:t>Pairing</a:t>
             </a:r>
           </a:p>
         </p:txBody>
       </p:sp>
       <p:sp>
         <p:nvSpPr>
-          <p:cNvPr id="184322" name="Rectangle 3"/>
+          <p:cNvPr id="182274" name="Rectangle 3"/>
           <p:cNvSpPr>
             <a:spLocks noGrp="1" noChangeArrowheads="1"/>
           </p:cNvSpPr>
@@ -17769,10 +17742,10 @@
               </a:lnSpc>
             </a:pPr>
             <a:r>
-              <a:rPr lang="nb-NO" sz="1800" dirty="0" smtClean="0">
+              <a:rPr lang="nb-NO" sz="2400" dirty="0" smtClean="0">
                 <a:ea typeface="ＭＳ Ｐゴシック" pitchFamily="34" charset="-128"/>
               </a:rPr>
-              <a:t>During the pairing process, each device states whether it wants authentication to the other device</a:t>
+              <a:t>Pairing can be initiated by either the central or peripheral device</a:t>
             </a:r>
           </a:p>
           <a:p>
@@ -17781,9 +17754,12 @@
                 <a:spcPct val="80000"/>
               </a:lnSpc>
             </a:pPr>
-            <a:endParaRPr lang="nb-NO" sz="1800" dirty="0" smtClean="0">
-              <a:ea typeface="ＭＳ Ｐゴシック" pitchFamily="34" charset="-128"/>
-            </a:endParaRPr>
+            <a:r>
+              <a:rPr lang="nb-NO" sz="2400" dirty="0" smtClean="0">
+                <a:ea typeface="ＭＳ Ｐゴシック" pitchFamily="34" charset="-128"/>
+              </a:rPr>
+              <a:t>During pairing, the two devices generate and exchange short-term keys (STK) which can be used to decrypt data packets</a:t>
+            </a:r>
           </a:p>
           <a:p>
             <a:pPr eaLnBrk="1" hangingPunct="1">
@@ -17792,10 +17768,16 @@
               </a:lnSpc>
             </a:pPr>
             <a:r>
-              <a:rPr lang="nb-NO" sz="1800" dirty="0" smtClean="0">
+              <a:rPr lang="nb-NO" sz="2400" dirty="0" smtClean="0">
                 <a:ea typeface="ＭＳ Ｐゴシック" pitchFamily="34" charset="-128"/>
               </a:rPr>
-              <a:t>Each device also states it’s input/output capabilities from among these options:</a:t>
+              <a:t>In addition, either device can request to enable </a:t>
+            </a:r>
+            <a:r>
+              <a:rPr lang="en-US" altLang="ja-JP" sz="2400" dirty="0" smtClean="0">
+                <a:ea typeface="ＭＳ Ｐゴシック" pitchFamily="34" charset="-128"/>
+              </a:rPr>
+              <a:t>“bonding” to create a long-term relationship between the two devices</a:t>
             </a:r>
           </a:p>
           <a:p>
@@ -17805,10 +17787,10 @@
               </a:lnSpc>
             </a:pPr>
             <a:r>
-              <a:rPr lang="nb-NO" sz="1600" dirty="0" smtClean="0">
+              <a:rPr lang="en-US" altLang="ja-JP" sz="2000" dirty="0" smtClean="0">
                 <a:ea typeface="ＭＳ Ｐゴシック" pitchFamily="34" charset="-128"/>
               </a:rPr>
-              <a:t>DisplayOnly – no way user can input anything into device, but it can output data</a:t>
+              <a:t>A long-term key (LTK) is generated, exchanged, and stored allowing device to re-encrypt the link quickly upon re-connection, without going through the complete pairing process once again</a:t>
             </a:r>
           </a:p>
           <a:p>
@@ -17818,169 +17800,17 @@
               </a:lnSpc>
             </a:pPr>
             <a:r>
-              <a:rPr lang="nb-NO" sz="1600" dirty="0" smtClean="0">
+              <a:rPr lang="nb-NO" sz="2000" dirty="0" smtClean="0">
                 <a:ea typeface="ＭＳ Ｐゴシック" pitchFamily="34" charset="-128"/>
               </a:rPr>
-              <a:t>DisplayYesNo – user can input </a:t>
-            </a:r>
-            <a:r>
-              <a:rPr lang="en-US" altLang="ja-JP" sz="1600" dirty="0" smtClean="0">
-                <a:ea typeface="ＭＳ Ｐゴシック" pitchFamily="34" charset="-128"/>
-              </a:rPr>
-              <a:t>“</a:t>
-            </a:r>
-            <a:r>
-              <a:rPr lang="nb-NO" sz="1600" dirty="0" smtClean="0">
-                <a:ea typeface="ＭＳ Ｐゴシック" pitchFamily="34" charset="-128"/>
-              </a:rPr>
-              <a:t>yes” or </a:t>
-            </a:r>
-            <a:r>
-              <a:rPr lang="en-US" altLang="ja-JP" sz="1600" dirty="0" smtClean="0">
-                <a:ea typeface="ＭＳ Ｐゴシック" pitchFamily="34" charset="-128"/>
-              </a:rPr>
-              <a:t>“</a:t>
-            </a:r>
-            <a:r>
-              <a:rPr lang="nb-NO" sz="1600" dirty="0" smtClean="0">
-                <a:ea typeface="ＭＳ Ｐゴシック" pitchFamily="34" charset="-128"/>
-              </a:rPr>
-              <a:t>no” but nothing else; can also display data</a:t>
-            </a:r>
-          </a:p>
-          <a:p>
-            <a:pPr lvl="1" eaLnBrk="1" hangingPunct="1">
-              <a:lnSpc>
-                <a:spcPct val="80000"/>
-              </a:lnSpc>
-            </a:pPr>
-            <a:r>
-              <a:rPr lang="nb-NO" sz="1600" dirty="0" smtClean="0">
-                <a:ea typeface="ＭＳ Ｐゴシック" pitchFamily="34" charset="-128"/>
-              </a:rPr>
-              <a:t>KeyboardOnly – user can input a password or PIN, but no display</a:t>
-            </a:r>
-          </a:p>
-          <a:p>
-            <a:pPr lvl="1" eaLnBrk="1" hangingPunct="1">
-              <a:lnSpc>
-                <a:spcPct val="80000"/>
-              </a:lnSpc>
-            </a:pPr>
-            <a:r>
-              <a:rPr lang="nb-NO" sz="1600" dirty="0" smtClean="0">
-                <a:ea typeface="ＭＳ Ｐゴシック" pitchFamily="34" charset="-128"/>
-              </a:rPr>
-              <a:t>NoInputNoOutput – device has no means for user input, and has no display</a:t>
-            </a:r>
-          </a:p>
-          <a:p>
-            <a:pPr lvl="1" eaLnBrk="1" hangingPunct="1">
-              <a:lnSpc>
-                <a:spcPct val="80000"/>
-              </a:lnSpc>
-            </a:pPr>
-            <a:r>
-              <a:rPr lang="nb-NO" sz="1600" dirty="0" smtClean="0">
-                <a:ea typeface="ＭＳ Ｐゴシック" pitchFamily="34" charset="-128"/>
-              </a:rPr>
-              <a:t>KeyboardDisplay – device has a means for display as well as for input</a:t>
-            </a:r>
-          </a:p>
-          <a:p>
-            <a:pPr lvl="1" eaLnBrk="1" hangingPunct="1">
-              <a:lnSpc>
-                <a:spcPct val="80000"/>
-              </a:lnSpc>
-            </a:pPr>
-            <a:endParaRPr lang="nb-NO" sz="1600" dirty="0" smtClean="0">
-              <a:ea typeface="ＭＳ Ｐゴシック" pitchFamily="34" charset="-128"/>
-            </a:endParaRPr>
-          </a:p>
-          <a:p>
-            <a:pPr eaLnBrk="1" hangingPunct="1">
-              <a:lnSpc>
-                <a:spcPct val="80000"/>
-              </a:lnSpc>
-            </a:pPr>
-            <a:r>
-              <a:rPr lang="nb-NO" sz="1800" dirty="0" smtClean="0">
-                <a:ea typeface="ＭＳ Ｐゴシック" pitchFamily="34" charset="-128"/>
-              </a:rPr>
-              <a:t>Based on the combination of the capabilities of the two devices, one of two methods of pairing will be used:</a:t>
-            </a:r>
-          </a:p>
-          <a:p>
-            <a:pPr lvl="1" eaLnBrk="1" hangingPunct="1">
-              <a:lnSpc>
-                <a:spcPct val="80000"/>
-              </a:lnSpc>
-            </a:pPr>
-            <a:r>
-              <a:rPr lang="nb-NO" sz="1600" dirty="0" smtClean="0">
-                <a:ea typeface="ＭＳ Ｐゴシック" pitchFamily="34" charset="-128"/>
-              </a:rPr>
-              <a:t>Passkey entry – one device will display a randomly generator passkey, while the other will require the user to input the passkey. This allows for an authenticated link (MITM protection)</a:t>
-            </a:r>
-          </a:p>
-          <a:p>
-            <a:pPr lvl="1" eaLnBrk="1" hangingPunct="1">
-              <a:lnSpc>
-                <a:spcPct val="80000"/>
-              </a:lnSpc>
-            </a:pPr>
-            <a:r>
-              <a:rPr lang="en-US" altLang="ja-JP" sz="1600" dirty="0" smtClean="0">
-                <a:ea typeface="ＭＳ Ｐゴシック" pitchFamily="34" charset="-128"/>
-              </a:rPr>
-              <a:t>“Just Works” – the pairing process completes without requiring a passkey to be entered. The link will </a:t>
-            </a:r>
-            <a:r>
-              <a:rPr lang="en-US" altLang="ja-JP" sz="1600" u="sng" dirty="0" smtClean="0">
-                <a:ea typeface="ＭＳ Ｐゴシック" pitchFamily="34" charset="-128"/>
-              </a:rPr>
-              <a:t>not</a:t>
-            </a:r>
-            <a:r>
-              <a:rPr lang="en-US" altLang="ja-JP" sz="1600" dirty="0" smtClean="0">
-                <a:ea typeface="ＭＳ Ｐゴシック" pitchFamily="34" charset="-128"/>
-              </a:rPr>
-              <a:t> be authenticated, but is encrypted</a:t>
-            </a:r>
-            <a:endParaRPr lang="nb-NO" sz="1600" dirty="0" smtClean="0">
-              <a:ea typeface="ＭＳ Ｐゴシック" pitchFamily="34" charset="-128"/>
-            </a:endParaRPr>
-          </a:p>
-          <a:p>
-            <a:pPr eaLnBrk="1" hangingPunct="1">
-              <a:lnSpc>
-                <a:spcPct val="80000"/>
-              </a:lnSpc>
-              <a:buFontTx/>
-              <a:buNone/>
-            </a:pPr>
-            <a:endParaRPr lang="nb-NO" sz="1800" dirty="0" smtClean="0">
-              <a:ea typeface="ＭＳ Ｐゴシック" pitchFamily="34" charset="-128"/>
-            </a:endParaRPr>
-          </a:p>
-          <a:p>
-            <a:pPr eaLnBrk="1" hangingPunct="1">
-              <a:lnSpc>
-                <a:spcPct val="80000"/>
-              </a:lnSpc>
-            </a:pPr>
-            <a:r>
-              <a:rPr lang="nb-NO" sz="1800" dirty="0" smtClean="0">
-                <a:ea typeface="ＭＳ Ｐゴシック" pitchFamily="34" charset="-128"/>
-              </a:rPr>
-              <a:t>If either one of the two devices does not require authentication, then Just Works will be used by default, allowing the user to skip passkey entry</a:t>
+              <a:t>Profile / Service configuration data is remembered, so that the user does not need to re-configure the device every time they re-connect</a:t>
             </a:r>
           </a:p>
         </p:txBody>
       </p:sp>
       <p:sp>
         <p:nvSpPr>
-          <p:cNvPr id="184323" name="Footer Placeholder 4"/>
+          <p:cNvPr id="182275" name="Footer Placeholder 4"/>
           <p:cNvSpPr txBox="1">
             <a:spLocks noGrp="1"/>
           </p:cNvSpPr>
@@ -18048,6 +17878,348 @@
       </p:grpSpPr>
       <p:sp>
         <p:nvSpPr>
+          <p:cNvPr id="184321" name="Rectangle 2"/>
+          <p:cNvSpPr>
+            <a:spLocks noGrp="1" noChangeArrowheads="1"/>
+          </p:cNvSpPr>
+          <p:nvPr>
+            <p:ph type="title" idx="4294967295"/>
+          </p:nvPr>
+        </p:nvSpPr>
+        <p:spPr>
+          <a:xfrm>
+            <a:off x="390525" y="228600"/>
+            <a:ext cx="8458200" cy="814388"/>
+          </a:xfrm>
+        </p:spPr>
+        <p:txBody>
+          <a:bodyPr/>
+          <a:lstStyle/>
+          <a:p>
+            <a:pPr eaLnBrk="1" hangingPunct="1"/>
+            <a:r>
+              <a:rPr lang="en-US" sz="3200" dirty="0" smtClean="0"/>
+              <a:t>BLE Security Manager Protocol (SMP) :</a:t>
+            </a:r>
+            <a:r>
+              <a:rPr lang="en-US" dirty="0" smtClean="0"/>
+              <a:t/>
+            </a:r>
+            <a:br>
+              <a:rPr lang="en-US" dirty="0" smtClean="0"/>
+            </a:br>
+            <a:r>
+              <a:rPr lang="en-US" sz="3200" dirty="0" smtClean="0"/>
+              <a:t>Authentication</a:t>
+            </a:r>
+          </a:p>
+        </p:txBody>
+      </p:sp>
+      <p:sp>
+        <p:nvSpPr>
+          <p:cNvPr id="184322" name="Rectangle 3"/>
+          <p:cNvSpPr>
+            <a:spLocks noGrp="1" noChangeArrowheads="1"/>
+          </p:cNvSpPr>
+          <p:nvPr>
+            <p:ph type="body" idx="4294967295"/>
+          </p:nvPr>
+        </p:nvSpPr>
+        <p:spPr>
+          <a:xfrm>
+            <a:off x="620713" y="1258888"/>
+            <a:ext cx="8523287" cy="4619625"/>
+          </a:xfrm>
+        </p:spPr>
+        <p:txBody>
+          <a:bodyPr/>
+          <a:lstStyle/>
+          <a:p>
+            <a:pPr eaLnBrk="1" hangingPunct="1">
+              <a:lnSpc>
+                <a:spcPct val="80000"/>
+              </a:lnSpc>
+            </a:pPr>
+            <a:r>
+              <a:rPr lang="nb-NO" sz="1800" dirty="0" smtClean="0">
+                <a:ea typeface="ＭＳ Ｐゴシック" pitchFamily="34" charset="-128"/>
+              </a:rPr>
+              <a:t>During the pairing process, each device states whether it wants authentication to the other device</a:t>
+            </a:r>
+          </a:p>
+          <a:p>
+            <a:pPr eaLnBrk="1" hangingPunct="1">
+              <a:lnSpc>
+                <a:spcPct val="80000"/>
+              </a:lnSpc>
+            </a:pPr>
+            <a:endParaRPr lang="nb-NO" sz="1800" dirty="0" smtClean="0">
+              <a:ea typeface="ＭＳ Ｐゴシック" pitchFamily="34" charset="-128"/>
+            </a:endParaRPr>
+          </a:p>
+          <a:p>
+            <a:pPr eaLnBrk="1" hangingPunct="1">
+              <a:lnSpc>
+                <a:spcPct val="80000"/>
+              </a:lnSpc>
+            </a:pPr>
+            <a:r>
+              <a:rPr lang="nb-NO" sz="1800" dirty="0" smtClean="0">
+                <a:ea typeface="ＭＳ Ｐゴシック" pitchFamily="34" charset="-128"/>
+              </a:rPr>
+              <a:t>Each device also states it’s input/output capabilities from among these options:</a:t>
+            </a:r>
+          </a:p>
+          <a:p>
+            <a:pPr lvl="1" eaLnBrk="1" hangingPunct="1">
+              <a:lnSpc>
+                <a:spcPct val="80000"/>
+              </a:lnSpc>
+            </a:pPr>
+            <a:r>
+              <a:rPr lang="nb-NO" sz="1600" dirty="0" smtClean="0">
+                <a:ea typeface="ＭＳ Ｐゴシック" pitchFamily="34" charset="-128"/>
+              </a:rPr>
+              <a:t>DisplayOnly – no way user can input anything into device, but it can output data</a:t>
+            </a:r>
+          </a:p>
+          <a:p>
+            <a:pPr lvl="1" eaLnBrk="1" hangingPunct="1">
+              <a:lnSpc>
+                <a:spcPct val="80000"/>
+              </a:lnSpc>
+            </a:pPr>
+            <a:r>
+              <a:rPr lang="nb-NO" sz="1600" dirty="0" smtClean="0">
+                <a:ea typeface="ＭＳ Ｐゴシック" pitchFamily="34" charset="-128"/>
+              </a:rPr>
+              <a:t>DisplayYesNo – user can input </a:t>
+            </a:r>
+            <a:r>
+              <a:rPr lang="en-US" altLang="ja-JP" sz="1600" dirty="0" smtClean="0">
+                <a:ea typeface="ＭＳ Ｐゴシック" pitchFamily="34" charset="-128"/>
+              </a:rPr>
+              <a:t>“</a:t>
+            </a:r>
+            <a:r>
+              <a:rPr lang="nb-NO" sz="1600" dirty="0" smtClean="0">
+                <a:ea typeface="ＭＳ Ｐゴシック" pitchFamily="34" charset="-128"/>
+              </a:rPr>
+              <a:t>yes” or </a:t>
+            </a:r>
+            <a:r>
+              <a:rPr lang="en-US" altLang="ja-JP" sz="1600" dirty="0" smtClean="0">
+                <a:ea typeface="ＭＳ Ｐゴシック" pitchFamily="34" charset="-128"/>
+              </a:rPr>
+              <a:t>“</a:t>
+            </a:r>
+            <a:r>
+              <a:rPr lang="nb-NO" sz="1600" dirty="0" smtClean="0">
+                <a:ea typeface="ＭＳ Ｐゴシック" pitchFamily="34" charset="-128"/>
+              </a:rPr>
+              <a:t>no” but nothing else; can also display data</a:t>
+            </a:r>
+          </a:p>
+          <a:p>
+            <a:pPr lvl="1" eaLnBrk="1" hangingPunct="1">
+              <a:lnSpc>
+                <a:spcPct val="80000"/>
+              </a:lnSpc>
+            </a:pPr>
+            <a:r>
+              <a:rPr lang="nb-NO" sz="1600" dirty="0" smtClean="0">
+                <a:ea typeface="ＭＳ Ｐゴシック" pitchFamily="34" charset="-128"/>
+              </a:rPr>
+              <a:t>KeyboardOnly – user can input a password or PIN, but no display</a:t>
+            </a:r>
+          </a:p>
+          <a:p>
+            <a:pPr lvl="1" eaLnBrk="1" hangingPunct="1">
+              <a:lnSpc>
+                <a:spcPct val="80000"/>
+              </a:lnSpc>
+            </a:pPr>
+            <a:r>
+              <a:rPr lang="nb-NO" sz="1600" dirty="0" smtClean="0">
+                <a:ea typeface="ＭＳ Ｐゴシック" pitchFamily="34" charset="-128"/>
+              </a:rPr>
+              <a:t>NoInputNoOutput – device has no means for user input, and has no display</a:t>
+            </a:r>
+          </a:p>
+          <a:p>
+            <a:pPr lvl="1" eaLnBrk="1" hangingPunct="1">
+              <a:lnSpc>
+                <a:spcPct val="80000"/>
+              </a:lnSpc>
+            </a:pPr>
+            <a:r>
+              <a:rPr lang="nb-NO" sz="1600" dirty="0" smtClean="0">
+                <a:ea typeface="ＭＳ Ｐゴシック" pitchFamily="34" charset="-128"/>
+              </a:rPr>
+              <a:t>KeyboardDisplay – device has a means for display as well as for input</a:t>
+            </a:r>
+          </a:p>
+          <a:p>
+            <a:pPr lvl="1" eaLnBrk="1" hangingPunct="1">
+              <a:lnSpc>
+                <a:spcPct val="80000"/>
+              </a:lnSpc>
+            </a:pPr>
+            <a:endParaRPr lang="nb-NO" sz="1600" dirty="0" smtClean="0">
+              <a:ea typeface="ＭＳ Ｐゴシック" pitchFamily="34" charset="-128"/>
+            </a:endParaRPr>
+          </a:p>
+          <a:p>
+            <a:pPr eaLnBrk="1" hangingPunct="1">
+              <a:lnSpc>
+                <a:spcPct val="80000"/>
+              </a:lnSpc>
+            </a:pPr>
+            <a:r>
+              <a:rPr lang="nb-NO" sz="1800" dirty="0" smtClean="0">
+                <a:ea typeface="ＭＳ Ｐゴシック" pitchFamily="34" charset="-128"/>
+              </a:rPr>
+              <a:t>Based on the combination of the capabilities of the two devices, one of two methods of pairing will be used:</a:t>
+            </a:r>
+          </a:p>
+          <a:p>
+            <a:pPr lvl="1" eaLnBrk="1" hangingPunct="1">
+              <a:lnSpc>
+                <a:spcPct val="80000"/>
+              </a:lnSpc>
+            </a:pPr>
+            <a:r>
+              <a:rPr lang="nb-NO" sz="1600" dirty="0" smtClean="0">
+                <a:ea typeface="ＭＳ Ｐゴシック" pitchFamily="34" charset="-128"/>
+              </a:rPr>
+              <a:t>Passkey entry – one device will display a randomly generator passkey, while the other will require the user to input the passkey. This allows for an authenticated link (MITM protection)</a:t>
+            </a:r>
+          </a:p>
+          <a:p>
+            <a:pPr lvl="1" eaLnBrk="1" hangingPunct="1">
+              <a:lnSpc>
+                <a:spcPct val="80000"/>
+              </a:lnSpc>
+            </a:pPr>
+            <a:r>
+              <a:rPr lang="en-US" altLang="ja-JP" sz="1600" dirty="0" smtClean="0">
+                <a:ea typeface="ＭＳ Ｐゴシック" pitchFamily="34" charset="-128"/>
+              </a:rPr>
+              <a:t>“Just Works” – the pairing process completes without requiring a passkey to be entered. The link will </a:t>
+            </a:r>
+            <a:r>
+              <a:rPr lang="en-US" altLang="ja-JP" sz="1600" u="sng" dirty="0" smtClean="0">
+                <a:ea typeface="ＭＳ Ｐゴシック" pitchFamily="34" charset="-128"/>
+              </a:rPr>
+              <a:t>not</a:t>
+            </a:r>
+            <a:r>
+              <a:rPr lang="en-US" altLang="ja-JP" sz="1600" dirty="0" smtClean="0">
+                <a:ea typeface="ＭＳ Ｐゴシック" pitchFamily="34" charset="-128"/>
+              </a:rPr>
+              <a:t> be authenticated, but is encrypted</a:t>
+            </a:r>
+            <a:endParaRPr lang="nb-NO" sz="1600" dirty="0" smtClean="0">
+              <a:ea typeface="ＭＳ Ｐゴシック" pitchFamily="34" charset="-128"/>
+            </a:endParaRPr>
+          </a:p>
+          <a:p>
+            <a:pPr eaLnBrk="1" hangingPunct="1">
+              <a:lnSpc>
+                <a:spcPct val="80000"/>
+              </a:lnSpc>
+              <a:buFontTx/>
+              <a:buNone/>
+            </a:pPr>
+            <a:endParaRPr lang="nb-NO" sz="1800" dirty="0" smtClean="0">
+              <a:ea typeface="ＭＳ Ｐゴシック" pitchFamily="34" charset="-128"/>
+            </a:endParaRPr>
+          </a:p>
+          <a:p>
+            <a:pPr eaLnBrk="1" hangingPunct="1">
+              <a:lnSpc>
+                <a:spcPct val="80000"/>
+              </a:lnSpc>
+            </a:pPr>
+            <a:r>
+              <a:rPr lang="nb-NO" sz="1800" dirty="0" smtClean="0">
+                <a:ea typeface="ＭＳ Ｐゴシック" pitchFamily="34" charset="-128"/>
+              </a:rPr>
+              <a:t>If either one of the two devices does not require authentication, then Just Works will be used by default, allowing the user to skip passkey entry</a:t>
+            </a:r>
+          </a:p>
+        </p:txBody>
+      </p:sp>
+      <p:sp>
+        <p:nvSpPr>
+          <p:cNvPr id="184323" name="Footer Placeholder 4"/>
+          <p:cNvSpPr txBox="1">
+            <a:spLocks noGrp="1"/>
+          </p:cNvSpPr>
+          <p:nvPr/>
+        </p:nvSpPr>
+        <p:spPr bwMode="auto">
+          <a:xfrm>
+            <a:off x="3114675" y="6038850"/>
+            <a:ext cx="2895600" cy="206375"/>
+          </a:xfrm>
+          <a:prstGeom prst="rect">
+            <a:avLst/>
+          </a:prstGeom>
+          <a:noFill/>
+          <a:ln w="9525">
+            <a:noFill/>
+            <a:miter lim="800000"/>
+            <a:headEnd/>
+            <a:tailEnd/>
+          </a:ln>
+        </p:spPr>
+        <p:txBody>
+          <a:bodyPr/>
+          <a:lstStyle/>
+          <a:p>
+            <a:pPr algn="ctr"/>
+            <a:r>
+              <a:rPr lang="en-US" sz="800"/>
+              <a:t>TI Information – Selective Disclosure</a:t>
+            </a:r>
+          </a:p>
+        </p:txBody>
+      </p:sp>
+    </p:spTree>
+  </p:cSld>
+  <p:clrMapOvr>
+    <a:masterClrMapping/>
+  </p:clrMapOvr>
+  <p:timing>
+    <p:tnLst>
+      <p:par>
+        <p:cTn id="1" dur="indefinite" restart="never" nodeType="tmRoot"/>
+      </p:par>
+    </p:tnLst>
+  </p:timing>
+</p:sld>
+</file>
+
+<file path=ppt/slides/slide22.xml><?xml version="1.0" encoding="utf-8"?>
+<p:sld xmlns:a="http://schemas.openxmlformats.org/drawingml/2006/main" xmlns:r="http://schemas.openxmlformats.org/officeDocument/2006/relationships" xmlns:p="http://schemas.openxmlformats.org/presentationml/2006/main">
+  <p:cSld>
+    <p:spTree>
+      <p:nvGrpSpPr>
+        <p:cNvPr id="1" name=""/>
+        <p:cNvGrpSpPr/>
+        <p:nvPr/>
+      </p:nvGrpSpPr>
+      <p:grpSpPr>
+        <a:xfrm>
+          <a:off x="0" y="0"/>
+          <a:ext cx="0" cy="0"/>
+          <a:chOff x="0" y="0"/>
+          <a:chExt cx="0" cy="0"/>
+        </a:xfrm>
+      </p:grpSpPr>
+      <p:sp>
+        <p:nvSpPr>
           <p:cNvPr id="2" name="Title 1"/>
           <p:cNvSpPr>
             <a:spLocks noGrp="1"/>
@@ -18254,7 +18426,7 @@
               <a:pPr>
                 <a:defRPr/>
               </a:pPr>
-              <a:t>21</a:t>
+              <a:t>22</a:t>
             </a:fld>
             <a:endParaRPr lang="en-US"/>
           </a:p>
@@ -19169,7 +19341,7 @@
 </p:sld>
 </file>
 
-<file path=ppt/slides/slide22.xml><?xml version="1.0" encoding="utf-8"?>
+<file path=ppt/slides/slide23.xml><?xml version="1.0" encoding="utf-8"?>
 <p:sld xmlns:a="http://schemas.openxmlformats.org/drawingml/2006/main" xmlns:r="http://schemas.openxmlformats.org/officeDocument/2006/relationships" xmlns:p="http://schemas.openxmlformats.org/presentationml/2006/main">
   <p:cSld>
     <p:spTree>
@@ -19417,7 +19589,7 @@
               <a:pPr>
                 <a:defRPr/>
               </a:pPr>
-              <a:t>22</a:t>
+              <a:t>23</a:t>
             </a:fld>
             <a:endParaRPr lang="en-US"/>
           </a:p>
@@ -20209,7 +20381,7 @@
 </p:sld>
 </file>
 
-<file path=ppt/slides/slide23.xml><?xml version="1.0" encoding="utf-8"?>
+<file path=ppt/slides/slide24.xml><?xml version="1.0" encoding="utf-8"?>
 <p:sld xmlns:a="http://schemas.openxmlformats.org/drawingml/2006/main" xmlns:r="http://schemas.openxmlformats.org/officeDocument/2006/relationships" xmlns:p="http://schemas.openxmlformats.org/presentationml/2006/main">
   <p:cSld>
     <p:spTree>
@@ -20437,7 +20609,7 @@
               <a:pPr>
                 <a:defRPr/>
               </a:pPr>
-              <a:t>23</a:t>
+              <a:t>24</a:t>
             </a:fld>
             <a:endParaRPr lang="en-US"/>
           </a:p>
@@ -21352,7 +21524,7 @@
 </p:sld>
 </file>
 
-<file path=ppt/slides/slide24.xml><?xml version="1.0" encoding="utf-8"?>
+<file path=ppt/slides/slide25.xml><?xml version="1.0" encoding="utf-8"?>
 <p:sld xmlns:a="http://schemas.openxmlformats.org/drawingml/2006/main" xmlns:r="http://schemas.openxmlformats.org/officeDocument/2006/relationships" xmlns:p="http://schemas.openxmlformats.org/presentationml/2006/main">
   <p:cSld>
     <p:spTree>
@@ -21611,7 +21783,7 @@
               <a:pPr>
                 <a:defRPr/>
               </a:pPr>
-              <a:t>24</a:t>
+              <a:t>25</a:t>
             </a:fld>
             <a:endParaRPr lang="en-US" smtClean="0"/>
           </a:p>
@@ -22634,7 +22806,7 @@
 </p:sld>
 </file>
 
-<file path=ppt/slides/slide25.xml><?xml version="1.0" encoding="utf-8"?>
+<file path=ppt/slides/slide26.xml><?xml version="1.0" encoding="utf-8"?>
 <p:sld xmlns:a="http://schemas.openxmlformats.org/drawingml/2006/main" xmlns:r="http://schemas.openxmlformats.org/officeDocument/2006/relationships" xmlns:p="http://schemas.openxmlformats.org/presentationml/2006/main">
   <p:cSld>
     <p:spTree>
@@ -22731,7 +22903,7 @@
               <a:pPr>
                 <a:defRPr/>
               </a:pPr>
-              <a:t>25</a:t>
+              <a:t>26</a:t>
             </a:fld>
             <a:endParaRPr lang="en-US"/>
           </a:p>
@@ -23783,7 +23955,7 @@
 </p:sld>
 </file>
 
-<file path=ppt/slides/slide26.xml><?xml version="1.0" encoding="utf-8"?>
+<file path=ppt/slides/slide27.xml><?xml version="1.0" encoding="utf-8"?>
 <p:sld xmlns:a="http://schemas.openxmlformats.org/drawingml/2006/main" xmlns:r="http://schemas.openxmlformats.org/officeDocument/2006/relationships" xmlns:p="http://schemas.openxmlformats.org/presentationml/2006/main">
   <p:cSld>
     <p:spTree>
@@ -23971,7 +24143,7 @@
               <a:pPr>
                 <a:defRPr/>
               </a:pPr>
-              <a:t>26</a:t>
+              <a:t>27</a:t>
             </a:fld>
             <a:endParaRPr lang="en-US"/>
           </a:p>
@@ -24354,7 +24526,7 @@
 </p:sld>
 </file>
 
-<file path=ppt/slides/slide27.xml><?xml version="1.0" encoding="utf-8"?>
+<file path=ppt/slides/slide28.xml><?xml version="1.0" encoding="utf-8"?>
 <p:sld xmlns:a="http://schemas.openxmlformats.org/drawingml/2006/main" xmlns:r="http://schemas.openxmlformats.org/officeDocument/2006/relationships" xmlns:p="http://schemas.openxmlformats.org/presentationml/2006/main">
   <p:cSld>
     <p:spTree>
@@ -24494,7 +24666,7 @@
               <a:pPr>
                 <a:defRPr/>
               </a:pPr>
-              <a:t>27</a:t>
+              <a:t>28</a:t>
             </a:fld>
             <a:endParaRPr lang="en-US"/>
           </a:p>
@@ -25409,7 +25581,7 @@
 </p:sld>
 </file>
 
-<file path=ppt/slides/slide28.xml><?xml version="1.0" encoding="utf-8"?>
+<file path=ppt/slides/slide29.xml><?xml version="1.0" encoding="utf-8"?>
 <p:sld xmlns:a="http://schemas.openxmlformats.org/drawingml/2006/main" xmlns:r="http://schemas.openxmlformats.org/officeDocument/2006/relationships" xmlns:p="http://schemas.openxmlformats.org/presentationml/2006/main">
   <p:cSld>
     <p:spTree>
@@ -25885,7 +26057,7 @@
               <a:pPr>
                 <a:defRPr/>
               </a:pPr>
-              <a:t>28</a:t>
+              <a:t>29</a:t>
             </a:fld>
             <a:endParaRPr lang="en-US"/>
           </a:p>
@@ -26514,669 +26686,6 @@
           <p:sp>
             <p:nvSpPr>
               <p:cNvPr id="17" name="Rectangle 16"/>
-              <p:cNvSpPr/>
-              <p:nvPr/>
-            </p:nvSpPr>
-            <p:spPr>
-              <a:xfrm>
-                <a:off x="7353300" y="885825"/>
-                <a:ext cx="1724025" cy="66675"/>
-              </a:xfrm>
-              <a:prstGeom prst="rect">
-                <a:avLst/>
-              </a:prstGeom>
-              <a:solidFill>
-                <a:schemeClr val="bg1"/>
-              </a:solidFill>
-              <a:ln>
-                <a:solidFill>
-                  <a:schemeClr val="bg1"/>
-                </a:solidFill>
-              </a:ln>
-            </p:spPr>
-            <p:style>
-              <a:lnRef idx="2">
-                <a:schemeClr val="accent1">
-                  <a:shade val="50000"/>
-                </a:schemeClr>
-              </a:lnRef>
-              <a:fillRef idx="1">
-                <a:schemeClr val="accent1"/>
-              </a:fillRef>
-              <a:effectRef idx="0">
-                <a:schemeClr val="accent1"/>
-              </a:effectRef>
-              <a:fontRef idx="minor">
-                <a:schemeClr val="lt1"/>
-              </a:fontRef>
-            </p:style>
-            <p:txBody>
-              <a:bodyPr rtlCol="0" anchor="ctr"/>
-              <a:lstStyle/>
-              <a:p>
-                <a:pPr algn="ctr"/>
-                <a:endParaRPr lang="en-US"/>
-              </a:p>
-            </p:txBody>
-          </p:sp>
-        </p:grpSp>
-      </p:grpSp>
-    </p:spTree>
-  </p:cSld>
-  <p:clrMapOvr>
-    <a:masterClrMapping/>
-  </p:clrMapOvr>
-  <p:timing>
-    <p:tnLst>
-      <p:par>
-        <p:cTn id="1" dur="indefinite" restart="never" nodeType="tmRoot"/>
-      </p:par>
-    </p:tnLst>
-  </p:timing>
-</p:sld>
-</file>
-
-<file path=ppt/slides/slide29.xml><?xml version="1.0" encoding="utf-8"?>
-<p:sld xmlns:a="http://schemas.openxmlformats.org/drawingml/2006/main" xmlns:r="http://schemas.openxmlformats.org/officeDocument/2006/relationships" xmlns:p="http://schemas.openxmlformats.org/presentationml/2006/main">
-  <p:cSld>
-    <p:spTree>
-      <p:nvGrpSpPr>
-        <p:cNvPr id="1" name=""/>
-        <p:cNvGrpSpPr/>
-        <p:nvPr/>
-      </p:nvGrpSpPr>
-      <p:grpSpPr>
-        <a:xfrm>
-          <a:off x="0" y="0"/>
-          <a:ext cx="0" cy="0"/>
-          <a:chOff x="0" y="0"/>
-          <a:chExt cx="0" cy="0"/>
-        </a:xfrm>
-      </p:grpSpPr>
-      <p:sp>
-        <p:nvSpPr>
-          <p:cNvPr id="2" name="Title 1"/>
-          <p:cNvSpPr>
-            <a:spLocks noGrp="1"/>
-          </p:cNvSpPr>
-          <p:nvPr>
-            <p:ph type="title"/>
-          </p:nvPr>
-        </p:nvSpPr>
-        <p:spPr/>
-        <p:txBody>
-          <a:bodyPr/>
-          <a:lstStyle/>
-          <a:p>
-            <a:r>
-              <a:rPr lang="nb-NO" dirty="0" smtClean="0"/>
-              <a:t>GAP – Multiple Roles</a:t>
-            </a:r>
-            <a:endParaRPr lang="en-US" dirty="0"/>
-          </a:p>
-        </p:txBody>
-      </p:sp>
-      <p:sp>
-        <p:nvSpPr>
-          <p:cNvPr id="3" name="Content Placeholder 2"/>
-          <p:cNvSpPr>
-            <a:spLocks noGrp="1"/>
-          </p:cNvSpPr>
-          <p:nvPr>
-            <p:ph idx="1"/>
-          </p:nvPr>
-        </p:nvSpPr>
-        <p:spPr/>
-        <p:txBody>
-          <a:bodyPr/>
-          <a:lstStyle/>
-          <a:p>
-            <a:r>
-              <a:rPr lang="en-US" altLang="ja-JP" sz="2400" dirty="0" smtClean="0">
-                <a:ea typeface="ＭＳ Ｐゴシック" pitchFamily="34" charset="-128"/>
-              </a:rPr>
-              <a:t>The BLE specification multiple-role configurations:</a:t>
-            </a:r>
-          </a:p>
-          <a:p>
-            <a:endParaRPr lang="en-US" altLang="ja-JP" sz="2400" dirty="0" smtClean="0">
-              <a:ea typeface="ＭＳ Ｐゴシック" pitchFamily="34" charset="-128"/>
-            </a:endParaRPr>
-          </a:p>
-          <a:p>
-            <a:pPr lvl="1"/>
-            <a:r>
-              <a:rPr lang="en-US" altLang="ja-JP" sz="2000" dirty="0" smtClean="0">
-                <a:ea typeface="ＭＳ Ｐゴシック" pitchFamily="34" charset="-128"/>
-              </a:rPr>
-              <a:t>Peripheral and Broadcaster</a:t>
-            </a:r>
-          </a:p>
-          <a:p>
-            <a:pPr lvl="2"/>
-            <a:r>
-              <a:rPr lang="en-US" altLang="ja-JP" sz="1400" dirty="0" smtClean="0">
-                <a:ea typeface="ＭＳ Ｐゴシック" pitchFamily="34" charset="-128"/>
-              </a:rPr>
-              <a:t>device operates as a slave in a single link layer connection</a:t>
-            </a:r>
-          </a:p>
-          <a:p>
-            <a:pPr lvl="2"/>
-            <a:r>
-              <a:rPr lang="en-US" altLang="ja-JP" sz="1400" dirty="0" smtClean="0">
-                <a:ea typeface="ＭＳ Ｐゴシック" pitchFamily="34" charset="-128"/>
-              </a:rPr>
-              <a:t>send out non-connectable advertisements</a:t>
-            </a:r>
-          </a:p>
-          <a:p>
-            <a:pPr lvl="2"/>
-            <a:endParaRPr lang="en-US" altLang="ja-JP" sz="1400" dirty="0" smtClean="0">
-              <a:ea typeface="ＭＳ Ｐゴシック" pitchFamily="34" charset="-128"/>
-            </a:endParaRPr>
-          </a:p>
-          <a:p>
-            <a:pPr lvl="1"/>
-            <a:r>
-              <a:rPr lang="en-US" altLang="ja-JP" sz="2000" dirty="0" smtClean="0">
-                <a:ea typeface="ＭＳ Ｐゴシック" pitchFamily="34" charset="-128"/>
-              </a:rPr>
-              <a:t>Peripheral and Observer: </a:t>
-            </a:r>
-          </a:p>
-          <a:p>
-            <a:pPr lvl="2"/>
-            <a:r>
-              <a:rPr lang="en-US" altLang="ja-JP" sz="1600" dirty="0" smtClean="0">
-                <a:ea typeface="ＭＳ Ｐゴシック" pitchFamily="34" charset="-128"/>
-              </a:rPr>
-              <a:t>device operates as a slave in a single link layer connection</a:t>
-            </a:r>
-          </a:p>
-          <a:p>
-            <a:pPr lvl="2"/>
-            <a:r>
-              <a:rPr lang="en-US" altLang="ja-JP" sz="1600" dirty="0" smtClean="0">
-                <a:ea typeface="ＭＳ Ｐゴシック" pitchFamily="34" charset="-128"/>
-              </a:rPr>
-              <a:t>Scan for advertisements without initiating a connection</a:t>
-            </a:r>
-          </a:p>
-          <a:p>
-            <a:pPr lvl="2"/>
-            <a:endParaRPr lang="en-US" altLang="ja-JP" sz="1600" dirty="0" smtClean="0">
-              <a:ea typeface="ＭＳ Ｐゴシック" pitchFamily="34" charset="-128"/>
-            </a:endParaRPr>
-          </a:p>
-          <a:p>
-            <a:pPr lvl="1"/>
-            <a:r>
-              <a:rPr lang="en-US" altLang="ja-JP" sz="2000" dirty="0" smtClean="0">
-                <a:ea typeface="ＭＳ Ｐゴシック" pitchFamily="34" charset="-128"/>
-              </a:rPr>
-              <a:t>Central and Broadcaster: </a:t>
-            </a:r>
-          </a:p>
-          <a:p>
-            <a:pPr lvl="2"/>
-            <a:r>
-              <a:rPr lang="en-US" altLang="ja-JP" sz="1600" dirty="0" smtClean="0">
-                <a:ea typeface="ＭＳ Ｐゴシック" pitchFamily="34" charset="-128"/>
-              </a:rPr>
-              <a:t>Device scans for advertisements and initiates connections as a master</a:t>
-            </a:r>
-          </a:p>
-          <a:p>
-            <a:pPr lvl="2"/>
-            <a:r>
-              <a:rPr lang="en-US" altLang="ja-JP" sz="1600" dirty="0" smtClean="0">
-                <a:ea typeface="ＭＳ Ｐゴシック" pitchFamily="34" charset="-128"/>
-              </a:rPr>
-              <a:t>Broadcast non-connectable advertisements</a:t>
-            </a:r>
-            <a:endParaRPr lang="nb-NO" sz="1600" dirty="0" smtClean="0"/>
-          </a:p>
-          <a:p>
-            <a:endParaRPr lang="en-US" dirty="0"/>
-          </a:p>
-        </p:txBody>
-      </p:sp>
-      <p:sp>
-        <p:nvSpPr>
-          <p:cNvPr id="4" name="Slide Number Placeholder 3"/>
-          <p:cNvSpPr>
-            <a:spLocks noGrp="1"/>
-          </p:cNvSpPr>
-          <p:nvPr>
-            <p:ph type="sldNum" sz="quarter" idx="10"/>
-          </p:nvPr>
-        </p:nvSpPr>
-        <p:spPr/>
-        <p:txBody>
-          <a:bodyPr/>
-          <a:lstStyle/>
-          <a:p>
-            <a:pPr>
-              <a:defRPr/>
-            </a:pPr>
-            <a:fld id="{A6EB5916-6F1F-4CA0-AFA4-2E6C0C918165}" type="slidenum">
-              <a:rPr lang="en-US" smtClean="0"/>
-              <a:pPr>
-                <a:defRPr/>
-              </a:pPr>
-              <a:t>29</a:t>
-            </a:fld>
-            <a:endParaRPr lang="en-US"/>
-          </a:p>
-        </p:txBody>
-      </p:sp>
-      <p:grpSp>
-        <p:nvGrpSpPr>
-          <p:cNvPr id="5" name="Group 4"/>
-          <p:cNvGrpSpPr/>
-          <p:nvPr/>
-        </p:nvGrpSpPr>
-        <p:grpSpPr>
-          <a:xfrm>
-            <a:off x="7839075" y="114300"/>
-            <a:ext cx="1095375" cy="838200"/>
-            <a:chOff x="7839075" y="114300"/>
-            <a:chExt cx="1095375" cy="838200"/>
-          </a:xfrm>
-        </p:grpSpPr>
-        <p:sp>
-          <p:nvSpPr>
-            <p:cNvPr id="6" name="Rounded Rectangle 5"/>
-            <p:cNvSpPr/>
-            <p:nvPr/>
-          </p:nvSpPr>
-          <p:spPr>
-            <a:xfrm>
-              <a:off x="8188769" y="149122"/>
-              <a:ext cx="231331" cy="221268"/>
-            </a:xfrm>
-            <a:prstGeom prst="roundRect">
-              <a:avLst/>
-            </a:prstGeom>
-            <a:solidFill>
-              <a:schemeClr val="bg2">
-                <a:lumMod val="40000"/>
-                <a:lumOff val="60000"/>
-              </a:schemeClr>
-            </a:solidFill>
-            <a:ln w="3175">
-              <a:solidFill>
-                <a:schemeClr val="tx1"/>
-              </a:solidFill>
-            </a:ln>
-          </p:spPr>
-          <p:style>
-            <a:lnRef idx="2">
-              <a:schemeClr val="accent1">
-                <a:shade val="50000"/>
-              </a:schemeClr>
-            </a:lnRef>
-            <a:fillRef idx="1">
-              <a:schemeClr val="accent1"/>
-            </a:fillRef>
-            <a:effectRef idx="0">
-              <a:schemeClr val="accent1"/>
-            </a:effectRef>
-            <a:fontRef idx="minor">
-              <a:schemeClr val="lt1"/>
-            </a:fontRef>
-          </p:style>
-          <p:txBody>
-            <a:bodyPr rtlCol="0" anchor="ctr"/>
-            <a:lstStyle/>
-            <a:p>
-              <a:pPr algn="ctr"/>
-              <a:r>
-                <a:rPr lang="nb-NO" sz="700" dirty="0" smtClean="0">
-                  <a:solidFill>
-                    <a:schemeClr val="tx1">
-                      <a:lumMod val="75000"/>
-                      <a:lumOff val="25000"/>
-                    </a:schemeClr>
-                  </a:solidFill>
-                </a:rPr>
-                <a:t>P</a:t>
-              </a:r>
-            </a:p>
-          </p:txBody>
-        </p:sp>
-        <p:sp>
-          <p:nvSpPr>
-            <p:cNvPr id="7" name="Rounded Rectangle 6"/>
-            <p:cNvSpPr/>
-            <p:nvPr/>
-          </p:nvSpPr>
-          <p:spPr>
-            <a:xfrm>
-              <a:off x="7906829" y="149122"/>
-              <a:ext cx="231331" cy="221268"/>
-            </a:xfrm>
-            <a:prstGeom prst="roundRect">
-              <a:avLst/>
-            </a:prstGeom>
-            <a:solidFill>
-              <a:schemeClr val="bg2">
-                <a:lumMod val="40000"/>
-                <a:lumOff val="60000"/>
-              </a:schemeClr>
-            </a:solidFill>
-            <a:ln w="3175">
-              <a:solidFill>
-                <a:schemeClr val="tx1"/>
-              </a:solidFill>
-            </a:ln>
-          </p:spPr>
-          <p:style>
-            <a:lnRef idx="2">
-              <a:schemeClr val="accent1">
-                <a:shade val="50000"/>
-              </a:schemeClr>
-            </a:lnRef>
-            <a:fillRef idx="1">
-              <a:schemeClr val="accent1"/>
-            </a:fillRef>
-            <a:effectRef idx="0">
-              <a:schemeClr val="accent1"/>
-            </a:effectRef>
-            <a:fontRef idx="minor">
-              <a:schemeClr val="lt1"/>
-            </a:fontRef>
-          </p:style>
-          <p:txBody>
-            <a:bodyPr rtlCol="0" anchor="ctr"/>
-            <a:lstStyle/>
-            <a:p>
-              <a:pPr algn="ctr"/>
-              <a:r>
-                <a:rPr lang="nb-NO" sz="700" dirty="0" smtClean="0">
-                  <a:solidFill>
-                    <a:schemeClr val="tx1">
-                      <a:lumMod val="75000"/>
-                      <a:lumOff val="25000"/>
-                    </a:schemeClr>
-                  </a:solidFill>
-                </a:rPr>
-                <a:t>P</a:t>
-              </a:r>
-            </a:p>
-          </p:txBody>
-        </p:sp>
-        <p:sp>
-          <p:nvSpPr>
-            <p:cNvPr id="8" name="Rounded Rectangle 7"/>
-            <p:cNvSpPr/>
-            <p:nvPr/>
-          </p:nvSpPr>
-          <p:spPr>
-            <a:xfrm>
-              <a:off x="8653589" y="149122"/>
-              <a:ext cx="231331" cy="221268"/>
-            </a:xfrm>
-            <a:prstGeom prst="roundRect">
-              <a:avLst/>
-            </a:prstGeom>
-            <a:solidFill>
-              <a:schemeClr val="bg2">
-                <a:lumMod val="40000"/>
-                <a:lumOff val="60000"/>
-              </a:schemeClr>
-            </a:solidFill>
-            <a:ln w="3175">
-              <a:solidFill>
-                <a:schemeClr val="tx1"/>
-              </a:solidFill>
-            </a:ln>
-          </p:spPr>
-          <p:style>
-            <a:lnRef idx="2">
-              <a:schemeClr val="accent1">
-                <a:shade val="50000"/>
-              </a:schemeClr>
-            </a:lnRef>
-            <a:fillRef idx="1">
-              <a:schemeClr val="accent1"/>
-            </a:fillRef>
-            <a:effectRef idx="0">
-              <a:schemeClr val="accent1"/>
-            </a:effectRef>
-            <a:fontRef idx="minor">
-              <a:schemeClr val="lt1"/>
-            </a:fontRef>
-          </p:style>
-          <p:txBody>
-            <a:bodyPr rtlCol="0" anchor="ctr"/>
-            <a:lstStyle/>
-            <a:p>
-              <a:pPr algn="ctr"/>
-              <a:r>
-                <a:rPr lang="nb-NO" sz="700" dirty="0" smtClean="0">
-                  <a:solidFill>
-                    <a:schemeClr val="tx1">
-                      <a:lumMod val="75000"/>
-                      <a:lumOff val="25000"/>
-                    </a:schemeClr>
-                  </a:solidFill>
-                </a:rPr>
-                <a:t>P</a:t>
-              </a:r>
-            </a:p>
-          </p:txBody>
-        </p:sp>
-        <p:grpSp>
-          <p:nvGrpSpPr>
-            <p:cNvPr id="9" name="Group 14"/>
-            <p:cNvGrpSpPr/>
-            <p:nvPr/>
-          </p:nvGrpSpPr>
-          <p:grpSpPr>
-            <a:xfrm>
-              <a:off x="7839075" y="114300"/>
-              <a:ext cx="1095375" cy="838200"/>
-              <a:chOff x="7305675" y="114300"/>
-              <a:chExt cx="1771650" cy="838200"/>
-            </a:xfrm>
-          </p:grpSpPr>
-          <p:grpSp>
-            <p:nvGrpSpPr>
-              <p:cNvPr id="10" name="Group 27"/>
-              <p:cNvGrpSpPr/>
-              <p:nvPr/>
-            </p:nvGrpSpPr>
-            <p:grpSpPr>
-              <a:xfrm>
-                <a:off x="7305675" y="114300"/>
-                <a:ext cx="1724025" cy="819149"/>
-                <a:chOff x="7305675" y="114300"/>
-                <a:chExt cx="1724025" cy="819149"/>
-              </a:xfrm>
-            </p:grpSpPr>
-            <p:grpSp>
-              <p:nvGrpSpPr>
-                <p:cNvPr id="12" name="Group 24"/>
-                <p:cNvGrpSpPr/>
-                <p:nvPr/>
-              </p:nvGrpSpPr>
-              <p:grpSpPr>
-                <a:xfrm>
-                  <a:off x="7402936" y="418891"/>
-                  <a:ext cx="1588664" cy="514558"/>
-                  <a:chOff x="7698211" y="434270"/>
-                  <a:chExt cx="1224622" cy="380379"/>
-                </a:xfrm>
-              </p:grpSpPr>
-              <p:sp>
-                <p:nvSpPr>
-                  <p:cNvPr id="14" name="Rounded Rectangle 13"/>
-                  <p:cNvSpPr/>
-                  <p:nvPr/>
-                </p:nvSpPr>
-                <p:spPr>
-                  <a:xfrm>
-                    <a:off x="7698211" y="643622"/>
-                    <a:ext cx="1224622" cy="171027"/>
-                  </a:xfrm>
-                  <a:prstGeom prst="roundRect">
-                    <a:avLst/>
-                  </a:prstGeom>
-                  <a:solidFill>
-                    <a:schemeClr val="bg2">
-                      <a:lumMod val="40000"/>
-                      <a:lumOff val="60000"/>
-                    </a:schemeClr>
-                  </a:solidFill>
-                  <a:ln w="3175">
-                    <a:solidFill>
-                      <a:schemeClr val="tx1"/>
-                    </a:solidFill>
-                  </a:ln>
-                </p:spPr>
-                <p:style>
-                  <a:lnRef idx="2">
-                    <a:schemeClr val="accent1">
-                      <a:shade val="50000"/>
-                    </a:schemeClr>
-                  </a:lnRef>
-                  <a:fillRef idx="1">
-                    <a:schemeClr val="accent1"/>
-                  </a:fillRef>
-                  <a:effectRef idx="0">
-                    <a:schemeClr val="accent1"/>
-                  </a:effectRef>
-                  <a:fontRef idx="minor">
-                    <a:schemeClr val="lt1"/>
-                  </a:fontRef>
-                </p:style>
-                <p:txBody>
-                  <a:bodyPr rtlCol="0" anchor="ctr"/>
-                  <a:lstStyle/>
-                  <a:p>
-                    <a:pPr algn="ctr"/>
-                    <a:r>
-                      <a:rPr lang="nb-NO" sz="700" dirty="0" smtClean="0">
-                        <a:solidFill>
-                          <a:schemeClr val="tx1">
-                            <a:lumMod val="75000"/>
-                            <a:lumOff val="25000"/>
-                          </a:schemeClr>
-                        </a:solidFill>
-                      </a:rPr>
-                      <a:t>PHY</a:t>
-                    </a:r>
-                  </a:p>
-                </p:txBody>
-              </p:sp>
-              <p:sp>
-                <p:nvSpPr>
-                  <p:cNvPr id="15" name="Rounded Rectangle 14"/>
-                  <p:cNvSpPr/>
-                  <p:nvPr/>
-                </p:nvSpPr>
-                <p:spPr>
-                  <a:xfrm>
-                    <a:off x="7698211" y="434270"/>
-                    <a:ext cx="1224622" cy="176800"/>
-                  </a:xfrm>
-                  <a:prstGeom prst="roundRect">
-                    <a:avLst/>
-                  </a:prstGeom>
-                  <a:solidFill>
-                    <a:schemeClr val="bg2">
-                      <a:lumMod val="75000"/>
-                    </a:schemeClr>
-                  </a:solidFill>
-                  <a:ln w="3175">
-                    <a:solidFill>
-                      <a:schemeClr val="tx1"/>
-                    </a:solidFill>
-                  </a:ln>
-                </p:spPr>
-                <p:style>
-                  <a:lnRef idx="2">
-                    <a:schemeClr val="accent1">
-                      <a:shade val="50000"/>
-                    </a:schemeClr>
-                  </a:lnRef>
-                  <a:fillRef idx="1">
-                    <a:schemeClr val="accent1"/>
-                  </a:fillRef>
-                  <a:effectRef idx="0">
-                    <a:schemeClr val="accent1"/>
-                  </a:effectRef>
-                  <a:fontRef idx="minor">
-                    <a:schemeClr val="lt1"/>
-                  </a:fontRef>
-                </p:style>
-                <p:txBody>
-                  <a:bodyPr rtlCol="0" anchor="ctr"/>
-                  <a:lstStyle/>
-                  <a:p>
-                    <a:pPr algn="ctr"/>
-                    <a:r>
-                      <a:rPr lang="nb-NO" sz="700" dirty="0" smtClean="0"/>
-                      <a:t>GAP</a:t>
-                    </a:r>
-                  </a:p>
-                </p:txBody>
-              </p:sp>
-            </p:grpSp>
-            <p:sp>
-              <p:nvSpPr>
-                <p:cNvPr id="13" name="Rectangle 12"/>
-                <p:cNvSpPr/>
-                <p:nvPr/>
-              </p:nvSpPr>
-              <p:spPr>
-                <a:xfrm>
-                  <a:off x="7305675" y="114300"/>
-                  <a:ext cx="1724025" cy="66675"/>
-                </a:xfrm>
-                <a:prstGeom prst="rect">
-                  <a:avLst/>
-                </a:prstGeom>
-                <a:solidFill>
-                  <a:schemeClr val="bg1"/>
-                </a:solidFill>
-                <a:ln>
-                  <a:solidFill>
-                    <a:schemeClr val="bg1"/>
-                  </a:solidFill>
-                </a:ln>
-              </p:spPr>
-              <p:style>
-                <a:lnRef idx="2">
-                  <a:schemeClr val="accent1">
-                    <a:shade val="50000"/>
-                  </a:schemeClr>
-                </a:lnRef>
-                <a:fillRef idx="1">
-                  <a:schemeClr val="accent1"/>
-                </a:fillRef>
-                <a:effectRef idx="0">
-                  <a:schemeClr val="accent1"/>
-                </a:effectRef>
-                <a:fontRef idx="minor">
-                  <a:schemeClr val="lt1"/>
-                </a:fontRef>
-              </p:style>
-              <p:txBody>
-                <a:bodyPr rtlCol="0" anchor="ctr"/>
-                <a:lstStyle/>
-                <a:p>
-                  <a:pPr algn="ctr"/>
-                  <a:endParaRPr lang="en-US"/>
-                </a:p>
-              </p:txBody>
-            </p:sp>
-          </p:grpSp>
-          <p:sp>
-            <p:nvSpPr>
-              <p:cNvPr id="11" name="Rectangle 10"/>
               <p:cNvSpPr/>
               <p:nvPr/>
             </p:nvSpPr>
@@ -30205,12 +29714,12 @@
       </p:grpSpPr>
       <p:sp>
         <p:nvSpPr>
-          <p:cNvPr id="56322" name="Rectangle 2"/>
+          <p:cNvPr id="2" name="Title 1"/>
           <p:cNvSpPr>
-            <a:spLocks noGrp="1" noChangeArrowheads="1"/>
+            <a:spLocks noGrp="1"/>
           </p:cNvSpPr>
           <p:nvPr>
-            <p:ph type="ctrTitle"/>
+            <p:ph type="title"/>
           </p:nvPr>
         </p:nvSpPr>
         <p:spPr/>
@@ -30218,45 +29727,143 @@
           <a:bodyPr/>
           <a:lstStyle/>
           <a:p>
-            <a:pPr eaLnBrk="1" hangingPunct="1"/>
-            <a:r>
-              <a:rPr lang="en-US" i="1" dirty="0" smtClean="0">
-                <a:solidFill>
-                  <a:srgbClr val="DE0000"/>
-                </a:solidFill>
-              </a:rPr>
-              <a:t>Bluetooth</a:t>
-            </a:r>
-            <a:r>
-              <a:rPr lang="en-US" dirty="0" smtClean="0">
-                <a:solidFill>
-                  <a:srgbClr val="DE0000"/>
-                </a:solidFill>
-              </a:rPr>
-              <a:t> Low Energy </a:t>
-            </a:r>
-            <a:br>
-              <a:rPr lang="en-US" dirty="0" smtClean="0">
-                <a:solidFill>
-                  <a:srgbClr val="DE0000"/>
-                </a:solidFill>
-              </a:rPr>
-            </a:br>
-            <a:r>
-              <a:rPr lang="en-US" dirty="0" smtClean="0">
-                <a:solidFill>
-                  <a:srgbClr val="DE0000"/>
-                </a:solidFill>
-              </a:rPr>
-              <a:t>Ecosystem Overview</a:t>
-            </a:r>
-            <a:endParaRPr lang="en-US" dirty="0" smtClean="0"/>
+            <a:r>
+              <a:rPr lang="nb-NO" dirty="0" smtClean="0"/>
+              <a:t>GAP – Multiple Roles</a:t>
+            </a:r>
+            <a:endParaRPr lang="en-US" dirty="0"/>
           </a:p>
         </p:txBody>
       </p:sp>
       <p:sp>
         <p:nvSpPr>
-          <p:cNvPr id="10244" name="Slide Number Placeholder 3"/>
+          <p:cNvPr id="3" name="Content Placeholder 2"/>
+          <p:cNvSpPr>
+            <a:spLocks noGrp="1"/>
+          </p:cNvSpPr>
+          <p:nvPr>
+            <p:ph idx="1"/>
+          </p:nvPr>
+        </p:nvSpPr>
+        <p:spPr/>
+        <p:txBody>
+          <a:bodyPr/>
+          <a:lstStyle/>
+          <a:p>
+            <a:r>
+              <a:rPr lang="en-US" altLang="ja-JP" sz="2400" dirty="0" smtClean="0">
+                <a:ea typeface="ＭＳ Ｐゴシック" pitchFamily="34" charset="-128"/>
+              </a:rPr>
+              <a:t>The BLE specification multiple-role configurations:</a:t>
+            </a:r>
+          </a:p>
+          <a:p>
+            <a:endParaRPr lang="en-US" altLang="ja-JP" sz="2400" dirty="0" smtClean="0">
+              <a:ea typeface="ＭＳ Ｐゴシック" pitchFamily="34" charset="-128"/>
+            </a:endParaRPr>
+          </a:p>
+          <a:p>
+            <a:pPr lvl="1"/>
+            <a:r>
+              <a:rPr lang="en-US" altLang="ja-JP" sz="2000" dirty="0" smtClean="0">
+                <a:ea typeface="ＭＳ Ｐゴシック" pitchFamily="34" charset="-128"/>
+              </a:rPr>
+              <a:t>Peripheral and Broadcaster</a:t>
+            </a:r>
+          </a:p>
+          <a:p>
+            <a:pPr lvl="2"/>
+            <a:r>
+              <a:rPr lang="en-US" altLang="ja-JP" sz="1400" dirty="0" smtClean="0">
+                <a:ea typeface="ＭＳ Ｐゴシック" pitchFamily="34" charset="-128"/>
+              </a:rPr>
+              <a:t>device operates as a slave in a single link layer connection</a:t>
+            </a:r>
+          </a:p>
+          <a:p>
+            <a:pPr lvl="2"/>
+            <a:r>
+              <a:rPr lang="en-US" altLang="ja-JP" sz="1400" dirty="0" smtClean="0">
+                <a:ea typeface="ＭＳ Ｐゴシック" pitchFamily="34" charset="-128"/>
+              </a:rPr>
+              <a:t>send out non-connectable advertisements</a:t>
+            </a:r>
+          </a:p>
+          <a:p>
+            <a:pPr lvl="2"/>
+            <a:endParaRPr lang="en-US" altLang="ja-JP" sz="1400" dirty="0" smtClean="0">
+              <a:ea typeface="ＭＳ Ｐゴシック" pitchFamily="34" charset="-128"/>
+            </a:endParaRPr>
+          </a:p>
+          <a:p>
+            <a:pPr lvl="1"/>
+            <a:r>
+              <a:rPr lang="en-US" altLang="ja-JP" sz="2000" dirty="0" smtClean="0">
+                <a:ea typeface="ＭＳ Ｐゴシック" pitchFamily="34" charset="-128"/>
+              </a:rPr>
+              <a:t>Peripheral and Observer: </a:t>
+            </a:r>
+          </a:p>
+          <a:p>
+            <a:pPr lvl="2"/>
+            <a:r>
+              <a:rPr lang="en-US" altLang="ja-JP" sz="1600" dirty="0" smtClean="0">
+                <a:ea typeface="ＭＳ Ｐゴシック" pitchFamily="34" charset="-128"/>
+              </a:rPr>
+              <a:t>device operates as a slave in a single link layer connection</a:t>
+            </a:r>
+          </a:p>
+          <a:p>
+            <a:pPr lvl="2"/>
+            <a:r>
+              <a:rPr lang="en-US" altLang="ja-JP" sz="1600" dirty="0" smtClean="0">
+                <a:ea typeface="ＭＳ Ｐゴシック" pitchFamily="34" charset="-128"/>
+              </a:rPr>
+              <a:t>Scan for advertisements without initiating a connection</a:t>
+            </a:r>
+          </a:p>
+          <a:p>
+            <a:pPr lvl="2"/>
+            <a:endParaRPr lang="en-US" altLang="ja-JP" sz="1600" dirty="0" smtClean="0">
+              <a:ea typeface="ＭＳ Ｐゴシック" pitchFamily="34" charset="-128"/>
+            </a:endParaRPr>
+          </a:p>
+          <a:p>
+            <a:pPr lvl="1"/>
+            <a:r>
+              <a:rPr lang="en-US" altLang="ja-JP" sz="2000" dirty="0" smtClean="0">
+                <a:ea typeface="ＭＳ Ｐゴシック" pitchFamily="34" charset="-128"/>
+              </a:rPr>
+              <a:t>Central and Broadcaster: </a:t>
+            </a:r>
+          </a:p>
+          <a:p>
+            <a:pPr lvl="2"/>
+            <a:r>
+              <a:rPr lang="en-US" altLang="ja-JP" sz="1600" dirty="0" smtClean="0">
+                <a:ea typeface="ＭＳ Ｐゴシック" pitchFamily="34" charset="-128"/>
+              </a:rPr>
+              <a:t>Device scans for advertisements and initiates connections as a master</a:t>
+            </a:r>
+          </a:p>
+          <a:p>
+            <a:pPr lvl="2"/>
+            <a:r>
+              <a:rPr lang="en-US" altLang="ja-JP" sz="1600" dirty="0" smtClean="0">
+                <a:ea typeface="ＭＳ Ｐゴシック" pitchFamily="34" charset="-128"/>
+              </a:rPr>
+              <a:t>Broadcast non-connectable advertisements</a:t>
+            </a:r>
+            <a:endParaRPr lang="nb-NO" sz="1600" dirty="0" smtClean="0"/>
+          </a:p>
+          <a:p>
+            <a:endParaRPr lang="en-US" dirty="0"/>
+          </a:p>
+        </p:txBody>
+      </p:sp>
+      <p:sp>
+        <p:nvSpPr>
+          <p:cNvPr id="4" name="Slide Number Placeholder 3"/>
           <p:cNvSpPr>
             <a:spLocks noGrp="1"/>
           </p:cNvSpPr>
@@ -30272,23 +29879,471 @@
             <a:pPr>
               <a:defRPr/>
             </a:pPr>
-            <a:fld id="{9DF314E0-93F2-413D-A6A0-9A7FDEE6C916}" type="slidenum">
+            <a:fld id="{A6EB5916-6F1F-4CA0-AFA4-2E6C0C918165}" type="slidenum">
               <a:rPr lang="en-US" smtClean="0"/>
               <a:pPr>
                 <a:defRPr/>
               </a:pPr>
               <a:t>30</a:t>
             </a:fld>
-            <a:endParaRPr lang="en-US" smtClean="0"/>
+            <a:endParaRPr lang="en-US"/>
           </a:p>
         </p:txBody>
       </p:sp>
+      <p:grpSp>
+        <p:nvGrpSpPr>
+          <p:cNvPr id="5" name="Group 4"/>
+          <p:cNvGrpSpPr/>
+          <p:nvPr/>
+        </p:nvGrpSpPr>
+        <p:grpSpPr>
+          <a:xfrm>
+            <a:off x="7839075" y="114300"/>
+            <a:ext cx="1095375" cy="838200"/>
+            <a:chOff x="7839075" y="114300"/>
+            <a:chExt cx="1095375" cy="838200"/>
+          </a:xfrm>
+        </p:grpSpPr>
+        <p:sp>
+          <p:nvSpPr>
+            <p:cNvPr id="6" name="Rounded Rectangle 5"/>
+            <p:cNvSpPr/>
+            <p:nvPr/>
+          </p:nvSpPr>
+          <p:spPr>
+            <a:xfrm>
+              <a:off x="8188769" y="149122"/>
+              <a:ext cx="231331" cy="221268"/>
+            </a:xfrm>
+            <a:prstGeom prst="roundRect">
+              <a:avLst/>
+            </a:prstGeom>
+            <a:solidFill>
+              <a:schemeClr val="bg2">
+                <a:lumMod val="40000"/>
+                <a:lumOff val="60000"/>
+              </a:schemeClr>
+            </a:solidFill>
+            <a:ln w="3175">
+              <a:solidFill>
+                <a:schemeClr val="tx1"/>
+              </a:solidFill>
+            </a:ln>
+          </p:spPr>
+          <p:style>
+            <a:lnRef idx="2">
+              <a:schemeClr val="accent1">
+                <a:shade val="50000"/>
+              </a:schemeClr>
+            </a:lnRef>
+            <a:fillRef idx="1">
+              <a:schemeClr val="accent1"/>
+            </a:fillRef>
+            <a:effectRef idx="0">
+              <a:schemeClr val="accent1"/>
+            </a:effectRef>
+            <a:fontRef idx="minor">
+              <a:schemeClr val="lt1"/>
+            </a:fontRef>
+          </p:style>
+          <p:txBody>
+            <a:bodyPr rtlCol="0" anchor="ctr"/>
+            <a:lstStyle/>
+            <a:p>
+              <a:pPr algn="ctr"/>
+              <a:r>
+                <a:rPr lang="nb-NO" sz="700" dirty="0" smtClean="0">
+                  <a:solidFill>
+                    <a:schemeClr val="tx1">
+                      <a:lumMod val="75000"/>
+                      <a:lumOff val="25000"/>
+                    </a:schemeClr>
+                  </a:solidFill>
+                </a:rPr>
+                <a:t>P</a:t>
+              </a:r>
+            </a:p>
+          </p:txBody>
+        </p:sp>
+        <p:sp>
+          <p:nvSpPr>
+            <p:cNvPr id="7" name="Rounded Rectangle 6"/>
+            <p:cNvSpPr/>
+            <p:nvPr/>
+          </p:nvSpPr>
+          <p:spPr>
+            <a:xfrm>
+              <a:off x="7906829" y="149122"/>
+              <a:ext cx="231331" cy="221268"/>
+            </a:xfrm>
+            <a:prstGeom prst="roundRect">
+              <a:avLst/>
+            </a:prstGeom>
+            <a:solidFill>
+              <a:schemeClr val="bg2">
+                <a:lumMod val="40000"/>
+                <a:lumOff val="60000"/>
+              </a:schemeClr>
+            </a:solidFill>
+            <a:ln w="3175">
+              <a:solidFill>
+                <a:schemeClr val="tx1"/>
+              </a:solidFill>
+            </a:ln>
+          </p:spPr>
+          <p:style>
+            <a:lnRef idx="2">
+              <a:schemeClr val="accent1">
+                <a:shade val="50000"/>
+              </a:schemeClr>
+            </a:lnRef>
+            <a:fillRef idx="1">
+              <a:schemeClr val="accent1"/>
+            </a:fillRef>
+            <a:effectRef idx="0">
+              <a:schemeClr val="accent1"/>
+            </a:effectRef>
+            <a:fontRef idx="minor">
+              <a:schemeClr val="lt1"/>
+            </a:fontRef>
+          </p:style>
+          <p:txBody>
+            <a:bodyPr rtlCol="0" anchor="ctr"/>
+            <a:lstStyle/>
+            <a:p>
+              <a:pPr algn="ctr"/>
+              <a:r>
+                <a:rPr lang="nb-NO" sz="700" dirty="0" smtClean="0">
+                  <a:solidFill>
+                    <a:schemeClr val="tx1">
+                      <a:lumMod val="75000"/>
+                      <a:lumOff val="25000"/>
+                    </a:schemeClr>
+                  </a:solidFill>
+                </a:rPr>
+                <a:t>P</a:t>
+              </a:r>
+            </a:p>
+          </p:txBody>
+        </p:sp>
+        <p:sp>
+          <p:nvSpPr>
+            <p:cNvPr id="8" name="Rounded Rectangle 7"/>
+            <p:cNvSpPr/>
+            <p:nvPr/>
+          </p:nvSpPr>
+          <p:spPr>
+            <a:xfrm>
+              <a:off x="8653589" y="149122"/>
+              <a:ext cx="231331" cy="221268"/>
+            </a:xfrm>
+            <a:prstGeom prst="roundRect">
+              <a:avLst/>
+            </a:prstGeom>
+            <a:solidFill>
+              <a:schemeClr val="bg2">
+                <a:lumMod val="40000"/>
+                <a:lumOff val="60000"/>
+              </a:schemeClr>
+            </a:solidFill>
+            <a:ln w="3175">
+              <a:solidFill>
+                <a:schemeClr val="tx1"/>
+              </a:solidFill>
+            </a:ln>
+          </p:spPr>
+          <p:style>
+            <a:lnRef idx="2">
+              <a:schemeClr val="accent1">
+                <a:shade val="50000"/>
+              </a:schemeClr>
+            </a:lnRef>
+            <a:fillRef idx="1">
+              <a:schemeClr val="accent1"/>
+            </a:fillRef>
+            <a:effectRef idx="0">
+              <a:schemeClr val="accent1"/>
+            </a:effectRef>
+            <a:fontRef idx="minor">
+              <a:schemeClr val="lt1"/>
+            </a:fontRef>
+          </p:style>
+          <p:txBody>
+            <a:bodyPr rtlCol="0" anchor="ctr"/>
+            <a:lstStyle/>
+            <a:p>
+              <a:pPr algn="ctr"/>
+              <a:r>
+                <a:rPr lang="nb-NO" sz="700" dirty="0" smtClean="0">
+                  <a:solidFill>
+                    <a:schemeClr val="tx1">
+                      <a:lumMod val="75000"/>
+                      <a:lumOff val="25000"/>
+                    </a:schemeClr>
+                  </a:solidFill>
+                </a:rPr>
+                <a:t>P</a:t>
+              </a:r>
+            </a:p>
+          </p:txBody>
+        </p:sp>
+        <p:grpSp>
+          <p:nvGrpSpPr>
+            <p:cNvPr id="9" name="Group 14"/>
+            <p:cNvGrpSpPr/>
+            <p:nvPr/>
+          </p:nvGrpSpPr>
+          <p:grpSpPr>
+            <a:xfrm>
+              <a:off x="7839075" y="114300"/>
+              <a:ext cx="1095375" cy="838200"/>
+              <a:chOff x="7305675" y="114300"/>
+              <a:chExt cx="1771650" cy="838200"/>
+            </a:xfrm>
+          </p:grpSpPr>
+          <p:grpSp>
+            <p:nvGrpSpPr>
+              <p:cNvPr id="10" name="Group 27"/>
+              <p:cNvGrpSpPr/>
+              <p:nvPr/>
+            </p:nvGrpSpPr>
+            <p:grpSpPr>
+              <a:xfrm>
+                <a:off x="7305675" y="114300"/>
+                <a:ext cx="1724025" cy="819149"/>
+                <a:chOff x="7305675" y="114300"/>
+                <a:chExt cx="1724025" cy="819149"/>
+              </a:xfrm>
+            </p:grpSpPr>
+            <p:grpSp>
+              <p:nvGrpSpPr>
+                <p:cNvPr id="12" name="Group 24"/>
+                <p:cNvGrpSpPr/>
+                <p:nvPr/>
+              </p:nvGrpSpPr>
+              <p:grpSpPr>
+                <a:xfrm>
+                  <a:off x="7402936" y="418891"/>
+                  <a:ext cx="1588664" cy="514558"/>
+                  <a:chOff x="7698211" y="434270"/>
+                  <a:chExt cx="1224622" cy="380379"/>
+                </a:xfrm>
+              </p:grpSpPr>
+              <p:sp>
+                <p:nvSpPr>
+                  <p:cNvPr id="14" name="Rounded Rectangle 13"/>
+                  <p:cNvSpPr/>
+                  <p:nvPr/>
+                </p:nvSpPr>
+                <p:spPr>
+                  <a:xfrm>
+                    <a:off x="7698211" y="643622"/>
+                    <a:ext cx="1224622" cy="171027"/>
+                  </a:xfrm>
+                  <a:prstGeom prst="roundRect">
+                    <a:avLst/>
+                  </a:prstGeom>
+                  <a:solidFill>
+                    <a:schemeClr val="bg2">
+                      <a:lumMod val="40000"/>
+                      <a:lumOff val="60000"/>
+                    </a:schemeClr>
+                  </a:solidFill>
+                  <a:ln w="3175">
+                    <a:solidFill>
+                      <a:schemeClr val="tx1"/>
+                    </a:solidFill>
+                  </a:ln>
+                </p:spPr>
+                <p:style>
+                  <a:lnRef idx="2">
+                    <a:schemeClr val="accent1">
+                      <a:shade val="50000"/>
+                    </a:schemeClr>
+                  </a:lnRef>
+                  <a:fillRef idx="1">
+                    <a:schemeClr val="accent1"/>
+                  </a:fillRef>
+                  <a:effectRef idx="0">
+                    <a:schemeClr val="accent1"/>
+                  </a:effectRef>
+                  <a:fontRef idx="minor">
+                    <a:schemeClr val="lt1"/>
+                  </a:fontRef>
+                </p:style>
+                <p:txBody>
+                  <a:bodyPr rtlCol="0" anchor="ctr"/>
+                  <a:lstStyle/>
+                  <a:p>
+                    <a:pPr algn="ctr"/>
+                    <a:r>
+                      <a:rPr lang="nb-NO" sz="700" dirty="0" smtClean="0">
+                        <a:solidFill>
+                          <a:schemeClr val="tx1">
+                            <a:lumMod val="75000"/>
+                            <a:lumOff val="25000"/>
+                          </a:schemeClr>
+                        </a:solidFill>
+                      </a:rPr>
+                      <a:t>PHY</a:t>
+                    </a:r>
+                  </a:p>
+                </p:txBody>
+              </p:sp>
+              <p:sp>
+                <p:nvSpPr>
+                  <p:cNvPr id="15" name="Rounded Rectangle 14"/>
+                  <p:cNvSpPr/>
+                  <p:nvPr/>
+                </p:nvSpPr>
+                <p:spPr>
+                  <a:xfrm>
+                    <a:off x="7698211" y="434270"/>
+                    <a:ext cx="1224622" cy="176800"/>
+                  </a:xfrm>
+                  <a:prstGeom prst="roundRect">
+                    <a:avLst/>
+                  </a:prstGeom>
+                  <a:solidFill>
+                    <a:schemeClr val="bg2">
+                      <a:lumMod val="75000"/>
+                    </a:schemeClr>
+                  </a:solidFill>
+                  <a:ln w="3175">
+                    <a:solidFill>
+                      <a:schemeClr val="tx1"/>
+                    </a:solidFill>
+                  </a:ln>
+                </p:spPr>
+                <p:style>
+                  <a:lnRef idx="2">
+                    <a:schemeClr val="accent1">
+                      <a:shade val="50000"/>
+                    </a:schemeClr>
+                  </a:lnRef>
+                  <a:fillRef idx="1">
+                    <a:schemeClr val="accent1"/>
+                  </a:fillRef>
+                  <a:effectRef idx="0">
+                    <a:schemeClr val="accent1"/>
+                  </a:effectRef>
+                  <a:fontRef idx="minor">
+                    <a:schemeClr val="lt1"/>
+                  </a:fontRef>
+                </p:style>
+                <p:txBody>
+                  <a:bodyPr rtlCol="0" anchor="ctr"/>
+                  <a:lstStyle/>
+                  <a:p>
+                    <a:pPr algn="ctr"/>
+                    <a:r>
+                      <a:rPr lang="nb-NO" sz="700" dirty="0" smtClean="0"/>
+                      <a:t>GAP</a:t>
+                    </a:r>
+                  </a:p>
+                </p:txBody>
+              </p:sp>
+            </p:grpSp>
+            <p:sp>
+              <p:nvSpPr>
+                <p:cNvPr id="13" name="Rectangle 12"/>
+                <p:cNvSpPr/>
+                <p:nvPr/>
+              </p:nvSpPr>
+              <p:spPr>
+                <a:xfrm>
+                  <a:off x="7305675" y="114300"/>
+                  <a:ext cx="1724025" cy="66675"/>
+                </a:xfrm>
+                <a:prstGeom prst="rect">
+                  <a:avLst/>
+                </a:prstGeom>
+                <a:solidFill>
+                  <a:schemeClr val="bg1"/>
+                </a:solidFill>
+                <a:ln>
+                  <a:solidFill>
+                    <a:schemeClr val="bg1"/>
+                  </a:solidFill>
+                </a:ln>
+              </p:spPr>
+              <p:style>
+                <a:lnRef idx="2">
+                  <a:schemeClr val="accent1">
+                    <a:shade val="50000"/>
+                  </a:schemeClr>
+                </a:lnRef>
+                <a:fillRef idx="1">
+                  <a:schemeClr val="accent1"/>
+                </a:fillRef>
+                <a:effectRef idx="0">
+                  <a:schemeClr val="accent1"/>
+                </a:effectRef>
+                <a:fontRef idx="minor">
+                  <a:schemeClr val="lt1"/>
+                </a:fontRef>
+              </p:style>
+              <p:txBody>
+                <a:bodyPr rtlCol="0" anchor="ctr"/>
+                <a:lstStyle/>
+                <a:p>
+                  <a:pPr algn="ctr"/>
+                  <a:endParaRPr lang="en-US"/>
+                </a:p>
+              </p:txBody>
+            </p:sp>
+          </p:grpSp>
+          <p:sp>
+            <p:nvSpPr>
+              <p:cNvPr id="11" name="Rectangle 10"/>
+              <p:cNvSpPr/>
+              <p:nvPr/>
+            </p:nvSpPr>
+            <p:spPr>
+              <a:xfrm>
+                <a:off x="7353300" y="885825"/>
+                <a:ext cx="1724025" cy="66675"/>
+              </a:xfrm>
+              <a:prstGeom prst="rect">
+                <a:avLst/>
+              </a:prstGeom>
+              <a:solidFill>
+                <a:schemeClr val="bg1"/>
+              </a:solidFill>
+              <a:ln>
+                <a:solidFill>
+                  <a:schemeClr val="bg1"/>
+                </a:solidFill>
+              </a:ln>
+            </p:spPr>
+            <p:style>
+              <a:lnRef idx="2">
+                <a:schemeClr val="accent1">
+                  <a:shade val="50000"/>
+                </a:schemeClr>
+              </a:lnRef>
+              <a:fillRef idx="1">
+                <a:schemeClr val="accent1"/>
+              </a:fillRef>
+              <a:effectRef idx="0">
+                <a:schemeClr val="accent1"/>
+              </a:effectRef>
+              <a:fontRef idx="minor">
+                <a:schemeClr val="lt1"/>
+              </a:fontRef>
+            </p:style>
+            <p:txBody>
+              <a:bodyPr rtlCol="0" anchor="ctr"/>
+              <a:lstStyle/>
+              <a:p>
+                <a:pPr algn="ctr"/>
+                <a:endParaRPr lang="en-US"/>
+              </a:p>
+            </p:txBody>
+          </p:sp>
+        </p:grpSp>
+      </p:grpSp>
     </p:spTree>
-    <p:extLst>
-      <p:ext uri="{BB962C8B-B14F-4D97-AF65-F5344CB8AC3E}">
-        <p14:creationId xmlns:p14="http://schemas.microsoft.com/office/powerpoint/2010/main" val="2113165446"/>
-      </p:ext>
-    </p:extLst>
   </p:cSld>
   <p:clrMapOvr>
     <a:masterClrMapping/>
@@ -30322,6 +30377,123 @@
       </p:grpSpPr>
       <p:sp>
         <p:nvSpPr>
+          <p:cNvPr id="56322" name="Rectangle 2"/>
+          <p:cNvSpPr>
+            <a:spLocks noGrp="1" noChangeArrowheads="1"/>
+          </p:cNvSpPr>
+          <p:nvPr>
+            <p:ph type="ctrTitle"/>
+          </p:nvPr>
+        </p:nvSpPr>
+        <p:spPr/>
+        <p:txBody>
+          <a:bodyPr/>
+          <a:lstStyle/>
+          <a:p>
+            <a:pPr eaLnBrk="1" hangingPunct="1"/>
+            <a:r>
+              <a:rPr lang="en-US" i="1" dirty="0" smtClean="0">
+                <a:solidFill>
+                  <a:srgbClr val="DE0000"/>
+                </a:solidFill>
+              </a:rPr>
+              <a:t>Bluetooth</a:t>
+            </a:r>
+            <a:r>
+              <a:rPr lang="en-US" dirty="0" smtClean="0">
+                <a:solidFill>
+                  <a:srgbClr val="DE0000"/>
+                </a:solidFill>
+              </a:rPr>
+              <a:t> Low Energy </a:t>
+            </a:r>
+            <a:br>
+              <a:rPr lang="en-US" dirty="0" smtClean="0">
+                <a:solidFill>
+                  <a:srgbClr val="DE0000"/>
+                </a:solidFill>
+              </a:rPr>
+            </a:br>
+            <a:r>
+              <a:rPr lang="en-US" dirty="0" smtClean="0">
+                <a:solidFill>
+                  <a:srgbClr val="DE0000"/>
+                </a:solidFill>
+              </a:rPr>
+              <a:t>Ecosystem Overview</a:t>
+            </a:r>
+            <a:endParaRPr lang="en-US" dirty="0" smtClean="0"/>
+          </a:p>
+        </p:txBody>
+      </p:sp>
+      <p:sp>
+        <p:nvSpPr>
+          <p:cNvPr id="10244" name="Slide Number Placeholder 3"/>
+          <p:cNvSpPr>
+            <a:spLocks noGrp="1"/>
+          </p:cNvSpPr>
+          <p:nvPr>
+            <p:ph type="sldNum" sz="quarter" idx="10"/>
+          </p:nvPr>
+        </p:nvSpPr>
+        <p:spPr/>
+        <p:txBody>
+          <a:bodyPr/>
+          <a:lstStyle/>
+          <a:p>
+            <a:pPr>
+              <a:defRPr/>
+            </a:pPr>
+            <a:fld id="{9DF314E0-93F2-413D-A6A0-9A7FDEE6C916}" type="slidenum">
+              <a:rPr lang="en-US" smtClean="0"/>
+              <a:pPr>
+                <a:defRPr/>
+              </a:pPr>
+              <a:t>31</a:t>
+            </a:fld>
+            <a:endParaRPr lang="en-US" smtClean="0"/>
+          </a:p>
+        </p:txBody>
+      </p:sp>
+    </p:spTree>
+    <p:extLst>
+      <p:ext uri="{BB962C8B-B14F-4D97-AF65-F5344CB8AC3E}">
+        <p14:creationId xmlns:p14="http://schemas.microsoft.com/office/powerpoint/2010/main" val="2113165446"/>
+      </p:ext>
+    </p:extLst>
+  </p:cSld>
+  <p:clrMapOvr>
+    <a:masterClrMapping/>
+  </p:clrMapOvr>
+  <p:timing>
+    <p:tnLst>
+      <p:par>
+        <p:cTn id="1" dur="indefinite" restart="never" nodeType="tmRoot"/>
+      </p:par>
+    </p:tnLst>
+  </p:timing>
+</p:sld>
+</file>
+
+<file path=ppt/slides/slide32.xml><?xml version="1.0" encoding="utf-8"?>
+<p:sld xmlns:a="http://schemas.openxmlformats.org/drawingml/2006/main" xmlns:r="http://schemas.openxmlformats.org/officeDocument/2006/relationships" xmlns:p="http://schemas.openxmlformats.org/presentationml/2006/main">
+  <p:cSld>
+    <p:spTree>
+      <p:nvGrpSpPr>
+        <p:cNvPr id="1" name=""/>
+        <p:cNvGrpSpPr/>
+        <p:nvPr/>
+      </p:nvGrpSpPr>
+      <p:grpSpPr>
+        <a:xfrm>
+          <a:off x="0" y="0"/>
+          <a:ext cx="0" cy="0"/>
+          <a:chOff x="0" y="0"/>
+          <a:chExt cx="0" cy="0"/>
+        </a:xfrm>
+      </p:grpSpPr>
+      <p:sp>
+        <p:nvSpPr>
           <p:cNvPr id="2" name="Title 1"/>
           <p:cNvSpPr>
             <a:spLocks noGrp="1"/>
@@ -30491,7 +30663,7 @@
               <a:pPr>
                 <a:defRPr/>
               </a:pPr>
-              <a:t>31</a:t>
+              <a:t>32</a:t>
             </a:fld>
             <a:endParaRPr lang="en-US"/>
           </a:p>
@@ -30581,7 +30753,7 @@
 </p:sld>
 </file>
 
-<file path=ppt/slides/slide32.xml><?xml version="1.0" encoding="utf-8"?>
+<file path=ppt/slides/slide33.xml><?xml version="1.0" encoding="utf-8"?>
 <p:sld xmlns:a="http://schemas.openxmlformats.org/drawingml/2006/main" xmlns:r="http://schemas.openxmlformats.org/officeDocument/2006/relationships" xmlns:p="http://schemas.openxmlformats.org/presentationml/2006/main">
   <p:cSld>
     <p:spTree>
@@ -30649,7 +30821,7 @@
               <a:pPr>
                 <a:defRPr/>
               </a:pPr>
-              <a:t>32</a:t>
+              <a:t>33</a:t>
             </a:fld>
             <a:endParaRPr lang="en-US" smtClean="0"/>
           </a:p>
@@ -30675,7 +30847,7 @@
 </p:sld>
 </file>
 
-<file path=ppt/slides/slide33.xml><?xml version="1.0" encoding="utf-8"?>
+<file path=ppt/slides/slide34.xml><?xml version="1.0" encoding="utf-8"?>
 <p:sld xmlns:a="http://schemas.openxmlformats.org/drawingml/2006/main" xmlns:r="http://schemas.openxmlformats.org/officeDocument/2006/relationships" xmlns:p="http://schemas.openxmlformats.org/presentationml/2006/main">
   <p:cSld>
     <p:spTree>
@@ -31506,7 +31678,7 @@
               <a:pPr>
                 <a:defRPr/>
               </a:pPr>
-              <a:t>33</a:t>
+              <a:t>34</a:t>
             </a:fld>
             <a:endParaRPr lang="en-US" dirty="0"/>
           </a:p>
@@ -32591,7 +32763,7 @@
 </p:sld>
 </file>
 
-<file path=ppt/slides/slide34.xml><?xml version="1.0" encoding="utf-8"?>
+<file path=ppt/slides/slide35.xml><?xml version="1.0" encoding="utf-8"?>
 <p:sld xmlns:a="http://schemas.openxmlformats.org/drawingml/2006/main" xmlns:r="http://schemas.openxmlformats.org/officeDocument/2006/relationships" xmlns:p="http://schemas.openxmlformats.org/presentationml/2006/main">
   <p:cSld>
     <p:spTree>
@@ -32721,7 +32893,7 @@
               <a:pPr>
                 <a:defRPr/>
               </a:pPr>
-              <a:t>34</a:t>
+              <a:t>35</a:t>
             </a:fld>
             <a:endParaRPr lang="en-US"/>
           </a:p>
@@ -33971,7 +34143,7 @@
 </p:sld>
 </file>
 
-<file path=ppt/slides/slide35.xml><?xml version="1.0" encoding="utf-8"?>
+<file path=ppt/slides/slide36.xml><?xml version="1.0" encoding="utf-8"?>
 <p:sld xmlns:a="http://schemas.openxmlformats.org/drawingml/2006/main" xmlns:r="http://schemas.openxmlformats.org/officeDocument/2006/relationships" xmlns:p="http://schemas.openxmlformats.org/presentationml/2006/main">
   <p:cSld>
     <p:spTree>
@@ -35416,7 +35588,7 @@
 </p:sld>
 </file>
 
-<file path=ppt/slides/slide36.xml><?xml version="1.0" encoding="utf-8"?>
+<file path=ppt/slides/slide37.xml><?xml version="1.0" encoding="utf-8"?>
 <p:sld xmlns:a="http://schemas.openxmlformats.org/drawingml/2006/main" xmlns:r="http://schemas.openxmlformats.org/officeDocument/2006/relationships" xmlns:p="http://schemas.openxmlformats.org/presentationml/2006/main">
   <p:cSld>
     <p:spTree>
@@ -35770,7 +35942,7 @@
               <a:pPr>
                 <a:defRPr/>
               </a:pPr>
-              <a:t>36</a:t>
+              <a:t>37</a:t>
             </a:fld>
             <a:endParaRPr lang="en-US"/>
           </a:p>
@@ -35904,7 +36076,7 @@
 </p:sld>
 </file>
 
-<file path=ppt/slides/slide37.xml><?xml version="1.0" encoding="utf-8"?>
+<file path=ppt/slides/slide38.xml><?xml version="1.0" encoding="utf-8"?>
 <p:sld xmlns:a="http://schemas.openxmlformats.org/drawingml/2006/main" xmlns:r="http://schemas.openxmlformats.org/officeDocument/2006/relationships" xmlns:p="http://schemas.openxmlformats.org/presentationml/2006/main">
   <p:cSld>
     <p:spTree>
@@ -36014,7 +36186,7 @@
               <a:pPr>
                 <a:defRPr/>
               </a:pPr>
-              <a:t>37</a:t>
+              <a:t>38</a:t>
             </a:fld>
             <a:endParaRPr lang="en-US"/>
           </a:p>
@@ -36163,7 +36335,7 @@
 </p:sld>
 </file>
 
-<file path=ppt/slides/slide38.xml><?xml version="1.0" encoding="utf-8"?>
+<file path=ppt/slides/slide39.xml><?xml version="1.0" encoding="utf-8"?>
 <p:sld xmlns:a="http://schemas.openxmlformats.org/drawingml/2006/main" xmlns:r="http://schemas.openxmlformats.org/officeDocument/2006/relationships" xmlns:p="http://schemas.openxmlformats.org/presentationml/2006/main">
   <p:cSld>
     <p:spTree>
@@ -36373,211 +36545,6 @@
       <p:pic>
         <p:nvPicPr>
           <p:cNvPr id="1026" name="Picture 2"/>
-          <p:cNvPicPr>
-            <a:picLocks noChangeAspect="1" noChangeArrowheads="1"/>
-          </p:cNvPicPr>
-          <p:nvPr/>
-        </p:nvPicPr>
-        <p:blipFill>
-          <a:blip r:embed="rId2" cstate="print"/>
-          <a:srcRect/>
-          <a:stretch>
-            <a:fillRect/>
-          </a:stretch>
-        </p:blipFill>
-        <p:spPr bwMode="auto">
-          <a:xfrm>
-            <a:off x="8310111" y="146836"/>
-            <a:ext cx="666750" cy="923925"/>
-          </a:xfrm>
-          <a:prstGeom prst="rect">
-            <a:avLst/>
-          </a:prstGeom>
-          <a:noFill/>
-          <a:ln w="9525">
-            <a:noFill/>
-            <a:miter lim="800000"/>
-            <a:headEnd/>
-            <a:tailEnd/>
-          </a:ln>
-        </p:spPr>
-      </p:pic>
-    </p:spTree>
-  </p:cSld>
-  <p:clrMapOvr>
-    <a:masterClrMapping/>
-  </p:clrMapOvr>
-  <p:timing>
-    <p:tnLst>
-      <p:par>
-        <p:cTn id="1" dur="indefinite" restart="never" nodeType="tmRoot"/>
-      </p:par>
-    </p:tnLst>
-  </p:timing>
-</p:sld>
-</file>
-
-<file path=ppt/slides/slide39.xml><?xml version="1.0" encoding="utf-8"?>
-<p:sld xmlns:a="http://schemas.openxmlformats.org/drawingml/2006/main" xmlns:r="http://schemas.openxmlformats.org/officeDocument/2006/relationships" xmlns:p="http://schemas.openxmlformats.org/presentationml/2006/main">
-  <p:cSld>
-    <p:spTree>
-      <p:nvGrpSpPr>
-        <p:cNvPr id="1" name=""/>
-        <p:cNvGrpSpPr/>
-        <p:nvPr/>
-      </p:nvGrpSpPr>
-      <p:grpSpPr>
-        <a:xfrm>
-          <a:off x="0" y="0"/>
-          <a:ext cx="0" cy="0"/>
-          <a:chOff x="0" y="0"/>
-          <a:chExt cx="0" cy="0"/>
-        </a:xfrm>
-      </p:grpSpPr>
-      <p:sp>
-        <p:nvSpPr>
-          <p:cNvPr id="11266" name="Rectangle 2"/>
-          <p:cNvSpPr>
-            <a:spLocks noGrp="1" noChangeArrowheads="1"/>
-          </p:cNvSpPr>
-          <p:nvPr>
-            <p:ph type="title"/>
-          </p:nvPr>
-        </p:nvSpPr>
-        <p:spPr/>
-        <p:txBody>
-          <a:bodyPr/>
-          <a:lstStyle/>
-          <a:p>
-            <a:r>
-              <a:rPr lang="en-US" dirty="0" smtClean="0"/>
-              <a:t>Bluetooth 4.2 – TI Status</a:t>
-            </a:r>
-          </a:p>
-        </p:txBody>
-      </p:sp>
-      <p:sp>
-        <p:nvSpPr>
-          <p:cNvPr id="11267" name="Rectangle 3"/>
-          <p:cNvSpPr>
-            <a:spLocks noGrp="1" noChangeArrowheads="1"/>
-          </p:cNvSpPr>
-          <p:nvPr>
-            <p:ph idx="1"/>
-          </p:nvPr>
-        </p:nvSpPr>
-        <p:spPr>
-          <a:xfrm>
-            <a:off x="333376" y="825623"/>
-            <a:ext cx="8446639" cy="5366455"/>
-          </a:xfrm>
-        </p:spPr>
-        <p:txBody>
-          <a:bodyPr>
-            <a:normAutofit/>
-          </a:bodyPr>
-          <a:lstStyle/>
-          <a:p>
-            <a:pPr lvl="0"/>
-            <a:r>
-              <a:rPr lang="en-US" sz="2400" b="1" dirty="0" smtClean="0"/>
-              <a:t>CC2540 / CC2541</a:t>
-            </a:r>
-          </a:p>
-          <a:p>
-            <a:pPr lvl="1"/>
-            <a:r>
-              <a:rPr lang="en-US" sz="2000" dirty="0" smtClean="0"/>
-              <a:t>Currently only supports BT 4.0</a:t>
-            </a:r>
-          </a:p>
-          <a:p>
-            <a:pPr lvl="1"/>
-            <a:r>
-              <a:rPr lang="en-US" sz="2000" dirty="0" smtClean="0"/>
-              <a:t>Possibility to add some (but not all) BT 4.1 features to CC254x in 2015</a:t>
-            </a:r>
-          </a:p>
-          <a:p>
-            <a:pPr lvl="1"/>
-            <a:r>
-              <a:rPr lang="en-US" sz="2000" dirty="0" smtClean="0"/>
-              <a:t>No BT 4.2 support is planned for CC254x. This is mainly due to the limited processing capabilities and RAM on the CC254x. In addition, the CC254x radio core does not support the PHY requirements for the higher data rates in BT 4.2</a:t>
-            </a:r>
-          </a:p>
-          <a:p>
-            <a:pPr lvl="0"/>
-            <a:endParaRPr lang="en-US" sz="2400" b="1" dirty="0" smtClean="0"/>
-          </a:p>
-          <a:p>
-            <a:pPr lvl="0"/>
-            <a:r>
-              <a:rPr lang="en-US" sz="2400" b="1" dirty="0" smtClean="0"/>
-              <a:t>CC2640 / CC2650</a:t>
-            </a:r>
-          </a:p>
-          <a:p>
-            <a:pPr lvl="1"/>
-            <a:r>
-              <a:rPr lang="en-US" sz="2000" dirty="0" smtClean="0"/>
-              <a:t>Will have full support for BT 4.1 at RTM in February</a:t>
-            </a:r>
-          </a:p>
-          <a:p>
-            <a:pPr lvl="1"/>
-            <a:r>
-              <a:rPr lang="en-US" sz="2000" dirty="0" smtClean="0"/>
-              <a:t>Hardware is fully capable of supporting all BT 4.2 features. We will be working on BT 4.2 software in 2015 (schedule TBD)</a:t>
-            </a:r>
-          </a:p>
-        </p:txBody>
-      </p:sp>
-      <p:sp>
-        <p:nvSpPr>
-          <p:cNvPr id="5" name="Text Box 30"/>
-          <p:cNvSpPr txBox="1">
-            <a:spLocks noChangeArrowheads="1"/>
-          </p:cNvSpPr>
-          <p:nvPr/>
-        </p:nvSpPr>
-        <p:spPr bwMode="auto">
-          <a:xfrm>
-            <a:off x="390525" y="6394450"/>
-            <a:ext cx="2876550" cy="304800"/>
-          </a:xfrm>
-          <a:prstGeom prst="rect">
-            <a:avLst/>
-          </a:prstGeom>
-          <a:solidFill>
-            <a:schemeClr val="accent1"/>
-          </a:solidFill>
-          <a:ln w="9525">
-            <a:noFill/>
-            <a:miter lim="800000"/>
-            <a:headEnd/>
-            <a:tailEnd/>
-          </a:ln>
-        </p:spPr>
-        <p:txBody>
-          <a:bodyPr wrap="none">
-            <a:spAutoFit/>
-          </a:bodyPr>
-          <a:lstStyle/>
-          <a:p>
-            <a:r>
-              <a:rPr lang="nb-NO" sz="1400" dirty="0">
-                <a:solidFill>
-                  <a:srgbClr val="000000"/>
-                </a:solidFill>
-              </a:rPr>
-              <a:t>TI Confidential – NDA Restrictions</a:t>
-            </a:r>
-          </a:p>
-        </p:txBody>
-      </p:sp>
-      <p:pic>
-        <p:nvPicPr>
-          <p:cNvPr id="6" name="Picture 2"/>
           <p:cNvPicPr>
             <a:picLocks noChangeAspect="1" noChangeArrowheads="1"/>
           </p:cNvPicPr>
@@ -37480,6 +37447,211 @@
 </p:sld>
 </file>
 
+<file path=ppt/slides/slide40.xml><?xml version="1.0" encoding="utf-8"?>
+<p:sld xmlns:a="http://schemas.openxmlformats.org/drawingml/2006/main" xmlns:r="http://schemas.openxmlformats.org/officeDocument/2006/relationships" xmlns:p="http://schemas.openxmlformats.org/presentationml/2006/main">
+  <p:cSld>
+    <p:spTree>
+      <p:nvGrpSpPr>
+        <p:cNvPr id="1" name=""/>
+        <p:cNvGrpSpPr/>
+        <p:nvPr/>
+      </p:nvGrpSpPr>
+      <p:grpSpPr>
+        <a:xfrm>
+          <a:off x="0" y="0"/>
+          <a:ext cx="0" cy="0"/>
+          <a:chOff x="0" y="0"/>
+          <a:chExt cx="0" cy="0"/>
+        </a:xfrm>
+      </p:grpSpPr>
+      <p:sp>
+        <p:nvSpPr>
+          <p:cNvPr id="11266" name="Rectangle 2"/>
+          <p:cNvSpPr>
+            <a:spLocks noGrp="1" noChangeArrowheads="1"/>
+          </p:cNvSpPr>
+          <p:nvPr>
+            <p:ph type="title"/>
+          </p:nvPr>
+        </p:nvSpPr>
+        <p:spPr/>
+        <p:txBody>
+          <a:bodyPr/>
+          <a:lstStyle/>
+          <a:p>
+            <a:r>
+              <a:rPr lang="en-US" dirty="0" smtClean="0"/>
+              <a:t>Bluetooth 4.2 – TI Status</a:t>
+            </a:r>
+          </a:p>
+        </p:txBody>
+      </p:sp>
+      <p:sp>
+        <p:nvSpPr>
+          <p:cNvPr id="11267" name="Rectangle 3"/>
+          <p:cNvSpPr>
+            <a:spLocks noGrp="1" noChangeArrowheads="1"/>
+          </p:cNvSpPr>
+          <p:nvPr>
+            <p:ph idx="1"/>
+          </p:nvPr>
+        </p:nvSpPr>
+        <p:spPr>
+          <a:xfrm>
+            <a:off x="333376" y="825623"/>
+            <a:ext cx="8446639" cy="5366455"/>
+          </a:xfrm>
+        </p:spPr>
+        <p:txBody>
+          <a:bodyPr>
+            <a:normAutofit/>
+          </a:bodyPr>
+          <a:lstStyle/>
+          <a:p>
+            <a:pPr lvl="0"/>
+            <a:r>
+              <a:rPr lang="en-US" sz="2400" b="1" dirty="0" smtClean="0"/>
+              <a:t>CC2540 / CC2541</a:t>
+            </a:r>
+          </a:p>
+          <a:p>
+            <a:pPr lvl="1"/>
+            <a:r>
+              <a:rPr lang="en-US" sz="2000" dirty="0" smtClean="0"/>
+              <a:t>Currently only supports BT 4.0</a:t>
+            </a:r>
+          </a:p>
+          <a:p>
+            <a:pPr lvl="1"/>
+            <a:r>
+              <a:rPr lang="en-US" sz="2000" dirty="0" smtClean="0"/>
+              <a:t>Possibility to add some (but not all) BT 4.1 features to CC254x in 2015</a:t>
+            </a:r>
+          </a:p>
+          <a:p>
+            <a:pPr lvl="1"/>
+            <a:r>
+              <a:rPr lang="en-US" sz="2000" dirty="0" smtClean="0"/>
+              <a:t>No BT 4.2 support is planned for CC254x. This is mainly due to the limited processing capabilities and RAM on the CC254x. In addition, the CC254x radio core does not support the PHY requirements for the higher data rates in BT 4.2</a:t>
+            </a:r>
+          </a:p>
+          <a:p>
+            <a:pPr lvl="0"/>
+            <a:endParaRPr lang="en-US" sz="2400" b="1" dirty="0" smtClean="0"/>
+          </a:p>
+          <a:p>
+            <a:pPr lvl="0"/>
+            <a:r>
+              <a:rPr lang="en-US" sz="2400" b="1" dirty="0" smtClean="0"/>
+              <a:t>CC2640 / CC2650</a:t>
+            </a:r>
+          </a:p>
+          <a:p>
+            <a:pPr lvl="1"/>
+            <a:r>
+              <a:rPr lang="en-US" sz="2000" dirty="0" smtClean="0"/>
+              <a:t>Will have full support for BT 4.1 at RTM in February</a:t>
+            </a:r>
+          </a:p>
+          <a:p>
+            <a:pPr lvl="1"/>
+            <a:r>
+              <a:rPr lang="en-US" sz="2000" dirty="0" smtClean="0"/>
+              <a:t>Hardware is fully capable of supporting all BT 4.2 features. We will be working on BT 4.2 software in 2015 (schedule TBD)</a:t>
+            </a:r>
+          </a:p>
+        </p:txBody>
+      </p:sp>
+      <p:sp>
+        <p:nvSpPr>
+          <p:cNvPr id="5" name="Text Box 30"/>
+          <p:cNvSpPr txBox="1">
+            <a:spLocks noChangeArrowheads="1"/>
+          </p:cNvSpPr>
+          <p:nvPr/>
+        </p:nvSpPr>
+        <p:spPr bwMode="auto">
+          <a:xfrm>
+            <a:off x="390525" y="6394450"/>
+            <a:ext cx="2876550" cy="304800"/>
+          </a:xfrm>
+          <a:prstGeom prst="rect">
+            <a:avLst/>
+          </a:prstGeom>
+          <a:solidFill>
+            <a:schemeClr val="accent1"/>
+          </a:solidFill>
+          <a:ln w="9525">
+            <a:noFill/>
+            <a:miter lim="800000"/>
+            <a:headEnd/>
+            <a:tailEnd/>
+          </a:ln>
+        </p:spPr>
+        <p:txBody>
+          <a:bodyPr wrap="none">
+            <a:spAutoFit/>
+          </a:bodyPr>
+          <a:lstStyle/>
+          <a:p>
+            <a:r>
+              <a:rPr lang="nb-NO" sz="1400" dirty="0">
+                <a:solidFill>
+                  <a:srgbClr val="000000"/>
+                </a:solidFill>
+              </a:rPr>
+              <a:t>TI Confidential – NDA Restrictions</a:t>
+            </a:r>
+          </a:p>
+        </p:txBody>
+      </p:sp>
+      <p:pic>
+        <p:nvPicPr>
+          <p:cNvPr id="6" name="Picture 2"/>
+          <p:cNvPicPr>
+            <a:picLocks noChangeAspect="1" noChangeArrowheads="1"/>
+          </p:cNvPicPr>
+          <p:nvPr/>
+        </p:nvPicPr>
+        <p:blipFill>
+          <a:blip r:embed="rId2" cstate="print"/>
+          <a:srcRect/>
+          <a:stretch>
+            <a:fillRect/>
+          </a:stretch>
+        </p:blipFill>
+        <p:spPr bwMode="auto">
+          <a:xfrm>
+            <a:off x="8310111" y="146836"/>
+            <a:ext cx="666750" cy="923925"/>
+          </a:xfrm>
+          <a:prstGeom prst="rect">
+            <a:avLst/>
+          </a:prstGeom>
+          <a:noFill/>
+          <a:ln w="9525">
+            <a:noFill/>
+            <a:miter lim="800000"/>
+            <a:headEnd/>
+            <a:tailEnd/>
+          </a:ln>
+        </p:spPr>
+      </p:pic>
+    </p:spTree>
+  </p:cSld>
+  <p:clrMapOvr>
+    <a:masterClrMapping/>
+  </p:clrMapOvr>
+  <p:timing>
+    <p:tnLst>
+      <p:par>
+        <p:cTn id="1" dur="indefinite" restart="never" nodeType="tmRoot"/>
+      </p:par>
+    </p:tnLst>
+  </p:timing>
+</p:sld>
+</file>
+
 <file path=ppt/slides/slide5.xml><?xml version="1.0" encoding="utf-8"?>
 <p:sld xmlns:a="http://schemas.openxmlformats.org/drawingml/2006/main" xmlns:r="http://schemas.openxmlformats.org/officeDocument/2006/relationships" xmlns:p="http://schemas.openxmlformats.org/presentationml/2006/main">
   <p:cSld>
@@ -37528,796 +37700,614 @@
           </a:p>
         </p:txBody>
       </p:sp>
-      <p:grpSp>
-        <p:nvGrpSpPr>
-          <p:cNvPr id="4" name="Group 3"/>
-          <p:cNvGrpSpPr/>
+      <p:sp>
+        <p:nvSpPr>
+          <p:cNvPr id="52" name="Rectangle 51"/>
+          <p:cNvSpPr/>
           <p:nvPr/>
-        </p:nvGrpSpPr>
-        <p:grpSpPr>
+        </p:nvSpPr>
+        <p:spPr>
           <a:xfrm>
-            <a:off x="219944" y="2352117"/>
-            <a:ext cx="8498432" cy="1365867"/>
-            <a:chOff x="219944" y="2352117"/>
-            <a:chExt cx="8498432" cy="1365867"/>
+            <a:off x="4028305" y="1029243"/>
+            <a:ext cx="1596118" cy="963459"/>
           </a:xfrm>
-        </p:grpSpPr>
-        <p:grpSp>
-          <p:nvGrpSpPr>
-            <p:cNvPr id="2" name="Group 1"/>
-            <p:cNvGrpSpPr/>
-            <p:nvPr/>
-          </p:nvGrpSpPr>
-          <p:grpSpPr>
-            <a:xfrm>
-              <a:off x="219944" y="2352117"/>
-              <a:ext cx="8498432" cy="1364439"/>
-              <a:chOff x="219944" y="2352117"/>
-              <a:chExt cx="8498432" cy="1364439"/>
-            </a:xfrm>
-          </p:grpSpPr>
-          <p:sp>
-            <p:nvSpPr>
-              <p:cNvPr id="17" name="Rectangle 16"/>
-              <p:cNvSpPr/>
-              <p:nvPr/>
-            </p:nvSpPr>
-            <p:spPr>
-              <a:xfrm>
-                <a:off x="2902854" y="2359315"/>
-                <a:ext cx="4026687" cy="1357241"/>
-              </a:xfrm>
-              <a:prstGeom prst="rect">
-                <a:avLst/>
-              </a:prstGeom>
-              <a:solidFill>
-                <a:srgbClr val="FFCCFF"/>
-              </a:solidFill>
-              <a:ln w="19050">
-                <a:solidFill>
-                  <a:schemeClr val="tx1"/>
-                </a:solidFill>
-              </a:ln>
-            </p:spPr>
-            <p:style>
-              <a:lnRef idx="1">
-                <a:schemeClr val="accent6"/>
-              </a:lnRef>
-              <a:fillRef idx="2">
-                <a:schemeClr val="accent6"/>
-              </a:fillRef>
-              <a:effectRef idx="1">
-                <a:schemeClr val="accent6"/>
-              </a:effectRef>
-              <a:fontRef idx="minor">
-                <a:schemeClr val="dk1"/>
-              </a:fontRef>
-            </p:style>
-            <p:txBody>
-              <a:bodyPr rtlCol="0" anchor="ctr"/>
-              <a:lstStyle/>
-              <a:p>
-                <a:pPr algn="ctr"/>
-                <a:endParaRPr lang="nb-NO" sz="1600" dirty="0"/>
-              </a:p>
-            </p:txBody>
-          </p:sp>
-          <p:grpSp>
-            <p:nvGrpSpPr>
-              <p:cNvPr id="3" name="Group 2"/>
-              <p:cNvGrpSpPr/>
-              <p:nvPr/>
-            </p:nvGrpSpPr>
-            <p:grpSpPr>
-              <a:xfrm>
-                <a:off x="219944" y="2352117"/>
-                <a:ext cx="8498432" cy="992771"/>
-                <a:chOff x="219944" y="2352117"/>
-                <a:chExt cx="8498432" cy="992771"/>
-              </a:xfrm>
-            </p:grpSpPr>
-            <p:sp>
-              <p:nvSpPr>
-                <p:cNvPr id="52" name="Rectangle 51"/>
-                <p:cNvSpPr/>
-                <p:nvPr/>
-              </p:nvSpPr>
-              <p:spPr>
-                <a:xfrm>
-                  <a:off x="219944" y="2728647"/>
-                  <a:ext cx="1341455" cy="616241"/>
-                </a:xfrm>
-                <a:prstGeom prst="rect">
-                  <a:avLst/>
-                </a:prstGeom>
-                <a:ln w="19050">
-                  <a:solidFill>
-                    <a:schemeClr val="tx1"/>
-                  </a:solidFill>
-                </a:ln>
-              </p:spPr>
-              <p:style>
-                <a:lnRef idx="1">
-                  <a:schemeClr val="accent6"/>
-                </a:lnRef>
-                <a:fillRef idx="2">
-                  <a:schemeClr val="accent6"/>
-                </a:fillRef>
-                <a:effectRef idx="1">
-                  <a:schemeClr val="accent6"/>
-                </a:effectRef>
-                <a:fontRef idx="minor">
-                  <a:schemeClr val="dk1"/>
-                </a:fontRef>
-              </p:style>
-              <p:txBody>
-                <a:bodyPr rtlCol="0" anchor="ctr"/>
-                <a:lstStyle/>
-                <a:p>
-                  <a:pPr algn="ctr"/>
-                  <a:r>
-                    <a:rPr lang="en-US" altLang="zh-CN" sz="1600" dirty="0" smtClean="0"/>
-                    <a:t>Preamble</a:t>
-                  </a:r>
-                  <a:endParaRPr lang="nb-NO" sz="1600" dirty="0"/>
-                </a:p>
-              </p:txBody>
-            </p:sp>
-            <p:sp>
-              <p:nvSpPr>
-                <p:cNvPr id="16" name="TextBox 15"/>
-                <p:cNvSpPr txBox="1"/>
-                <p:nvPr/>
-              </p:nvSpPr>
-              <p:spPr>
-                <a:xfrm>
-                  <a:off x="735701" y="2359315"/>
-                  <a:ext cx="309940" cy="369332"/>
-                </a:xfrm>
-                <a:prstGeom prst="rect">
-                  <a:avLst/>
-                </a:prstGeom>
-                <a:noFill/>
-              </p:spPr>
-              <p:txBody>
-                <a:bodyPr wrap="square" rtlCol="0">
-                  <a:spAutoFit/>
-                </a:bodyPr>
-                <a:lstStyle>
-                  <a:defPPr>
-                    <a:defRPr lang="en-US"/>
-                  </a:defPPr>
-                  <a:lvl1pPr>
-                    <a:defRPr>
-                      <a:latin typeface="宋体" panose="02010600030101010101" pitchFamily="2" charset="-122"/>
-                      <a:ea typeface="宋体" panose="02010600030101010101" pitchFamily="2" charset="-122"/>
-                    </a:defRPr>
-                  </a:lvl1pPr>
-                </a:lstStyle>
-                <a:p>
-                  <a:r>
-                    <a:rPr lang="en-US" altLang="zh-CN" dirty="0" smtClean="0"/>
-                    <a:t>8</a:t>
-                  </a:r>
-                  <a:endParaRPr lang="en-US" dirty="0"/>
-                </a:p>
-              </p:txBody>
-            </p:sp>
-            <p:sp>
-              <p:nvSpPr>
-                <p:cNvPr id="39" name="Rectangle 38"/>
-                <p:cNvSpPr/>
-                <p:nvPr/>
-              </p:nvSpPr>
-              <p:spPr>
-                <a:xfrm>
-                  <a:off x="1561399" y="2728648"/>
-                  <a:ext cx="1341455" cy="616240"/>
-                </a:xfrm>
-                <a:prstGeom prst="rect">
-                  <a:avLst/>
-                </a:prstGeom>
-                <a:ln w="19050">
-                  <a:solidFill>
-                    <a:schemeClr val="tx1"/>
-                  </a:solidFill>
-                </a:ln>
-              </p:spPr>
-              <p:style>
-                <a:lnRef idx="1">
-                  <a:schemeClr val="accent6"/>
-                </a:lnRef>
-                <a:fillRef idx="2">
-                  <a:schemeClr val="accent6"/>
-                </a:fillRef>
-                <a:effectRef idx="1">
-                  <a:schemeClr val="accent6"/>
-                </a:effectRef>
-                <a:fontRef idx="minor">
-                  <a:schemeClr val="dk1"/>
-                </a:fontRef>
-              </p:style>
-              <p:txBody>
-                <a:bodyPr rtlCol="0" anchor="ctr"/>
-                <a:lstStyle/>
-                <a:p>
-                  <a:pPr algn="ctr"/>
-                  <a:r>
-                    <a:rPr lang="en-US" altLang="zh-CN" sz="1600" dirty="0" smtClean="0"/>
-                    <a:t>Access Address</a:t>
-                  </a:r>
-                  <a:endParaRPr lang="nb-NO" sz="1600" dirty="0"/>
-                </a:p>
-              </p:txBody>
-            </p:sp>
-            <p:sp>
-              <p:nvSpPr>
-                <p:cNvPr id="40" name="Rectangle 39"/>
-                <p:cNvSpPr/>
-                <p:nvPr/>
-              </p:nvSpPr>
-              <p:spPr>
-                <a:xfrm>
-                  <a:off x="2902854" y="2728647"/>
-                  <a:ext cx="1341455" cy="616240"/>
-                </a:xfrm>
-                <a:prstGeom prst="rect">
-                  <a:avLst/>
-                </a:prstGeom>
-                <a:ln w="19050">
-                  <a:solidFill>
-                    <a:schemeClr val="tx1"/>
-                  </a:solidFill>
-                </a:ln>
-              </p:spPr>
-              <p:style>
-                <a:lnRef idx="1">
-                  <a:schemeClr val="accent6"/>
-                </a:lnRef>
-                <a:fillRef idx="2">
-                  <a:schemeClr val="accent6"/>
-                </a:fillRef>
-                <a:effectRef idx="1">
-                  <a:schemeClr val="accent6"/>
-                </a:effectRef>
-                <a:fontRef idx="minor">
-                  <a:schemeClr val="dk1"/>
-                </a:fontRef>
-              </p:style>
-              <p:txBody>
-                <a:bodyPr rtlCol="0" anchor="ctr"/>
-                <a:lstStyle/>
-                <a:p>
-                  <a:pPr algn="ctr"/>
-                  <a:r>
-                    <a:rPr lang="en-US" altLang="zh-CN" sz="1600" dirty="0" smtClean="0"/>
-                    <a:t>Header</a:t>
-                  </a:r>
-                  <a:endParaRPr lang="nb-NO" sz="1600" dirty="0"/>
-                </a:p>
-              </p:txBody>
-            </p:sp>
-            <p:sp>
-              <p:nvSpPr>
-                <p:cNvPr id="41" name="TextBox 40"/>
-                <p:cNvSpPr txBox="1"/>
-                <p:nvPr/>
-              </p:nvSpPr>
-              <p:spPr>
-                <a:xfrm>
-                  <a:off x="2011238" y="2359315"/>
-                  <a:ext cx="441775" cy="369332"/>
-                </a:xfrm>
-                <a:prstGeom prst="rect">
-                  <a:avLst/>
-                </a:prstGeom>
-                <a:noFill/>
-              </p:spPr>
-              <p:txBody>
-                <a:bodyPr wrap="square" rtlCol="0">
-                  <a:spAutoFit/>
-                </a:bodyPr>
-                <a:lstStyle>
-                  <a:defPPr>
-                    <a:defRPr lang="en-US"/>
-                  </a:defPPr>
-                  <a:lvl1pPr>
-                    <a:defRPr>
-                      <a:latin typeface="宋体" panose="02010600030101010101" pitchFamily="2" charset="-122"/>
-                      <a:ea typeface="宋体" panose="02010600030101010101" pitchFamily="2" charset="-122"/>
-                    </a:defRPr>
-                  </a:lvl1pPr>
-                </a:lstStyle>
-                <a:p>
-                  <a:r>
-                    <a:rPr lang="en-US" altLang="zh-CN" dirty="0" smtClean="0"/>
-                    <a:t>32</a:t>
-                  </a:r>
-                  <a:endParaRPr lang="en-US" dirty="0"/>
-                </a:p>
-              </p:txBody>
-            </p:sp>
-            <p:sp>
-              <p:nvSpPr>
-                <p:cNvPr id="42" name="TextBox 41"/>
-                <p:cNvSpPr txBox="1"/>
-                <p:nvPr/>
-              </p:nvSpPr>
-              <p:spPr>
-                <a:xfrm>
-                  <a:off x="3418611" y="2352117"/>
-                  <a:ext cx="309940" cy="369332"/>
-                </a:xfrm>
-                <a:prstGeom prst="rect">
-                  <a:avLst/>
-                </a:prstGeom>
-                <a:noFill/>
-              </p:spPr>
-              <p:txBody>
-                <a:bodyPr wrap="square" rtlCol="0">
-                  <a:spAutoFit/>
-                </a:bodyPr>
-                <a:lstStyle>
-                  <a:defPPr>
-                    <a:defRPr lang="en-US"/>
-                  </a:defPPr>
-                  <a:lvl1pPr>
-                    <a:defRPr>
-                      <a:latin typeface="宋体" panose="02010600030101010101" pitchFamily="2" charset="-122"/>
-                      <a:ea typeface="宋体" panose="02010600030101010101" pitchFamily="2" charset="-122"/>
-                    </a:defRPr>
-                  </a:lvl1pPr>
-                </a:lstStyle>
-                <a:p>
-                  <a:r>
-                    <a:rPr lang="en-US" altLang="zh-CN" dirty="0" smtClean="0"/>
-                    <a:t>8</a:t>
-                  </a:r>
-                  <a:endParaRPr lang="en-US" dirty="0"/>
-                </a:p>
-              </p:txBody>
-            </p:sp>
-            <p:sp>
-              <p:nvSpPr>
-                <p:cNvPr id="43" name="Rectangle 42"/>
-                <p:cNvSpPr/>
-                <p:nvPr/>
-              </p:nvSpPr>
-              <p:spPr>
-                <a:xfrm>
-                  <a:off x="4244309" y="2728648"/>
-                  <a:ext cx="1341455" cy="616240"/>
-                </a:xfrm>
-                <a:prstGeom prst="rect">
-                  <a:avLst/>
-                </a:prstGeom>
-                <a:ln w="19050">
-                  <a:solidFill>
-                    <a:schemeClr val="tx1"/>
-                  </a:solidFill>
-                </a:ln>
-              </p:spPr>
-              <p:style>
-                <a:lnRef idx="1">
-                  <a:schemeClr val="accent6"/>
-                </a:lnRef>
-                <a:fillRef idx="2">
-                  <a:schemeClr val="accent6"/>
-                </a:fillRef>
-                <a:effectRef idx="1">
-                  <a:schemeClr val="accent6"/>
-                </a:effectRef>
-                <a:fontRef idx="minor">
-                  <a:schemeClr val="dk1"/>
-                </a:fontRef>
-              </p:style>
-              <p:txBody>
-                <a:bodyPr rtlCol="0" anchor="ctr"/>
-                <a:lstStyle/>
-                <a:p>
-                  <a:pPr algn="ctr"/>
-                  <a:r>
-                    <a:rPr lang="en-US" altLang="zh-CN" sz="1600" dirty="0" smtClean="0"/>
-                    <a:t>Length</a:t>
-                  </a:r>
-                  <a:endParaRPr lang="nb-NO" sz="1600" dirty="0"/>
-                </a:p>
-              </p:txBody>
-            </p:sp>
-            <p:sp>
-              <p:nvSpPr>
-                <p:cNvPr id="45" name="TextBox 44"/>
-                <p:cNvSpPr txBox="1"/>
-                <p:nvPr/>
-              </p:nvSpPr>
-              <p:spPr>
-                <a:xfrm>
-                  <a:off x="4699033" y="2359316"/>
-                  <a:ext cx="309940" cy="369332"/>
-                </a:xfrm>
-                <a:prstGeom prst="rect">
-                  <a:avLst/>
-                </a:prstGeom>
-                <a:noFill/>
-              </p:spPr>
-              <p:txBody>
-                <a:bodyPr wrap="square" rtlCol="0">
-                  <a:spAutoFit/>
-                </a:bodyPr>
-                <a:lstStyle>
-                  <a:defPPr>
-                    <a:defRPr lang="en-US"/>
-                  </a:defPPr>
-                  <a:lvl1pPr>
-                    <a:defRPr>
-                      <a:latin typeface="宋体" panose="02010600030101010101" pitchFamily="2" charset="-122"/>
-                      <a:ea typeface="宋体" panose="02010600030101010101" pitchFamily="2" charset="-122"/>
-                    </a:defRPr>
-                  </a:lvl1pPr>
-                </a:lstStyle>
-                <a:p>
-                  <a:r>
-                    <a:rPr lang="en-US" altLang="zh-CN" dirty="0" smtClean="0"/>
-                    <a:t>8</a:t>
-                  </a:r>
-                  <a:endParaRPr lang="en-US" dirty="0"/>
-                </a:p>
-              </p:txBody>
-            </p:sp>
-            <p:sp>
-              <p:nvSpPr>
-                <p:cNvPr id="46" name="Rectangle 45"/>
-                <p:cNvSpPr/>
-                <p:nvPr/>
-              </p:nvSpPr>
-              <p:spPr>
-                <a:xfrm>
-                  <a:off x="5588086" y="2728648"/>
-                  <a:ext cx="1341455" cy="616240"/>
-                </a:xfrm>
-                <a:prstGeom prst="rect">
-                  <a:avLst/>
-                </a:prstGeom>
-                <a:ln w="19050">
-                  <a:solidFill>
-                    <a:schemeClr val="tx1"/>
-                  </a:solidFill>
-                </a:ln>
-              </p:spPr>
-              <p:style>
-                <a:lnRef idx="1">
-                  <a:schemeClr val="accent6"/>
-                </a:lnRef>
-                <a:fillRef idx="2">
-                  <a:schemeClr val="accent6"/>
-                </a:fillRef>
-                <a:effectRef idx="1">
-                  <a:schemeClr val="accent6"/>
-                </a:effectRef>
-                <a:fontRef idx="minor">
-                  <a:schemeClr val="dk1"/>
-                </a:fontRef>
-              </p:style>
-              <p:txBody>
-                <a:bodyPr rtlCol="0" anchor="ctr"/>
-                <a:lstStyle/>
-                <a:p>
-                  <a:pPr algn="ctr"/>
-                  <a:r>
-                    <a:rPr lang="en-US" altLang="zh-CN" sz="1600" dirty="0" smtClean="0"/>
-                    <a:t>Data</a:t>
-                  </a:r>
-                  <a:endParaRPr lang="nb-NO" sz="1600" dirty="0"/>
-                </a:p>
-              </p:txBody>
-            </p:sp>
-            <p:sp>
-              <p:nvSpPr>
-                <p:cNvPr id="47" name="TextBox 46"/>
-                <p:cNvSpPr txBox="1"/>
-                <p:nvPr/>
-              </p:nvSpPr>
-              <p:spPr>
-                <a:xfrm>
-                  <a:off x="5691944" y="2352117"/>
-                  <a:ext cx="1133738" cy="369332"/>
-                </a:xfrm>
-                <a:prstGeom prst="rect">
-                  <a:avLst/>
-                </a:prstGeom>
-                <a:noFill/>
-              </p:spPr>
-              <p:txBody>
-                <a:bodyPr wrap="square" rtlCol="0">
-                  <a:spAutoFit/>
-                </a:bodyPr>
-                <a:lstStyle>
-                  <a:defPPr>
-                    <a:defRPr lang="en-US"/>
-                  </a:defPPr>
-                  <a:lvl1pPr>
-                    <a:defRPr>
-                      <a:latin typeface="宋体" panose="02010600030101010101" pitchFamily="2" charset="-122"/>
-                      <a:ea typeface="宋体" panose="02010600030101010101" pitchFamily="2" charset="-122"/>
-                    </a:defRPr>
-                  </a:lvl1pPr>
-                </a:lstStyle>
-                <a:p>
-                  <a:r>
-                    <a:rPr lang="en-US" altLang="zh-CN" dirty="0" smtClean="0"/>
-                    <a:t>0 to 296</a:t>
-                  </a:r>
-                  <a:endParaRPr lang="en-US" dirty="0"/>
-                </a:p>
-              </p:txBody>
-            </p:sp>
-            <p:sp>
-              <p:nvSpPr>
-                <p:cNvPr id="48" name="TextBox 47"/>
-                <p:cNvSpPr txBox="1"/>
-                <p:nvPr/>
-              </p:nvSpPr>
-              <p:spPr>
-                <a:xfrm>
-                  <a:off x="7379380" y="2359316"/>
-                  <a:ext cx="441775" cy="369332"/>
-                </a:xfrm>
-                <a:prstGeom prst="rect">
-                  <a:avLst/>
-                </a:prstGeom>
-                <a:noFill/>
-              </p:spPr>
-              <p:txBody>
-                <a:bodyPr wrap="square" rtlCol="0">
-                  <a:spAutoFit/>
-                </a:bodyPr>
-                <a:lstStyle>
-                  <a:defPPr>
-                    <a:defRPr lang="en-US"/>
-                  </a:defPPr>
-                  <a:lvl1pPr>
-                    <a:defRPr>
-                      <a:latin typeface="宋体" panose="02010600030101010101" pitchFamily="2" charset="-122"/>
-                      <a:ea typeface="宋体" panose="02010600030101010101" pitchFamily="2" charset="-122"/>
-                    </a:defRPr>
-                  </a:lvl1pPr>
-                </a:lstStyle>
-                <a:p>
-                  <a:r>
-                    <a:rPr lang="en-US" altLang="zh-CN" dirty="0" smtClean="0"/>
-                    <a:t>24</a:t>
-                  </a:r>
-                  <a:endParaRPr lang="en-US" dirty="0"/>
-                </a:p>
-              </p:txBody>
-            </p:sp>
-            <p:sp>
-              <p:nvSpPr>
-                <p:cNvPr id="50" name="Rectangle 49"/>
-                <p:cNvSpPr/>
-                <p:nvPr/>
-              </p:nvSpPr>
-              <p:spPr>
-                <a:xfrm>
-                  <a:off x="6929541" y="2728648"/>
-                  <a:ext cx="1341455" cy="616240"/>
-                </a:xfrm>
-                <a:prstGeom prst="rect">
-                  <a:avLst/>
-                </a:prstGeom>
-                <a:ln w="19050">
-                  <a:solidFill>
-                    <a:schemeClr val="tx1"/>
-                  </a:solidFill>
-                </a:ln>
-              </p:spPr>
-              <p:style>
-                <a:lnRef idx="1">
-                  <a:schemeClr val="accent6"/>
-                </a:lnRef>
-                <a:fillRef idx="2">
-                  <a:schemeClr val="accent6"/>
-                </a:fillRef>
-                <a:effectRef idx="1">
-                  <a:schemeClr val="accent6"/>
-                </a:effectRef>
-                <a:fontRef idx="minor">
-                  <a:schemeClr val="dk1"/>
-                </a:fontRef>
-              </p:style>
-              <p:txBody>
-                <a:bodyPr rtlCol="0" anchor="ctr"/>
-                <a:lstStyle/>
-                <a:p>
-                  <a:pPr algn="ctr"/>
-                  <a:r>
-                    <a:rPr lang="en-US" altLang="zh-CN" sz="1600" dirty="0" smtClean="0"/>
-                    <a:t>CRC</a:t>
-                  </a:r>
-                  <a:endParaRPr lang="nb-NO" sz="1600" dirty="0"/>
-                </a:p>
-              </p:txBody>
-            </p:sp>
-            <p:sp>
-              <p:nvSpPr>
-                <p:cNvPr id="51" name="TextBox 50"/>
-                <p:cNvSpPr txBox="1"/>
-                <p:nvPr/>
-              </p:nvSpPr>
-              <p:spPr>
-                <a:xfrm>
-                  <a:off x="8039837" y="2359315"/>
-                  <a:ext cx="678539" cy="369332"/>
-                </a:xfrm>
-                <a:prstGeom prst="rect">
-                  <a:avLst/>
-                </a:prstGeom>
-                <a:noFill/>
-              </p:spPr>
-              <p:txBody>
-                <a:bodyPr wrap="square" rtlCol="0">
-                  <a:spAutoFit/>
-                </a:bodyPr>
-                <a:lstStyle>
-                  <a:defPPr>
-                    <a:defRPr lang="en-US"/>
-                  </a:defPPr>
-                  <a:lvl1pPr>
-                    <a:defRPr>
-                      <a:latin typeface="宋体" panose="02010600030101010101" pitchFamily="2" charset="-122"/>
-                      <a:ea typeface="宋体" panose="02010600030101010101" pitchFamily="2" charset="-122"/>
-                    </a:defRPr>
-                  </a:lvl1pPr>
-                </a:lstStyle>
-                <a:p>
-                  <a:r>
-                    <a:rPr lang="en-US" dirty="0" smtClean="0"/>
-                    <a:t>bits</a:t>
-                  </a:r>
-                  <a:endParaRPr lang="en-US" dirty="0"/>
-                </a:p>
-              </p:txBody>
-            </p:sp>
-          </p:grpSp>
-          <p:sp>
-            <p:nvSpPr>
-              <p:cNvPr id="18" name="TextBox 17"/>
-              <p:cNvSpPr txBox="1"/>
-              <p:nvPr/>
-            </p:nvSpPr>
-            <p:spPr>
-              <a:xfrm>
-                <a:off x="3131805" y="3344887"/>
-                <a:ext cx="3570919" cy="369332"/>
-              </a:xfrm>
-              <a:prstGeom prst="rect">
-                <a:avLst/>
-              </a:prstGeom>
-              <a:noFill/>
-            </p:spPr>
-            <p:txBody>
-              <a:bodyPr wrap="square" rtlCol="0">
-                <a:spAutoFit/>
-              </a:bodyPr>
-              <a:lstStyle>
-                <a:defPPr>
-                  <a:defRPr lang="en-US"/>
-                </a:defPPr>
-                <a:lvl1pPr>
-                  <a:defRPr>
-                    <a:latin typeface="宋体" panose="02010600030101010101" pitchFamily="2" charset="-122"/>
-                    <a:ea typeface="宋体" panose="02010600030101010101" pitchFamily="2" charset="-122"/>
-                  </a:defRPr>
-                </a:lvl1pPr>
-              </a:lstStyle>
-              <a:p>
-                <a:pPr algn="ctr"/>
-                <a:r>
-                  <a:rPr lang="en-US" altLang="zh-CN" dirty="0" smtClean="0"/>
-                  <a:t>PDU(</a:t>
-                </a:r>
-                <a:r>
-                  <a:rPr lang="en-US" dirty="0" smtClean="0"/>
-                  <a:t>Protocol </a:t>
-                </a:r>
-                <a:r>
-                  <a:rPr lang="en-US" dirty="0"/>
-                  <a:t>Data </a:t>
-                </a:r>
-                <a:r>
-                  <a:rPr lang="en-US" dirty="0" smtClean="0"/>
-                  <a:t>Unit)</a:t>
-                </a:r>
-                <a:endParaRPr lang="en-US" dirty="0"/>
-              </a:p>
-            </p:txBody>
-          </p:sp>
-        </p:grpSp>
-        <p:sp>
-          <p:nvSpPr>
-            <p:cNvPr id="20" name="TextBox 19"/>
-            <p:cNvSpPr txBox="1"/>
-            <p:nvPr/>
-          </p:nvSpPr>
-          <p:spPr>
-            <a:xfrm>
-              <a:off x="219944" y="3348652"/>
-              <a:ext cx="599565" cy="369332"/>
-            </a:xfrm>
-            <a:prstGeom prst="rect">
-              <a:avLst/>
-            </a:prstGeom>
-            <a:noFill/>
-          </p:spPr>
-          <p:txBody>
-            <a:bodyPr wrap="square" rtlCol="0">
-              <a:spAutoFit/>
-            </a:bodyPr>
-            <a:lstStyle>
-              <a:defPPr>
-                <a:defRPr lang="en-US"/>
-              </a:defPPr>
-              <a:lvl1pPr>
-                <a:defRPr>
-                  <a:latin typeface="宋体" panose="02010600030101010101" pitchFamily="2" charset="-122"/>
-                  <a:ea typeface="宋体" panose="02010600030101010101" pitchFamily="2" charset="-122"/>
-                </a:defRPr>
-              </a:lvl1pPr>
-            </a:lstStyle>
-            <a:p>
-              <a:r>
-                <a:rPr lang="en-US" altLang="zh-CN" dirty="0" smtClean="0"/>
-                <a:t>LSB</a:t>
-              </a:r>
-              <a:endParaRPr lang="en-US" dirty="0"/>
-            </a:p>
-          </p:txBody>
-        </p:sp>
-        <p:sp>
-          <p:nvSpPr>
-            <p:cNvPr id="21" name="TextBox 20"/>
-            <p:cNvSpPr txBox="1"/>
-            <p:nvPr/>
-          </p:nvSpPr>
-          <p:spPr>
-            <a:xfrm>
-              <a:off x="7682200" y="3348652"/>
-              <a:ext cx="581898" cy="369332"/>
-            </a:xfrm>
-            <a:prstGeom prst="rect">
-              <a:avLst/>
-            </a:prstGeom>
-            <a:noFill/>
-          </p:spPr>
-          <p:txBody>
-            <a:bodyPr wrap="square" rtlCol="0">
-              <a:spAutoFit/>
-            </a:bodyPr>
-            <a:lstStyle>
-              <a:defPPr>
-                <a:defRPr lang="en-US"/>
-              </a:defPPr>
-              <a:lvl1pPr>
-                <a:defRPr>
-                  <a:latin typeface="宋体" panose="02010600030101010101" pitchFamily="2" charset="-122"/>
-                  <a:ea typeface="宋体" panose="02010600030101010101" pitchFamily="2" charset="-122"/>
-                </a:defRPr>
-              </a:lvl1pPr>
-            </a:lstStyle>
-            <a:p>
-              <a:r>
-                <a:rPr lang="en-US" altLang="zh-CN" dirty="0"/>
-                <a:t>M</a:t>
-              </a:r>
-              <a:r>
-                <a:rPr lang="en-US" altLang="zh-CN" dirty="0" smtClean="0"/>
-                <a:t>SB</a:t>
-              </a:r>
-              <a:endParaRPr lang="en-US" dirty="0"/>
-            </a:p>
-          </p:txBody>
-        </p:sp>
-      </p:grpSp>
+          <a:prstGeom prst="rect">
+            <a:avLst/>
+          </a:prstGeom>
+          <a:ln w="19050">
+            <a:solidFill>
+              <a:schemeClr val="tx1"/>
+            </a:solidFill>
+          </a:ln>
+        </p:spPr>
+        <p:style>
+          <a:lnRef idx="1">
+            <a:schemeClr val="accent6"/>
+          </a:lnRef>
+          <a:fillRef idx="2">
+            <a:schemeClr val="accent6"/>
+          </a:fillRef>
+          <a:effectRef idx="1">
+            <a:schemeClr val="accent6"/>
+          </a:effectRef>
+          <a:fontRef idx="minor">
+            <a:schemeClr val="dk1"/>
+          </a:fontRef>
+        </p:style>
+        <p:txBody>
+          <a:bodyPr rtlCol="0" anchor="ctr"/>
+          <a:lstStyle/>
+          <a:p>
+            <a:pPr algn="ctr"/>
+            <a:r>
+              <a:rPr lang="en-US" altLang="zh-CN" sz="1600" dirty="0" smtClean="0"/>
+              <a:t>Primary</a:t>
+            </a:r>
+          </a:p>
+          <a:p>
+            <a:pPr algn="ctr"/>
+            <a:endParaRPr lang="en-US" altLang="zh-CN" sz="1600" dirty="0" smtClean="0"/>
+          </a:p>
+          <a:p>
+            <a:pPr algn="ctr"/>
+            <a:r>
+              <a:rPr lang="en-US" sz="1600" dirty="0" smtClean="0"/>
+              <a:t>Battery</a:t>
+            </a:r>
+          </a:p>
+          <a:p>
+            <a:pPr algn="ctr"/>
+            <a:r>
+              <a:rPr lang="en-US" sz="1600" dirty="0" smtClean="0"/>
+              <a:t> Service</a:t>
+            </a:r>
+            <a:endParaRPr lang="nb-NO" sz="1600" dirty="0"/>
+          </a:p>
+        </p:txBody>
+      </p:sp>
+      <p:sp>
+        <p:nvSpPr>
+          <p:cNvPr id="16" name="TextBox 15"/>
+          <p:cNvSpPr txBox="1"/>
+          <p:nvPr/>
+        </p:nvSpPr>
+        <p:spPr>
+          <a:xfrm>
+            <a:off x="735701" y="2359315"/>
+            <a:ext cx="309940" cy="369332"/>
+          </a:xfrm>
+          <a:prstGeom prst="rect">
+            <a:avLst/>
+          </a:prstGeom>
+          <a:noFill/>
+        </p:spPr>
+        <p:txBody>
+          <a:bodyPr wrap="square" rtlCol="0">
+            <a:spAutoFit/>
+          </a:bodyPr>
+          <a:lstStyle>
+            <a:defPPr>
+              <a:defRPr lang="en-US"/>
+            </a:defPPr>
+            <a:lvl1pPr>
+              <a:defRPr>
+                <a:latin typeface="宋体" panose="02010600030101010101" pitchFamily="2" charset="-122"/>
+                <a:ea typeface="宋体" panose="02010600030101010101" pitchFamily="2" charset="-122"/>
+              </a:defRPr>
+            </a:lvl1pPr>
+          </a:lstStyle>
+          <a:p>
+            <a:r>
+              <a:rPr lang="en-US" altLang="zh-CN" dirty="0" smtClean="0"/>
+              <a:t>8</a:t>
+            </a:r>
+            <a:endParaRPr lang="en-US" dirty="0"/>
+          </a:p>
+        </p:txBody>
+      </p:sp>
+      <p:sp>
+        <p:nvSpPr>
+          <p:cNvPr id="39" name="Rectangle 38"/>
+          <p:cNvSpPr/>
+          <p:nvPr/>
+        </p:nvSpPr>
+        <p:spPr>
+          <a:xfrm>
+            <a:off x="669783" y="796331"/>
+            <a:ext cx="1341455" cy="616240"/>
+          </a:xfrm>
+          <a:prstGeom prst="rect">
+            <a:avLst/>
+          </a:prstGeom>
+          <a:ln w="19050">
+            <a:solidFill>
+              <a:schemeClr val="tx1"/>
+            </a:solidFill>
+          </a:ln>
+        </p:spPr>
+        <p:style>
+          <a:lnRef idx="1">
+            <a:schemeClr val="accent6"/>
+          </a:lnRef>
+          <a:fillRef idx="2">
+            <a:schemeClr val="accent6"/>
+          </a:fillRef>
+          <a:effectRef idx="1">
+            <a:schemeClr val="accent6"/>
+          </a:effectRef>
+          <a:fontRef idx="minor">
+            <a:schemeClr val="dk1"/>
+          </a:fontRef>
+        </p:style>
+        <p:txBody>
+          <a:bodyPr rtlCol="0" anchor="ctr"/>
+          <a:lstStyle/>
+          <a:p>
+            <a:pPr algn="ctr"/>
+            <a:r>
+              <a:rPr lang="en-US" altLang="zh-CN" sz="1600" dirty="0" smtClean="0"/>
+              <a:t>Access Address</a:t>
+            </a:r>
+            <a:endParaRPr lang="nb-NO" sz="1600" dirty="0"/>
+          </a:p>
+        </p:txBody>
+      </p:sp>
+      <p:sp>
+        <p:nvSpPr>
+          <p:cNvPr id="40" name="Rectangle 39"/>
+          <p:cNvSpPr/>
+          <p:nvPr/>
+        </p:nvSpPr>
+        <p:spPr>
+          <a:xfrm>
+            <a:off x="827905" y="4471183"/>
+            <a:ext cx="1341455" cy="616240"/>
+          </a:xfrm>
+          <a:prstGeom prst="rect">
+            <a:avLst/>
+          </a:prstGeom>
+          <a:ln w="19050">
+            <a:solidFill>
+              <a:schemeClr val="tx1"/>
+            </a:solidFill>
+          </a:ln>
+        </p:spPr>
+        <p:style>
+          <a:lnRef idx="1">
+            <a:schemeClr val="accent6"/>
+          </a:lnRef>
+          <a:fillRef idx="2">
+            <a:schemeClr val="accent6"/>
+          </a:fillRef>
+          <a:effectRef idx="1">
+            <a:schemeClr val="accent6"/>
+          </a:effectRef>
+          <a:fontRef idx="minor">
+            <a:schemeClr val="dk1"/>
+          </a:fontRef>
+        </p:style>
+        <p:txBody>
+          <a:bodyPr rtlCol="0" anchor="ctr"/>
+          <a:lstStyle/>
+          <a:p>
+            <a:pPr algn="ctr"/>
+            <a:r>
+              <a:rPr lang="en-US" altLang="zh-CN" sz="1600" dirty="0" smtClean="0"/>
+              <a:t>Header</a:t>
+            </a:r>
+            <a:endParaRPr lang="nb-NO" sz="1600" dirty="0"/>
+          </a:p>
+        </p:txBody>
+      </p:sp>
+      <p:sp>
+        <p:nvSpPr>
+          <p:cNvPr id="41" name="TextBox 40"/>
+          <p:cNvSpPr txBox="1"/>
+          <p:nvPr/>
+        </p:nvSpPr>
+        <p:spPr>
+          <a:xfrm>
+            <a:off x="2011238" y="2359315"/>
+            <a:ext cx="441775" cy="369332"/>
+          </a:xfrm>
+          <a:prstGeom prst="rect">
+            <a:avLst/>
+          </a:prstGeom>
+          <a:noFill/>
+        </p:spPr>
+        <p:txBody>
+          <a:bodyPr wrap="square" rtlCol="0">
+            <a:spAutoFit/>
+          </a:bodyPr>
+          <a:lstStyle>
+            <a:defPPr>
+              <a:defRPr lang="en-US"/>
+            </a:defPPr>
+            <a:lvl1pPr>
+              <a:defRPr>
+                <a:latin typeface="宋体" panose="02010600030101010101" pitchFamily="2" charset="-122"/>
+                <a:ea typeface="宋体" panose="02010600030101010101" pitchFamily="2" charset="-122"/>
+              </a:defRPr>
+            </a:lvl1pPr>
+          </a:lstStyle>
+          <a:p>
+            <a:r>
+              <a:rPr lang="en-US" altLang="zh-CN" dirty="0" smtClean="0"/>
+              <a:t>32</a:t>
+            </a:r>
+            <a:endParaRPr lang="en-US" dirty="0"/>
+          </a:p>
+        </p:txBody>
+      </p:sp>
+      <p:sp>
+        <p:nvSpPr>
+          <p:cNvPr id="42" name="TextBox 41"/>
+          <p:cNvSpPr txBox="1"/>
+          <p:nvPr/>
+        </p:nvSpPr>
+        <p:spPr>
+          <a:xfrm>
+            <a:off x="1308249" y="1510972"/>
+            <a:ext cx="309940" cy="369332"/>
+          </a:xfrm>
+          <a:prstGeom prst="rect">
+            <a:avLst/>
+          </a:prstGeom>
+          <a:noFill/>
+        </p:spPr>
+        <p:txBody>
+          <a:bodyPr wrap="square" rtlCol="0">
+            <a:spAutoFit/>
+          </a:bodyPr>
+          <a:lstStyle>
+            <a:defPPr>
+              <a:defRPr lang="en-US"/>
+            </a:defPPr>
+            <a:lvl1pPr>
+              <a:defRPr>
+                <a:latin typeface="宋体" panose="02010600030101010101" pitchFamily="2" charset="-122"/>
+                <a:ea typeface="宋体" panose="02010600030101010101" pitchFamily="2" charset="-122"/>
+              </a:defRPr>
+            </a:lvl1pPr>
+          </a:lstStyle>
+          <a:p>
+            <a:r>
+              <a:rPr lang="en-US" altLang="zh-CN" dirty="0" smtClean="0"/>
+              <a:t>8</a:t>
+            </a:r>
+            <a:endParaRPr lang="en-US" dirty="0"/>
+          </a:p>
+        </p:txBody>
+      </p:sp>
+      <p:sp>
+        <p:nvSpPr>
+          <p:cNvPr id="45" name="TextBox 44"/>
+          <p:cNvSpPr txBox="1"/>
+          <p:nvPr/>
+        </p:nvSpPr>
+        <p:spPr>
+          <a:xfrm>
+            <a:off x="864999" y="3903445"/>
+            <a:ext cx="309940" cy="369332"/>
+          </a:xfrm>
+          <a:prstGeom prst="rect">
+            <a:avLst/>
+          </a:prstGeom>
+          <a:noFill/>
+        </p:spPr>
+        <p:txBody>
+          <a:bodyPr wrap="square" rtlCol="0">
+            <a:spAutoFit/>
+          </a:bodyPr>
+          <a:lstStyle>
+            <a:defPPr>
+              <a:defRPr lang="en-US"/>
+            </a:defPPr>
+            <a:lvl1pPr>
+              <a:defRPr>
+                <a:latin typeface="宋体" panose="02010600030101010101" pitchFamily="2" charset="-122"/>
+                <a:ea typeface="宋体" panose="02010600030101010101" pitchFamily="2" charset="-122"/>
+              </a:defRPr>
+            </a:lvl1pPr>
+          </a:lstStyle>
+          <a:p>
+            <a:r>
+              <a:rPr lang="en-US" altLang="zh-CN" dirty="0" smtClean="0"/>
+              <a:t>8</a:t>
+            </a:r>
+            <a:endParaRPr lang="en-US" dirty="0"/>
+          </a:p>
+        </p:txBody>
+      </p:sp>
+      <p:sp>
+        <p:nvSpPr>
+          <p:cNvPr id="47" name="TextBox 46"/>
+          <p:cNvSpPr txBox="1"/>
+          <p:nvPr/>
+        </p:nvSpPr>
+        <p:spPr>
+          <a:xfrm>
+            <a:off x="4767729" y="2241103"/>
+            <a:ext cx="1294387" cy="369332"/>
+          </a:xfrm>
+          <a:prstGeom prst="rect">
+            <a:avLst/>
+          </a:prstGeom>
+          <a:noFill/>
+        </p:spPr>
+        <p:txBody>
+          <a:bodyPr wrap="square" rtlCol="0">
+            <a:spAutoFit/>
+          </a:bodyPr>
+          <a:lstStyle>
+            <a:defPPr>
+              <a:defRPr lang="en-US"/>
+            </a:defPPr>
+            <a:lvl1pPr>
+              <a:defRPr>
+                <a:latin typeface="宋体" panose="02010600030101010101" pitchFamily="2" charset="-122"/>
+                <a:ea typeface="宋体" panose="02010600030101010101" pitchFamily="2" charset="-122"/>
+              </a:defRPr>
+            </a:lvl1pPr>
+          </a:lstStyle>
+          <a:p>
+            <a:r>
+              <a:rPr lang="en-US" altLang="zh-CN" b="1" dirty="0" smtClean="0"/>
+              <a:t>reference</a:t>
+            </a:r>
+            <a:endParaRPr lang="en-US" b="1" dirty="0"/>
+          </a:p>
+        </p:txBody>
+      </p:sp>
+      <p:sp>
+        <p:nvSpPr>
+          <p:cNvPr id="51" name="TextBox 50"/>
+          <p:cNvSpPr txBox="1"/>
+          <p:nvPr/>
+        </p:nvSpPr>
+        <p:spPr>
+          <a:xfrm>
+            <a:off x="864999" y="2052114"/>
+            <a:ext cx="678539" cy="369332"/>
+          </a:xfrm>
+          <a:prstGeom prst="rect">
+            <a:avLst/>
+          </a:prstGeom>
+          <a:noFill/>
+        </p:spPr>
+        <p:txBody>
+          <a:bodyPr wrap="square" rtlCol="0">
+            <a:spAutoFit/>
+          </a:bodyPr>
+          <a:lstStyle>
+            <a:defPPr>
+              <a:defRPr lang="en-US"/>
+            </a:defPPr>
+            <a:lvl1pPr>
+              <a:defRPr>
+                <a:latin typeface="宋体" panose="02010600030101010101" pitchFamily="2" charset="-122"/>
+                <a:ea typeface="宋体" panose="02010600030101010101" pitchFamily="2" charset="-122"/>
+              </a:defRPr>
+            </a:lvl1pPr>
+          </a:lstStyle>
+          <a:p>
+            <a:r>
+              <a:rPr lang="en-US" dirty="0" smtClean="0"/>
+              <a:t>bits</a:t>
+            </a:r>
+            <a:endParaRPr lang="en-US" dirty="0"/>
+          </a:p>
+        </p:txBody>
+      </p:sp>
+      <p:sp>
+        <p:nvSpPr>
+          <p:cNvPr id="20" name="TextBox 19"/>
+          <p:cNvSpPr txBox="1"/>
+          <p:nvPr/>
+        </p:nvSpPr>
+        <p:spPr>
+          <a:xfrm>
+            <a:off x="219944" y="3348652"/>
+            <a:ext cx="599565" cy="369332"/>
+          </a:xfrm>
+          <a:prstGeom prst="rect">
+            <a:avLst/>
+          </a:prstGeom>
+          <a:noFill/>
+        </p:spPr>
+        <p:txBody>
+          <a:bodyPr wrap="square" rtlCol="0">
+            <a:spAutoFit/>
+          </a:bodyPr>
+          <a:lstStyle>
+            <a:defPPr>
+              <a:defRPr lang="en-US"/>
+            </a:defPPr>
+            <a:lvl1pPr>
+              <a:defRPr>
+                <a:latin typeface="宋体" panose="02010600030101010101" pitchFamily="2" charset="-122"/>
+                <a:ea typeface="宋体" panose="02010600030101010101" pitchFamily="2" charset="-122"/>
+              </a:defRPr>
+            </a:lvl1pPr>
+          </a:lstStyle>
+          <a:p>
+            <a:r>
+              <a:rPr lang="en-US" altLang="zh-CN" dirty="0" smtClean="0"/>
+              <a:t>LSB</a:t>
+            </a:r>
+            <a:endParaRPr lang="en-US" dirty="0"/>
+          </a:p>
+        </p:txBody>
+      </p:sp>
+      <p:sp>
+        <p:nvSpPr>
+          <p:cNvPr id="23" name="Rectangle 22"/>
+          <p:cNvSpPr/>
+          <p:nvPr/>
+        </p:nvSpPr>
+        <p:spPr>
+          <a:xfrm>
+            <a:off x="4028305" y="2858836"/>
+            <a:ext cx="1596118" cy="963459"/>
+          </a:xfrm>
+          <a:prstGeom prst="rect">
+            <a:avLst/>
+          </a:prstGeom>
+          <a:ln w="19050">
+            <a:solidFill>
+              <a:schemeClr val="tx1"/>
+            </a:solidFill>
+          </a:ln>
+        </p:spPr>
+        <p:style>
+          <a:lnRef idx="1">
+            <a:schemeClr val="accent6"/>
+          </a:lnRef>
+          <a:fillRef idx="2">
+            <a:schemeClr val="accent6"/>
+          </a:fillRef>
+          <a:effectRef idx="1">
+            <a:schemeClr val="accent6"/>
+          </a:effectRef>
+          <a:fontRef idx="minor">
+            <a:schemeClr val="dk1"/>
+          </a:fontRef>
+        </p:style>
+        <p:txBody>
+          <a:bodyPr rtlCol="0" anchor="ctr"/>
+          <a:lstStyle/>
+          <a:p>
+            <a:pPr algn="ctr"/>
+            <a:r>
+              <a:rPr lang="en-US" altLang="zh-CN" sz="1600" dirty="0" smtClean="0"/>
+              <a:t>Secondary</a:t>
+            </a:r>
+          </a:p>
+          <a:p>
+            <a:pPr algn="ctr"/>
+            <a:endParaRPr lang="en-US" altLang="zh-CN" sz="1600" dirty="0" smtClean="0"/>
+          </a:p>
+          <a:p>
+            <a:pPr algn="ctr"/>
+            <a:r>
+              <a:rPr lang="en-US" sz="1600" dirty="0" smtClean="0"/>
+              <a:t>Temperature</a:t>
+            </a:r>
+          </a:p>
+          <a:p>
+            <a:pPr algn="ctr"/>
+            <a:r>
+              <a:rPr lang="en-US" sz="1600" dirty="0" smtClean="0"/>
+              <a:t> Service</a:t>
+            </a:r>
+            <a:endParaRPr lang="nb-NO" sz="1600" dirty="0"/>
+          </a:p>
+        </p:txBody>
+      </p:sp>
+      <p:cxnSp>
+        <p:nvCxnSpPr>
+          <p:cNvPr id="6" name="Straight Arrow Connector 5"/>
+          <p:cNvCxnSpPr>
+            <a:stCxn id="52" idx="2"/>
+            <a:endCxn id="23" idx="0"/>
+          </p:cNvCxnSpPr>
+          <p:nvPr/>
+        </p:nvCxnSpPr>
+        <p:spPr>
+          <a:xfrm>
+            <a:off x="4826364" y="1992702"/>
+            <a:ext cx="0" cy="866134"/>
+          </a:xfrm>
+          <a:prstGeom prst="straightConnector1">
+            <a:avLst/>
+          </a:prstGeom>
+          <a:ln w="19050">
+            <a:solidFill>
+              <a:schemeClr val="tx1"/>
+            </a:solidFill>
+            <a:tailEnd type="arrow"/>
+          </a:ln>
+        </p:spPr>
+        <p:style>
+          <a:lnRef idx="1">
+            <a:schemeClr val="accent1"/>
+          </a:lnRef>
+          <a:fillRef idx="0">
+            <a:schemeClr val="accent1"/>
+          </a:fillRef>
+          <a:effectRef idx="0">
+            <a:schemeClr val="accent1"/>
+          </a:effectRef>
+          <a:fontRef idx="minor">
+            <a:schemeClr val="tx1"/>
+          </a:fontRef>
+        </p:style>
+      </p:cxnSp>
+      <p:sp>
+        <p:nvSpPr>
+          <p:cNvPr id="26" name="Rectangle 25"/>
+          <p:cNvSpPr/>
+          <p:nvPr/>
+        </p:nvSpPr>
+        <p:spPr>
+          <a:xfrm>
+            <a:off x="6052637" y="1029243"/>
+            <a:ext cx="1596118" cy="963459"/>
+          </a:xfrm>
+          <a:prstGeom prst="rect">
+            <a:avLst/>
+          </a:prstGeom>
+          <a:ln w="19050">
+            <a:solidFill>
+              <a:schemeClr val="tx1"/>
+            </a:solidFill>
+          </a:ln>
+        </p:spPr>
+        <p:style>
+          <a:lnRef idx="1">
+            <a:schemeClr val="accent6"/>
+          </a:lnRef>
+          <a:fillRef idx="2">
+            <a:schemeClr val="accent6"/>
+          </a:fillRef>
+          <a:effectRef idx="1">
+            <a:schemeClr val="accent6"/>
+          </a:effectRef>
+          <a:fontRef idx="minor">
+            <a:schemeClr val="dk1"/>
+          </a:fontRef>
+        </p:style>
+        <p:txBody>
+          <a:bodyPr rtlCol="0" anchor="ctr"/>
+          <a:lstStyle/>
+          <a:p>
+            <a:pPr algn="ctr"/>
+            <a:r>
+              <a:rPr lang="en-US" altLang="zh-CN" sz="1600" dirty="0" smtClean="0"/>
+              <a:t>Primary</a:t>
+            </a:r>
+          </a:p>
+          <a:p>
+            <a:pPr algn="ctr"/>
+            <a:endParaRPr lang="en-US" altLang="zh-CN" sz="1600" dirty="0" smtClean="0"/>
+          </a:p>
+          <a:p>
+            <a:pPr algn="ctr"/>
+            <a:r>
+              <a:rPr lang="en-US" sz="1600" dirty="0" smtClean="0"/>
+              <a:t>Temperature</a:t>
+            </a:r>
+          </a:p>
+          <a:p>
+            <a:pPr algn="ctr"/>
+            <a:r>
+              <a:rPr lang="en-US" sz="1600" dirty="0" smtClean="0"/>
+              <a:t> Service</a:t>
+            </a:r>
+            <a:endParaRPr lang="nb-NO" sz="1600" dirty="0"/>
+          </a:p>
+        </p:txBody>
+      </p:sp>
     </p:spTree>
     <p:extLst>
       <p:ext uri="{BB962C8B-B14F-4D97-AF65-F5344CB8AC3E}">
@@ -38355,6 +38345,744 @@
           <a:chExt cx="0" cy="0"/>
         </a:xfrm>
       </p:grpSpPr>
+      <p:pic>
+        <p:nvPicPr>
+          <p:cNvPr id="1027" name="Picture 3"/>
+          <p:cNvPicPr>
+            <a:picLocks noChangeAspect="1" noChangeArrowheads="1"/>
+          </p:cNvPicPr>
+          <p:nvPr/>
+        </p:nvPicPr>
+        <p:blipFill>
+          <a:blip r:embed="rId3" cstate="print"/>
+          <a:srcRect/>
+          <a:stretch>
+            <a:fillRect/>
+          </a:stretch>
+        </p:blipFill>
+        <p:spPr bwMode="auto">
+          <a:xfrm>
+            <a:off x="4010025" y="104034"/>
+            <a:ext cx="699799" cy="1344613"/>
+          </a:xfrm>
+          <a:prstGeom prst="rect">
+            <a:avLst/>
+          </a:prstGeom>
+          <a:noFill/>
+          <a:ln w="9525">
+            <a:noFill/>
+            <a:miter lim="800000"/>
+            <a:headEnd/>
+            <a:tailEnd/>
+          </a:ln>
+        </p:spPr>
+      </p:pic>
+      <p:pic>
+        <p:nvPicPr>
+          <p:cNvPr id="1028" name="Picture 4"/>
+          <p:cNvPicPr>
+            <a:picLocks noChangeAspect="1" noChangeArrowheads="1"/>
+          </p:cNvPicPr>
+          <p:nvPr/>
+        </p:nvPicPr>
+        <p:blipFill>
+          <a:blip r:embed="rId4" cstate="print"/>
+          <a:srcRect/>
+          <a:stretch>
+            <a:fillRect/>
+          </a:stretch>
+        </p:blipFill>
+        <p:spPr bwMode="auto">
+          <a:xfrm>
+            <a:off x="1785938" y="282583"/>
+            <a:ext cx="477837" cy="1096214"/>
+          </a:xfrm>
+          <a:prstGeom prst="rect">
+            <a:avLst/>
+          </a:prstGeom>
+          <a:noFill/>
+          <a:ln w="9525">
+            <a:noFill/>
+            <a:miter lim="800000"/>
+            <a:headEnd/>
+            <a:tailEnd/>
+          </a:ln>
+        </p:spPr>
+      </p:pic>
+      <p:sp>
+        <p:nvSpPr>
+          <p:cNvPr id="9" name="Rectangle 8"/>
+          <p:cNvSpPr/>
+          <p:nvPr/>
+        </p:nvSpPr>
+        <p:spPr>
+          <a:xfrm>
+            <a:off x="1213863" y="1676264"/>
+            <a:ext cx="1621985" cy="428619"/>
+          </a:xfrm>
+          <a:prstGeom prst="rect">
+            <a:avLst/>
+          </a:prstGeom>
+          <a:solidFill>
+            <a:schemeClr val="accent3">
+              <a:lumMod val="20000"/>
+              <a:lumOff val="80000"/>
+            </a:schemeClr>
+          </a:solidFill>
+          <a:ln w="19050">
+            <a:solidFill>
+              <a:schemeClr val="tx1"/>
+            </a:solidFill>
+          </a:ln>
+        </p:spPr>
+        <p:style>
+          <a:lnRef idx="1">
+            <a:schemeClr val="accent6"/>
+          </a:lnRef>
+          <a:fillRef idx="2">
+            <a:schemeClr val="accent6"/>
+          </a:fillRef>
+          <a:effectRef idx="1">
+            <a:schemeClr val="accent6"/>
+          </a:effectRef>
+          <a:fontRef idx="minor">
+            <a:schemeClr val="dk1"/>
+          </a:fontRef>
+        </p:style>
+        <p:txBody>
+          <a:bodyPr rtlCol="0" anchor="ctr"/>
+          <a:lstStyle/>
+          <a:p>
+            <a:pPr algn="ctr"/>
+            <a:r>
+              <a:rPr lang="en-US" altLang="zh-CN" sz="1600" dirty="0" smtClean="0"/>
+              <a:t>Standby</a:t>
+            </a:r>
+            <a:endParaRPr lang="nb-NO" sz="1600" dirty="0"/>
+          </a:p>
+        </p:txBody>
+      </p:sp>
+      <p:sp>
+        <p:nvSpPr>
+          <p:cNvPr id="10" name="Rectangle 9"/>
+          <p:cNvSpPr/>
+          <p:nvPr/>
+        </p:nvSpPr>
+        <p:spPr>
+          <a:xfrm>
+            <a:off x="3548931" y="1676263"/>
+            <a:ext cx="1621985" cy="428619"/>
+          </a:xfrm>
+          <a:prstGeom prst="rect">
+            <a:avLst/>
+          </a:prstGeom>
+          <a:solidFill>
+            <a:schemeClr val="accent3">
+              <a:lumMod val="20000"/>
+              <a:lumOff val="80000"/>
+            </a:schemeClr>
+          </a:solidFill>
+          <a:ln w="19050">
+            <a:solidFill>
+              <a:schemeClr val="tx1"/>
+            </a:solidFill>
+          </a:ln>
+        </p:spPr>
+        <p:style>
+          <a:lnRef idx="1">
+            <a:schemeClr val="accent6"/>
+          </a:lnRef>
+          <a:fillRef idx="2">
+            <a:schemeClr val="accent6"/>
+          </a:fillRef>
+          <a:effectRef idx="1">
+            <a:schemeClr val="accent6"/>
+          </a:effectRef>
+          <a:fontRef idx="minor">
+            <a:schemeClr val="dk1"/>
+          </a:fontRef>
+        </p:style>
+        <p:txBody>
+          <a:bodyPr rtlCol="0" anchor="ctr"/>
+          <a:lstStyle/>
+          <a:p>
+            <a:pPr algn="ctr"/>
+            <a:r>
+              <a:rPr lang="en-US" altLang="zh-CN" sz="1600" dirty="0" smtClean="0"/>
+              <a:t>Standby</a:t>
+            </a:r>
+            <a:endParaRPr lang="nb-NO" sz="1600" dirty="0"/>
+          </a:p>
+        </p:txBody>
+      </p:sp>
+      <p:cxnSp>
+        <p:nvCxnSpPr>
+          <p:cNvPr id="4" name="Straight Arrow Connector 3"/>
+          <p:cNvCxnSpPr/>
+          <p:nvPr/>
+        </p:nvCxnSpPr>
+        <p:spPr>
+          <a:xfrm flipH="1">
+            <a:off x="2024855" y="2104883"/>
+            <a:ext cx="1" cy="370936"/>
+          </a:xfrm>
+          <a:prstGeom prst="straightConnector1">
+            <a:avLst/>
+          </a:prstGeom>
+          <a:ln w="38100">
+            <a:solidFill>
+              <a:schemeClr val="tx1"/>
+            </a:solidFill>
+            <a:tailEnd type="arrow"/>
+          </a:ln>
+        </p:spPr>
+        <p:style>
+          <a:lnRef idx="1">
+            <a:schemeClr val="accent1"/>
+          </a:lnRef>
+          <a:fillRef idx="0">
+            <a:schemeClr val="accent1"/>
+          </a:fillRef>
+          <a:effectRef idx="0">
+            <a:schemeClr val="accent1"/>
+          </a:effectRef>
+          <a:fontRef idx="minor">
+            <a:schemeClr val="tx1"/>
+          </a:fontRef>
+        </p:style>
+      </p:cxnSp>
+      <p:sp>
+        <p:nvSpPr>
+          <p:cNvPr id="13" name="Rectangle 12"/>
+          <p:cNvSpPr/>
+          <p:nvPr/>
+        </p:nvSpPr>
+        <p:spPr>
+          <a:xfrm>
+            <a:off x="1213863" y="2475819"/>
+            <a:ext cx="1621985" cy="428619"/>
+          </a:xfrm>
+          <a:prstGeom prst="rect">
+            <a:avLst/>
+          </a:prstGeom>
+          <a:solidFill>
+            <a:schemeClr val="accent3">
+              <a:lumMod val="20000"/>
+              <a:lumOff val="80000"/>
+            </a:schemeClr>
+          </a:solidFill>
+          <a:ln w="19050">
+            <a:solidFill>
+              <a:schemeClr val="tx1"/>
+            </a:solidFill>
+          </a:ln>
+        </p:spPr>
+        <p:style>
+          <a:lnRef idx="1">
+            <a:schemeClr val="accent6"/>
+          </a:lnRef>
+          <a:fillRef idx="2">
+            <a:schemeClr val="accent6"/>
+          </a:fillRef>
+          <a:effectRef idx="1">
+            <a:schemeClr val="accent6"/>
+          </a:effectRef>
+          <a:fontRef idx="minor">
+            <a:schemeClr val="dk1"/>
+          </a:fontRef>
+        </p:style>
+        <p:txBody>
+          <a:bodyPr rtlCol="0" anchor="ctr"/>
+          <a:lstStyle/>
+          <a:p>
+            <a:pPr algn="ctr"/>
+            <a:r>
+              <a:rPr lang="en-US" altLang="zh-CN" sz="1600" dirty="0" smtClean="0"/>
+              <a:t>Advertising</a:t>
+            </a:r>
+            <a:endParaRPr lang="nb-NO" sz="1600" dirty="0"/>
+          </a:p>
+        </p:txBody>
+      </p:sp>
+      <p:sp>
+        <p:nvSpPr>
+          <p:cNvPr id="14" name="Rectangle 13"/>
+          <p:cNvSpPr/>
+          <p:nvPr/>
+        </p:nvSpPr>
+        <p:spPr>
+          <a:xfrm>
+            <a:off x="3548931" y="2475819"/>
+            <a:ext cx="1621985" cy="428619"/>
+          </a:xfrm>
+          <a:prstGeom prst="rect">
+            <a:avLst/>
+          </a:prstGeom>
+          <a:solidFill>
+            <a:schemeClr val="accent3">
+              <a:lumMod val="20000"/>
+              <a:lumOff val="80000"/>
+            </a:schemeClr>
+          </a:solidFill>
+          <a:ln w="19050">
+            <a:solidFill>
+              <a:schemeClr val="tx1"/>
+            </a:solidFill>
+          </a:ln>
+        </p:spPr>
+        <p:style>
+          <a:lnRef idx="1">
+            <a:schemeClr val="accent6"/>
+          </a:lnRef>
+          <a:fillRef idx="2">
+            <a:schemeClr val="accent6"/>
+          </a:fillRef>
+          <a:effectRef idx="1">
+            <a:schemeClr val="accent6"/>
+          </a:effectRef>
+          <a:fontRef idx="minor">
+            <a:schemeClr val="dk1"/>
+          </a:fontRef>
+        </p:style>
+        <p:txBody>
+          <a:bodyPr rtlCol="0" anchor="ctr"/>
+          <a:lstStyle/>
+          <a:p>
+            <a:pPr algn="ctr"/>
+            <a:r>
+              <a:rPr lang="en-US" altLang="zh-CN" sz="1600" dirty="0" smtClean="0"/>
+              <a:t>Scanning</a:t>
+            </a:r>
+            <a:endParaRPr lang="nb-NO" sz="1600" dirty="0"/>
+          </a:p>
+        </p:txBody>
+      </p:sp>
+      <p:sp>
+        <p:nvSpPr>
+          <p:cNvPr id="16" name="Rectangle 15"/>
+          <p:cNvSpPr/>
+          <p:nvPr/>
+        </p:nvSpPr>
+        <p:spPr>
+          <a:xfrm>
+            <a:off x="3548932" y="3275374"/>
+            <a:ext cx="1621985" cy="428619"/>
+          </a:xfrm>
+          <a:prstGeom prst="rect">
+            <a:avLst/>
+          </a:prstGeom>
+          <a:solidFill>
+            <a:schemeClr val="accent3">
+              <a:lumMod val="20000"/>
+              <a:lumOff val="80000"/>
+            </a:schemeClr>
+          </a:solidFill>
+          <a:ln w="19050">
+            <a:solidFill>
+              <a:schemeClr val="tx1"/>
+            </a:solidFill>
+          </a:ln>
+        </p:spPr>
+        <p:style>
+          <a:lnRef idx="1">
+            <a:schemeClr val="accent6"/>
+          </a:lnRef>
+          <a:fillRef idx="2">
+            <a:schemeClr val="accent6"/>
+          </a:fillRef>
+          <a:effectRef idx="1">
+            <a:schemeClr val="accent6"/>
+          </a:effectRef>
+          <a:fontRef idx="minor">
+            <a:schemeClr val="dk1"/>
+          </a:fontRef>
+        </p:style>
+        <p:txBody>
+          <a:bodyPr rtlCol="0" anchor="ctr"/>
+          <a:lstStyle/>
+          <a:p>
+            <a:pPr algn="ctr"/>
+            <a:r>
+              <a:rPr lang="en-US" altLang="zh-CN" sz="1600" dirty="0" smtClean="0"/>
+              <a:t>Standby</a:t>
+            </a:r>
+            <a:endParaRPr lang="nb-NO" sz="1600" dirty="0"/>
+          </a:p>
+        </p:txBody>
+      </p:sp>
+      <p:cxnSp>
+        <p:nvCxnSpPr>
+          <p:cNvPr id="19" name="Straight Arrow Connector 18"/>
+          <p:cNvCxnSpPr/>
+          <p:nvPr/>
+        </p:nvCxnSpPr>
+        <p:spPr>
+          <a:xfrm flipH="1">
+            <a:off x="4359922" y="2104882"/>
+            <a:ext cx="1" cy="370936"/>
+          </a:xfrm>
+          <a:prstGeom prst="straightConnector1">
+            <a:avLst/>
+          </a:prstGeom>
+          <a:ln w="38100">
+            <a:solidFill>
+              <a:schemeClr val="tx1"/>
+            </a:solidFill>
+            <a:tailEnd type="arrow"/>
+          </a:ln>
+        </p:spPr>
+        <p:style>
+          <a:lnRef idx="1">
+            <a:schemeClr val="accent1"/>
+          </a:lnRef>
+          <a:fillRef idx="0">
+            <a:schemeClr val="accent1"/>
+          </a:fillRef>
+          <a:effectRef idx="0">
+            <a:schemeClr val="accent1"/>
+          </a:effectRef>
+          <a:fontRef idx="minor">
+            <a:schemeClr val="tx1"/>
+          </a:fontRef>
+        </p:style>
+      </p:cxnSp>
+      <p:cxnSp>
+        <p:nvCxnSpPr>
+          <p:cNvPr id="20" name="Straight Arrow Connector 19"/>
+          <p:cNvCxnSpPr/>
+          <p:nvPr/>
+        </p:nvCxnSpPr>
+        <p:spPr>
+          <a:xfrm flipH="1">
+            <a:off x="4359924" y="2904438"/>
+            <a:ext cx="1" cy="370936"/>
+          </a:xfrm>
+          <a:prstGeom prst="straightConnector1">
+            <a:avLst/>
+          </a:prstGeom>
+          <a:ln w="38100">
+            <a:solidFill>
+              <a:schemeClr val="tx1"/>
+            </a:solidFill>
+            <a:tailEnd type="arrow"/>
+          </a:ln>
+        </p:spPr>
+        <p:style>
+          <a:lnRef idx="1">
+            <a:schemeClr val="accent1"/>
+          </a:lnRef>
+          <a:fillRef idx="0">
+            <a:schemeClr val="accent1"/>
+          </a:fillRef>
+          <a:effectRef idx="0">
+            <a:schemeClr val="accent1"/>
+          </a:effectRef>
+          <a:fontRef idx="minor">
+            <a:schemeClr val="tx1"/>
+          </a:fontRef>
+        </p:style>
+      </p:cxnSp>
+      <p:cxnSp>
+        <p:nvCxnSpPr>
+          <p:cNvPr id="21" name="Straight Arrow Connector 20"/>
+          <p:cNvCxnSpPr/>
+          <p:nvPr/>
+        </p:nvCxnSpPr>
+        <p:spPr>
+          <a:xfrm flipH="1">
+            <a:off x="4359921" y="3703993"/>
+            <a:ext cx="1" cy="370936"/>
+          </a:xfrm>
+          <a:prstGeom prst="straightConnector1">
+            <a:avLst/>
+          </a:prstGeom>
+          <a:ln w="38100">
+            <a:solidFill>
+              <a:schemeClr val="tx1"/>
+            </a:solidFill>
+            <a:tailEnd type="arrow"/>
+          </a:ln>
+        </p:spPr>
+        <p:style>
+          <a:lnRef idx="1">
+            <a:schemeClr val="accent1"/>
+          </a:lnRef>
+          <a:fillRef idx="0">
+            <a:schemeClr val="accent1"/>
+          </a:fillRef>
+          <a:effectRef idx="0">
+            <a:schemeClr val="accent1"/>
+          </a:effectRef>
+          <a:fontRef idx="minor">
+            <a:schemeClr val="tx1"/>
+          </a:fontRef>
+        </p:style>
+      </p:cxnSp>
+      <p:sp>
+        <p:nvSpPr>
+          <p:cNvPr id="22" name="Rectangle 21"/>
+          <p:cNvSpPr/>
+          <p:nvPr/>
+        </p:nvSpPr>
+        <p:spPr>
+          <a:xfrm>
+            <a:off x="3548928" y="4074929"/>
+            <a:ext cx="1621985" cy="428619"/>
+          </a:xfrm>
+          <a:prstGeom prst="rect">
+            <a:avLst/>
+          </a:prstGeom>
+          <a:solidFill>
+            <a:schemeClr val="accent3">
+              <a:lumMod val="20000"/>
+              <a:lumOff val="80000"/>
+            </a:schemeClr>
+          </a:solidFill>
+          <a:ln w="19050">
+            <a:solidFill>
+              <a:schemeClr val="tx1"/>
+            </a:solidFill>
+          </a:ln>
+        </p:spPr>
+        <p:style>
+          <a:lnRef idx="1">
+            <a:schemeClr val="accent6"/>
+          </a:lnRef>
+          <a:fillRef idx="2">
+            <a:schemeClr val="accent6"/>
+          </a:fillRef>
+          <a:effectRef idx="1">
+            <a:schemeClr val="accent6"/>
+          </a:effectRef>
+          <a:fontRef idx="minor">
+            <a:schemeClr val="dk1"/>
+          </a:fontRef>
+        </p:style>
+        <p:txBody>
+          <a:bodyPr rtlCol="0" anchor="ctr"/>
+          <a:lstStyle/>
+          <a:p>
+            <a:pPr algn="ctr"/>
+            <a:r>
+              <a:rPr lang="en-US" altLang="zh-CN" sz="1600" dirty="0" smtClean="0"/>
+              <a:t>Initiating</a:t>
+            </a:r>
+            <a:endParaRPr lang="nb-NO" sz="1600" dirty="0"/>
+          </a:p>
+        </p:txBody>
+      </p:sp>
+      <p:sp>
+        <p:nvSpPr>
+          <p:cNvPr id="23" name="Rectangle 22"/>
+          <p:cNvSpPr/>
+          <p:nvPr/>
+        </p:nvSpPr>
+        <p:spPr>
+          <a:xfrm>
+            <a:off x="3541005" y="4883632"/>
+            <a:ext cx="1621985" cy="428619"/>
+          </a:xfrm>
+          <a:prstGeom prst="rect">
+            <a:avLst/>
+          </a:prstGeom>
+          <a:solidFill>
+            <a:schemeClr val="accent3">
+              <a:lumMod val="20000"/>
+              <a:lumOff val="80000"/>
+            </a:schemeClr>
+          </a:solidFill>
+          <a:ln w="19050">
+            <a:solidFill>
+              <a:schemeClr val="tx1"/>
+            </a:solidFill>
+          </a:ln>
+        </p:spPr>
+        <p:style>
+          <a:lnRef idx="1">
+            <a:schemeClr val="accent6"/>
+          </a:lnRef>
+          <a:fillRef idx="2">
+            <a:schemeClr val="accent6"/>
+          </a:fillRef>
+          <a:effectRef idx="1">
+            <a:schemeClr val="accent6"/>
+          </a:effectRef>
+          <a:fontRef idx="minor">
+            <a:schemeClr val="dk1"/>
+          </a:fontRef>
+        </p:style>
+        <p:txBody>
+          <a:bodyPr rtlCol="0" anchor="ctr"/>
+          <a:lstStyle/>
+          <a:p>
+            <a:pPr algn="ctr"/>
+            <a:r>
+              <a:rPr lang="en-US" altLang="zh-CN" sz="1600" dirty="0" smtClean="0"/>
+              <a:t>Connection</a:t>
+            </a:r>
+            <a:endParaRPr lang="nb-NO" sz="1600" dirty="0"/>
+          </a:p>
+        </p:txBody>
+      </p:sp>
+      <p:cxnSp>
+        <p:nvCxnSpPr>
+          <p:cNvPr id="24" name="Straight Arrow Connector 23"/>
+          <p:cNvCxnSpPr/>
+          <p:nvPr/>
+        </p:nvCxnSpPr>
+        <p:spPr>
+          <a:xfrm flipH="1">
+            <a:off x="4351998" y="4503548"/>
+            <a:ext cx="1" cy="370936"/>
+          </a:xfrm>
+          <a:prstGeom prst="straightConnector1">
+            <a:avLst/>
+          </a:prstGeom>
+          <a:ln w="38100">
+            <a:solidFill>
+              <a:schemeClr val="tx1"/>
+            </a:solidFill>
+            <a:tailEnd type="arrow"/>
+          </a:ln>
+        </p:spPr>
+        <p:style>
+          <a:lnRef idx="1">
+            <a:schemeClr val="accent1"/>
+          </a:lnRef>
+          <a:fillRef idx="0">
+            <a:schemeClr val="accent1"/>
+          </a:fillRef>
+          <a:effectRef idx="0">
+            <a:schemeClr val="accent1"/>
+          </a:effectRef>
+          <a:fontRef idx="minor">
+            <a:schemeClr val="tx1"/>
+          </a:fontRef>
+        </p:style>
+      </p:cxnSp>
+      <p:sp>
+        <p:nvSpPr>
+          <p:cNvPr id="25" name="Rectangle 24"/>
+          <p:cNvSpPr/>
+          <p:nvPr/>
+        </p:nvSpPr>
+        <p:spPr>
+          <a:xfrm>
+            <a:off x="1213862" y="4883632"/>
+            <a:ext cx="1621985" cy="428619"/>
+          </a:xfrm>
+          <a:prstGeom prst="rect">
+            <a:avLst/>
+          </a:prstGeom>
+          <a:solidFill>
+            <a:schemeClr val="accent3">
+              <a:lumMod val="20000"/>
+              <a:lumOff val="80000"/>
+            </a:schemeClr>
+          </a:solidFill>
+          <a:ln w="19050">
+            <a:solidFill>
+              <a:schemeClr val="tx1"/>
+            </a:solidFill>
+          </a:ln>
+        </p:spPr>
+        <p:style>
+          <a:lnRef idx="1">
+            <a:schemeClr val="accent6"/>
+          </a:lnRef>
+          <a:fillRef idx="2">
+            <a:schemeClr val="accent6"/>
+          </a:fillRef>
+          <a:effectRef idx="1">
+            <a:schemeClr val="accent6"/>
+          </a:effectRef>
+          <a:fontRef idx="minor">
+            <a:schemeClr val="dk1"/>
+          </a:fontRef>
+        </p:style>
+        <p:txBody>
+          <a:bodyPr rtlCol="0" anchor="ctr"/>
+          <a:lstStyle/>
+          <a:p>
+            <a:pPr algn="ctr"/>
+            <a:r>
+              <a:rPr lang="en-US" altLang="zh-CN" sz="1600" dirty="0" smtClean="0"/>
+              <a:t>Connection</a:t>
+            </a:r>
+            <a:endParaRPr lang="nb-NO" sz="1600" dirty="0"/>
+          </a:p>
+        </p:txBody>
+      </p:sp>
+      <p:cxnSp>
+        <p:nvCxnSpPr>
+          <p:cNvPr id="26" name="Straight Arrow Connector 25"/>
+          <p:cNvCxnSpPr>
+            <a:endCxn id="25" idx="0"/>
+          </p:cNvCxnSpPr>
+          <p:nvPr/>
+        </p:nvCxnSpPr>
+        <p:spPr>
+          <a:xfrm flipH="1">
+            <a:off x="2024855" y="2904438"/>
+            <a:ext cx="3" cy="1979194"/>
+          </a:xfrm>
+          <a:prstGeom prst="straightConnector1">
+            <a:avLst/>
+          </a:prstGeom>
+          <a:ln w="38100">
+            <a:solidFill>
+              <a:schemeClr val="tx1"/>
+            </a:solidFill>
+            <a:tailEnd type="arrow"/>
+          </a:ln>
+        </p:spPr>
+        <p:style>
+          <a:lnRef idx="1">
+            <a:schemeClr val="accent1"/>
+          </a:lnRef>
+          <a:fillRef idx="0">
+            <a:schemeClr val="accent1"/>
+          </a:fillRef>
+          <a:effectRef idx="0">
+            <a:schemeClr val="accent1"/>
+          </a:effectRef>
+          <a:fontRef idx="minor">
+            <a:schemeClr val="tx1"/>
+          </a:fontRef>
+        </p:style>
+      </p:cxnSp>
+    </p:spTree>
+  </p:cSld>
+  <p:clrMapOvr>
+    <a:masterClrMapping/>
+  </p:clrMapOvr>
+  <p:timing>
+    <p:tnLst>
+      <p:par>
+        <p:cTn id="1" dur="indefinite" restart="never" nodeType="tmRoot"/>
+      </p:par>
+    </p:tnLst>
+  </p:timing>
+</p:sld>
+</file>
+
+<file path=ppt/slides/slide7.xml><?xml version="1.0" encoding="utf-8"?>
+<p:sld xmlns:a="http://schemas.openxmlformats.org/drawingml/2006/main" xmlns:r="http://schemas.openxmlformats.org/officeDocument/2006/relationships" xmlns:p="http://schemas.openxmlformats.org/presentationml/2006/main">
+  <p:cSld>
+    <p:spTree>
+      <p:nvGrpSpPr>
+        <p:cNvPr id="1" name=""/>
+        <p:cNvGrpSpPr/>
+        <p:nvPr/>
+      </p:nvGrpSpPr>
+      <p:grpSpPr>
+        <a:xfrm>
+          <a:off x="0" y="0"/>
+          <a:ext cx="0" cy="0"/>
+          <a:chOff x="0" y="0"/>
+          <a:chExt cx="0" cy="0"/>
+        </a:xfrm>
+      </p:grpSpPr>
       <p:sp>
         <p:nvSpPr>
           <p:cNvPr id="125957" name="Rectangle 2"/>
@@ -38435,7 +39163,7 @@
           <a:graphicData uri="http://schemas.openxmlformats.org/presentationml/2006/ole">
             <mc:AlternateContent xmlns:mc="http://schemas.openxmlformats.org/markup-compatibility/2006">
               <mc:Choice xmlns:v="urn:schemas-microsoft-com:vml" Requires="v">
-                <p:oleObj spid="_x0000_s1062" name="Visio" r:id="rId4" imgW="6124575" imgH="4092702" progId="">
+                <p:oleObj spid="_x0000_s4101" name="Visio" r:id="rId4" imgW="6124575" imgH="4092702" progId="">
                   <p:embed/>
                 </p:oleObj>
               </mc:Choice>
@@ -38444,7 +39172,7 @@
                   <p:embed/>
                   <p:pic>
                     <p:nvPicPr>
-                      <p:cNvPr id="0" name="Picture 26"/>
+                      <p:cNvPr id="0" name=""/>
                       <p:cNvPicPr>
                         <a:picLocks noChangeAspect="1" noChangeArrowheads="1"/>
                       </p:cNvPicPr>
@@ -38553,52 +39281,6 @@
           </a:ln>
         </p:spPr>
       </p:pic>
-      <p:sp>
-        <p:nvSpPr>
-          <p:cNvPr id="8" name="Rectangle 7"/>
-          <p:cNvSpPr/>
-          <p:nvPr/>
-        </p:nvSpPr>
-        <p:spPr>
-          <a:xfrm>
-            <a:off x="1038225" y="3114675"/>
-            <a:ext cx="2171700" cy="800100"/>
-          </a:xfrm>
-          <a:prstGeom prst="rect">
-            <a:avLst/>
-          </a:prstGeom>
-          <a:noFill/>
-          <a:ln>
-            <a:solidFill>
-              <a:schemeClr val="tx2"/>
-            </a:solidFill>
-          </a:ln>
-        </p:spPr>
-        <p:style>
-          <a:lnRef idx="2">
-            <a:schemeClr val="accent1">
-              <a:shade val="50000"/>
-            </a:schemeClr>
-          </a:lnRef>
-          <a:fillRef idx="1">
-            <a:schemeClr val="accent1"/>
-          </a:fillRef>
-          <a:effectRef idx="0">
-            <a:schemeClr val="accent1"/>
-          </a:effectRef>
-          <a:fontRef idx="minor">
-            <a:schemeClr val="lt1"/>
-          </a:fontRef>
-        </p:style>
-        <p:txBody>
-          <a:bodyPr rtlCol="0" anchor="ctr"/>
-          <a:lstStyle/>
-          <a:p>
-            <a:pPr algn="ctr"/>
-            <a:endParaRPr lang="en-US"/>
-          </a:p>
-        </p:txBody>
-      </p:sp>
       <p:pic>
         <p:nvPicPr>
           <p:cNvPr id="2" name="Picture 3"/>
@@ -38632,6 +39314,11 @@
         </p:spPr>
       </p:pic>
     </p:spTree>
+    <p:extLst>
+      <p:ext uri="{BB962C8B-B14F-4D97-AF65-F5344CB8AC3E}">
+        <p14:creationId xmlns:p14="http://schemas.microsoft.com/office/powerpoint/2010/main" val="3715614345"/>
+      </p:ext>
+    </p:extLst>
   </p:cSld>
   <p:clrMapOvr>
     <a:masterClrMapping/>
@@ -38646,7 +39333,7 @@
 </p:sld>
 </file>
 
-<file path=ppt/slides/slide7.xml><?xml version="1.0" encoding="utf-8"?>
+<file path=ppt/slides/slide8.xml><?xml version="1.0" encoding="utf-8"?>
 <p:sld xmlns:a="http://schemas.openxmlformats.org/drawingml/2006/main" xmlns:r="http://schemas.openxmlformats.org/officeDocument/2006/relationships" xmlns:p="http://schemas.openxmlformats.org/presentationml/2006/main">
   <p:cSld>
     <p:spTree>
@@ -38867,7 +39554,7 @@
 </p:sld>
 </file>
 
-<file path=ppt/slides/slide8.xml><?xml version="1.0" encoding="utf-8"?>
+<file path=ppt/slides/slide9.xml><?xml version="1.0" encoding="utf-8"?>
 <p:sld xmlns:a="http://schemas.openxmlformats.org/drawingml/2006/main" xmlns:r="http://schemas.openxmlformats.org/officeDocument/2006/relationships" xmlns:p="http://schemas.openxmlformats.org/presentationml/2006/main">
   <p:cSld>
     <p:spTree>
@@ -38964,7 +39651,7 @@
           <a:graphicData uri="http://schemas.openxmlformats.org/presentationml/2006/ole">
             <mc:AlternateContent xmlns:mc="http://schemas.openxmlformats.org/markup-compatibility/2006">
               <mc:Choice xmlns:v="urn:schemas-microsoft-com:vml" Requires="v">
-                <p:oleObj spid="_x0000_s2086" name="Visio" r:id="rId4" imgW="6124575" imgH="4092702" progId="">
+                <p:oleObj spid="_x0000_s2093" name="Visio" r:id="rId4" imgW="6124575" imgH="4092702" progId="">
                   <p:embed/>
                 </p:oleObj>
               </mc:Choice>
@@ -39125,283 +39812,6 @@
           <a:p>
             <a:pPr algn="ctr"/>
             <a:endParaRPr lang="en-US"/>
-          </a:p>
-        </p:txBody>
-      </p:sp>
-    </p:spTree>
-  </p:cSld>
-  <p:clrMapOvr>
-    <a:masterClrMapping/>
-  </p:clrMapOvr>
-  <p:timing>
-    <p:tnLst>
-      <p:par>
-        <p:cTn id="1" dur="indefinite" restart="never" nodeType="tmRoot"/>
-      </p:par>
-    </p:tnLst>
-  </p:timing>
-</p:sld>
-</file>
-
-<file path=ppt/slides/slide9.xml><?xml version="1.0" encoding="utf-8"?>
-<p:sld xmlns:a="http://schemas.openxmlformats.org/drawingml/2006/main" xmlns:r="http://schemas.openxmlformats.org/officeDocument/2006/relationships" xmlns:p="http://schemas.openxmlformats.org/presentationml/2006/main">
-  <p:cSld>
-    <p:spTree>
-      <p:nvGrpSpPr>
-        <p:cNvPr id="1" name=""/>
-        <p:cNvGrpSpPr/>
-        <p:nvPr/>
-      </p:nvGrpSpPr>
-      <p:grpSpPr>
-        <a:xfrm>
-          <a:off x="0" y="0"/>
-          <a:ext cx="0" cy="0"/>
-          <a:chOff x="0" y="0"/>
-          <a:chExt cx="0" cy="0"/>
-        </a:xfrm>
-      </p:grpSpPr>
-      <p:sp>
-        <p:nvSpPr>
-          <p:cNvPr id="134145" name="Rectangle 3"/>
-          <p:cNvSpPr>
-            <a:spLocks noChangeArrowheads="1"/>
-          </p:cNvSpPr>
-          <p:nvPr/>
-        </p:nvSpPr>
-        <p:spPr bwMode="auto">
-          <a:xfrm>
-            <a:off x="333375" y="1258888"/>
-            <a:ext cx="8477250" cy="2816225"/>
-          </a:xfrm>
-          <a:prstGeom prst="rect">
-            <a:avLst/>
-          </a:prstGeom>
-          <a:noFill/>
-          <a:ln w="9525">
-            <a:noFill/>
-            <a:miter lim="800000"/>
-            <a:headEnd/>
-            <a:tailEnd/>
-          </a:ln>
-        </p:spPr>
-        <p:txBody>
-          <a:bodyPr/>
-          <a:lstStyle/>
-          <a:p>
-            <a:pPr marL="342900" indent="-342900">
-              <a:lnSpc>
-                <a:spcPct val="90000"/>
-              </a:lnSpc>
-              <a:spcBef>
-                <a:spcPct val="20000"/>
-              </a:spcBef>
-              <a:buFontTx/>
-              <a:buChar char="•"/>
-            </a:pPr>
-            <a:r>
-              <a:rPr lang="en-US" sz="2200"/>
-              <a:t>Passive Scanning</a:t>
-            </a:r>
-          </a:p>
-          <a:p>
-            <a:pPr marL="742950" lvl="1" indent="-285750">
-              <a:lnSpc>
-                <a:spcPct val="90000"/>
-              </a:lnSpc>
-              <a:spcBef>
-                <a:spcPct val="20000"/>
-              </a:spcBef>
-              <a:buFontTx/>
-              <a:buChar char="–"/>
-            </a:pPr>
-            <a:r>
-              <a:rPr lang="en-US"/>
-              <a:t>Scanner listens on advertising channels for advertising packets</a:t>
-            </a:r>
-          </a:p>
-          <a:p>
-            <a:pPr marL="742950" lvl="1" indent="-285750">
-              <a:lnSpc>
-                <a:spcPct val="90000"/>
-              </a:lnSpc>
-              <a:spcBef>
-                <a:spcPct val="20000"/>
-              </a:spcBef>
-              <a:buFontTx/>
-              <a:buChar char="–"/>
-            </a:pPr>
-            <a:r>
-              <a:rPr lang="en-US"/>
-              <a:t>When an advertisement packet is received, it passes the information up to the host</a:t>
-            </a:r>
-          </a:p>
-          <a:p>
-            <a:pPr marL="342900" indent="-342900">
-              <a:lnSpc>
-                <a:spcPct val="90000"/>
-              </a:lnSpc>
-              <a:spcBef>
-                <a:spcPct val="20000"/>
-              </a:spcBef>
-              <a:buFontTx/>
-              <a:buChar char="•"/>
-            </a:pPr>
-            <a:r>
-              <a:rPr lang="en-US" sz="2200"/>
-              <a:t>Active Scanning</a:t>
-            </a:r>
-          </a:p>
-          <a:p>
-            <a:pPr marL="742950" lvl="1" indent="-285750">
-              <a:lnSpc>
-                <a:spcPct val="90000"/>
-              </a:lnSpc>
-              <a:spcBef>
-                <a:spcPct val="20000"/>
-              </a:spcBef>
-              <a:buFontTx/>
-              <a:buChar char="–"/>
-            </a:pPr>
-            <a:r>
-              <a:rPr lang="en-US"/>
-              <a:t>Scanner listens on advertising channels for advertising packets</a:t>
-            </a:r>
-          </a:p>
-          <a:p>
-            <a:pPr marL="742950" lvl="1" indent="-285750">
-              <a:lnSpc>
-                <a:spcPct val="90000"/>
-              </a:lnSpc>
-              <a:spcBef>
-                <a:spcPct val="20000"/>
-              </a:spcBef>
-              <a:buFontTx/>
-              <a:buChar char="–"/>
-            </a:pPr>
-            <a:r>
-              <a:rPr lang="en-US"/>
-              <a:t>When an advertisement packet is received, it responds with a “scan request” packet</a:t>
-            </a:r>
-          </a:p>
-          <a:p>
-            <a:pPr marL="742950" lvl="1" indent="-285750">
-              <a:lnSpc>
-                <a:spcPct val="90000"/>
-              </a:lnSpc>
-              <a:spcBef>
-                <a:spcPct val="20000"/>
-              </a:spcBef>
-              <a:buFontTx/>
-              <a:buChar char="–"/>
-            </a:pPr>
-            <a:r>
-              <a:rPr lang="en-US"/>
-              <a:t>Advertiser then responds back with a “scan response” packet (this packet can contain additional data from advertiser)</a:t>
-            </a:r>
-          </a:p>
-        </p:txBody>
-      </p:sp>
-      <p:sp>
-        <p:nvSpPr>
-          <p:cNvPr id="134146" name="Rectangle 2"/>
-          <p:cNvSpPr>
-            <a:spLocks noGrp="1" noChangeArrowheads="1"/>
-          </p:cNvSpPr>
-          <p:nvPr>
-            <p:ph type="title" idx="4294967295"/>
-          </p:nvPr>
-        </p:nvSpPr>
-        <p:spPr>
-          <a:xfrm>
-            <a:off x="0" y="142875"/>
-            <a:ext cx="8458200" cy="814388"/>
-          </a:xfrm>
-        </p:spPr>
-        <p:txBody>
-          <a:bodyPr/>
-          <a:lstStyle/>
-          <a:p>
-            <a:pPr algn="ctr" eaLnBrk="1" hangingPunct="1"/>
-            <a:r>
-              <a:rPr lang="en-US" dirty="0" smtClean="0"/>
-              <a:t>BLE Link Layer: Scanning</a:t>
-            </a:r>
-          </a:p>
-        </p:txBody>
-      </p:sp>
-      <p:sp>
-        <p:nvSpPr>
-          <p:cNvPr id="134147" name="Footer Placeholder 4"/>
-          <p:cNvSpPr txBox="1">
-            <a:spLocks noGrp="1"/>
-          </p:cNvSpPr>
-          <p:nvPr/>
-        </p:nvSpPr>
-        <p:spPr bwMode="auto">
-          <a:xfrm>
-            <a:off x="3114675" y="6038850"/>
-            <a:ext cx="2895600" cy="206375"/>
-          </a:xfrm>
-          <a:prstGeom prst="rect">
-            <a:avLst/>
-          </a:prstGeom>
-          <a:noFill/>
-          <a:ln w="9525">
-            <a:noFill/>
-            <a:miter lim="800000"/>
-            <a:headEnd/>
-            <a:tailEnd/>
-          </a:ln>
-        </p:spPr>
-        <p:txBody>
-          <a:bodyPr/>
-          <a:lstStyle/>
-          <a:p>
-            <a:pPr algn="ctr"/>
-            <a:r>
-              <a:rPr lang="en-US" sz="800"/>
-              <a:t>TI Information – Selective Disclosure</a:t>
-            </a:r>
-          </a:p>
-        </p:txBody>
-      </p:sp>
-      <p:sp>
-        <p:nvSpPr>
-          <p:cNvPr id="134148" name="Rectangle 3"/>
-          <p:cNvSpPr>
-            <a:spLocks noChangeArrowheads="1"/>
-          </p:cNvSpPr>
-          <p:nvPr/>
-        </p:nvSpPr>
-        <p:spPr bwMode="auto">
-          <a:xfrm>
-            <a:off x="333375" y="1258888"/>
-            <a:ext cx="8523288" cy="4619625"/>
-          </a:xfrm>
-          <a:prstGeom prst="rect">
-            <a:avLst/>
-          </a:prstGeom>
-          <a:noFill/>
-          <a:ln w="9525">
-            <a:noFill/>
-            <a:miter lim="800000"/>
-            <a:headEnd/>
-            <a:tailEnd/>
-          </a:ln>
-        </p:spPr>
-        <p:txBody>
-          <a:bodyPr/>
-          <a:lstStyle/>
-          <a:p>
-            <a:pPr marL="342900" indent="-342900">
-              <a:lnSpc>
-                <a:spcPct val="80000"/>
-              </a:lnSpc>
-              <a:spcBef>
-                <a:spcPct val="20000"/>
-              </a:spcBef>
-            </a:pPr>
-            <a:endParaRPr lang="nb-NO"/>
           </a:p>
         </p:txBody>
       </p:sp>
@@ -40383,9 +40793,12 @@
 </file>
 
 <file path=customXml/item1.xml><?xml version="1.0" encoding="utf-8"?>
-<p:properties xmlns:p="http://schemas.microsoft.com/office/2006/metadata/properties" xmlns:xsi="http://www.w3.org/2001/XMLSchema-instance" xmlns:pc="http://schemas.microsoft.com/office/infopath/2007/PartnerControls">
-  <documentManagement/>
-</p:properties>
+<?mso-contentType ?>
+<FormTemplates xmlns="http://schemas.microsoft.com/sharepoint/v3/contenttype/forms">
+  <Display>DocumentLibraryForm</Display>
+  <Edit>DocumentLibraryForm</Edit>
+  <New>DocumentLibraryForm</New>
+</FormTemplates>
 </file>
 
 <file path=customXml/item2.xml><?xml version="1.0" encoding="utf-8"?>
@@ -40438,19 +40851,15 @@
 </file>
 
 <file path=customXml/item3.xml><?xml version="1.0" encoding="utf-8"?>
-<?mso-contentType ?>
-<FormTemplates xmlns="http://schemas.microsoft.com/sharepoint/v3/contenttype/forms">
-  <Display>DocumentLibraryForm</Display>
-  <Edit>DocumentLibraryForm</Edit>
-  <New>DocumentLibraryForm</New>
-</FormTemplates>
+<p:properties xmlns:p="http://schemas.microsoft.com/office/2006/metadata/properties" xmlns:xsi="http://www.w3.org/2001/XMLSchema-instance" xmlns:pc="http://schemas.microsoft.com/office/infopath/2007/PartnerControls">
+  <documentManagement/>
+</p:properties>
 </file>
 
 <file path=customXml/itemProps1.xml><?xml version="1.0" encoding="utf-8"?>
-<ds:datastoreItem xmlns:ds="http://schemas.openxmlformats.org/officeDocument/2006/customXml" ds:itemID="{52BDA8EF-2AE5-4895-B02A-8C7B3858AA2D}">
+<ds:datastoreItem xmlns:ds="http://schemas.openxmlformats.org/officeDocument/2006/customXml" ds:itemID="{847659D7-001D-477E-B02E-5388C311C7F3}">
   <ds:schemaRefs>
-    <ds:schemaRef ds:uri="http://schemas.microsoft.com/office/2006/metadata/properties"/>
-    <ds:schemaRef ds:uri="http://schemas.microsoft.com/office/infopath/2007/PartnerControls"/>
+    <ds:schemaRef ds:uri="http://schemas.microsoft.com/sharepoint/v3/contenttype/forms"/>
   </ds:schemaRefs>
 </ds:datastoreItem>
 </file>
@@ -40471,9 +40880,10 @@
 </file>
 
 <file path=customXml/itemProps3.xml><?xml version="1.0" encoding="utf-8"?>
-<ds:datastoreItem xmlns:ds="http://schemas.openxmlformats.org/officeDocument/2006/customXml" ds:itemID="{847659D7-001D-477E-B02E-5388C311C7F3}">
+<ds:datastoreItem xmlns:ds="http://schemas.openxmlformats.org/officeDocument/2006/customXml" ds:itemID="{52BDA8EF-2AE5-4895-B02A-8C7B3858AA2D}">
   <ds:schemaRefs>
-    <ds:schemaRef ds:uri="http://schemas.microsoft.com/sharepoint/v3/contenttype/forms"/>
+    <ds:schemaRef ds:uri="http://schemas.microsoft.com/office/2006/metadata/properties"/>
+    <ds:schemaRef ds:uri="http://schemas.microsoft.com/office/infopath/2007/PartnerControls"/>
   </ds:schemaRefs>
 </ds:datastoreItem>
 </file>